--- a/labs/lab 3/Reem Taher hw _lab 3.pptx
+++ b/labs/lab 3/Reem Taher hw _lab 3.pptx
@@ -4312,35 +4312,28 @@
           <p:nvPr>
             <p:extLst>
               <p:ext uri="{D42A27DB-BD31-4B8C-83A1-F6EECF244321}">
-                <p14:modId xmlns:p14="http://schemas.microsoft.com/office/powerpoint/2010/main" val="2858367360"/>
+                <p14:modId xmlns:p14="http://schemas.microsoft.com/office/powerpoint/2010/main" val="1317257789"/>
               </p:ext>
             </p:extLst>
           </p:nvPr>
         </p:nvGraphicFramePr>
         <p:xfrm>
           <a:off x="0" y="867266"/>
-          <a:ext cx="12192002" cy="5370978"/>
+          <a:ext cx="11514137" cy="4870382"/>
         </p:xfrm>
         <a:graphic>
           <a:graphicData uri="http://schemas.openxmlformats.org/drawingml/2006/table">
             <a:tbl>
               <a:tblPr/>
               <a:tblGrid>
-                <a:gridCol w="1778002">
+                <a:gridCol w="1574800">
                   <a:extLst>
                     <a:ext uri="{9D8B030D-6E8A-4147-A177-3AD203B41FA5}">
                       <a16:colId xmlns:a16="http://schemas.microsoft.com/office/drawing/2014/main" val="20000"/>
                     </a:ext>
                   </a:extLst>
                 </a:gridCol>
-                <a:gridCol w="254000">
-                  <a:extLst>
-                    <a:ext uri="{9D8B030D-6E8A-4147-A177-3AD203B41FA5}">
-                      <a16:colId xmlns:a16="http://schemas.microsoft.com/office/drawing/2014/main" val="22043322"/>
-                    </a:ext>
-                  </a:extLst>
-                </a:gridCol>
-                <a:gridCol w="2032000">
+                <a:gridCol w="1811337">
                   <a:extLst>
                     <a:ext uri="{9D8B030D-6E8A-4147-A177-3AD203B41FA5}">
                       <a16:colId xmlns:a16="http://schemas.microsoft.com/office/drawing/2014/main" val="1261658178"/>
@@ -4390,42 +4383,36 @@
                       </a:pPr>
                       <a:r>
                         <a:rPr lang="ar-YE" sz="1800" dirty="0"/>
-                        <a:t>المعيار</a:t>
+                        <a:t>وجهة المقارنة </a:t>
                       </a:r>
                       <a:endParaRPr lang="en-US" sz="1100" dirty="0"/>
                     </a:p>
                   </a:txBody>
                   <a:tcPr marL="114300" marR="114300" marT="114300" marB="114300" anchor="ctr">
-                    <a:lnL w="0" cap="flat" cmpd="sng" algn="ctr">
+                    <a:lnL w="12700" cap="flat" cmpd="sng" algn="ctr">
+                      <a:noFill/>
+                      <a:prstDash val="solid"/>
+                      <a:round/>
+                      <a:headEnd type="none" w="med" len="med"/>
+                      <a:tailEnd type="none" w="med" len="med"/>
+                    </a:lnL>
+                    <a:lnR w="12700" cap="flat" cmpd="sng" algn="ctr">
+                      <a:noFill/>
+                      <a:prstDash val="solid"/>
+                      <a:round/>
+                      <a:headEnd type="none" w="med" len="med"/>
+                      <a:tailEnd type="none" w="med" len="med"/>
+                    </a:lnR>
+                    <a:lnT w="12700" cap="flat" cmpd="sng" algn="ctr">
+                      <a:noFill/>
+                      <a:prstDash val="solid"/>
+                      <a:round/>
+                      <a:headEnd type="none" w="med" len="med"/>
+                      <a:tailEnd type="none" w="med" len="med"/>
+                    </a:lnT>
+                    <a:lnB w="12700" cap="flat" cmpd="sng" algn="ctr">
                       <a:solidFill>
-                        <a:srgbClr val="CCCCCC"/>
-                      </a:solidFill>
-                      <a:prstDash val="solid"/>
-                      <a:round/>
-                      <a:headEnd type="none" w="med" len="med"/>
-                      <a:tailEnd type="none" w="med" len="med"/>
-                    </a:lnL>
-                    <a:lnR w="0" cap="flat" cmpd="sng" algn="ctr">
-                      <a:solidFill>
-                        <a:srgbClr val="CCCCCC"/>
-                      </a:solidFill>
-                      <a:prstDash val="solid"/>
-                      <a:round/>
-                      <a:headEnd type="none" w="med" len="med"/>
-                      <a:tailEnd type="none" w="med" len="med"/>
-                    </a:lnR>
-                    <a:lnT w="0" cap="flat" cmpd="sng" algn="ctr">
-                      <a:solidFill>
-                        <a:srgbClr val="CCCCCC"/>
-                      </a:solidFill>
-                      <a:prstDash val="solid"/>
-                      <a:round/>
-                      <a:headEnd type="none" w="med" len="med"/>
-                      <a:tailEnd type="none" w="med" len="med"/>
-                    </a:lnT>
-                    <a:lnB w="0" cap="flat" cmpd="sng" algn="ctr">
-                      <a:solidFill>
-                        <a:srgbClr val="CCCCCC"/>
+                        <a:schemeClr val="bg1"/>
                       </a:solidFill>
                       <a:prstDash val="solid"/>
                       <a:round/>
@@ -4448,14 +4435,16 @@
                         </a:lnSpc>
                         <a:defRPr/>
                       </a:pPr>
+                      <a:r>
+                        <a:rPr lang="en-US" sz="2000" dirty="0"/>
+                        <a:t>Jinja2</a:t>
+                      </a:r>
                       <a:endParaRPr lang="en-US" sz="1100" dirty="0"/>
                     </a:p>
                   </a:txBody>
                   <a:tcPr marL="114300" marR="114300" marT="114300" marB="114300" anchor="ctr">
-                    <a:lnL w="0" cap="flat" cmpd="sng" algn="ctr">
-                      <a:solidFill>
-                        <a:srgbClr val="CCCCCC"/>
-                      </a:solidFill>
+                    <a:lnL w="12700" cap="flat" cmpd="sng" algn="ctr">
+                      <a:noFill/>
                       <a:prstDash val="solid"/>
                       <a:round/>
                       <a:headEnd type="none" w="med" len="med"/>
@@ -4508,69 +4497,6 @@
                         <a:defRPr/>
                       </a:pPr>
                       <a:r>
-                        <a:rPr lang="en-US" sz="2000" dirty="0"/>
-                        <a:t>Jinja2</a:t>
-                      </a:r>
-                      <a:endParaRPr lang="en-US" sz="1100" dirty="0"/>
-                    </a:p>
-                  </a:txBody>
-                  <a:tcPr marL="114300" marR="114300" marT="114300" marB="114300" anchor="ctr">
-                    <a:lnL w="0" cap="flat" cmpd="sng" algn="ctr">
-                      <a:solidFill>
-                        <a:srgbClr val="CCCCCC"/>
-                      </a:solidFill>
-                      <a:prstDash val="solid"/>
-                      <a:round/>
-                      <a:headEnd type="none" w="med" len="med"/>
-                      <a:tailEnd type="none" w="med" len="med"/>
-                    </a:lnL>
-                    <a:lnR w="0" cap="flat" cmpd="sng" algn="ctr">
-                      <a:solidFill>
-                        <a:srgbClr val="CCCCCC"/>
-                      </a:solidFill>
-                      <a:prstDash val="solid"/>
-                      <a:round/>
-                      <a:headEnd type="none" w="med" len="med"/>
-                      <a:tailEnd type="none" w="med" len="med"/>
-                    </a:lnR>
-                    <a:lnT w="0" cap="flat" cmpd="sng" algn="ctr">
-                      <a:solidFill>
-                        <a:srgbClr val="CCCCCC"/>
-                      </a:solidFill>
-                      <a:prstDash val="solid"/>
-                      <a:round/>
-                      <a:headEnd type="none" w="med" len="med"/>
-                      <a:tailEnd type="none" w="med" len="med"/>
-                    </a:lnT>
-                    <a:lnB w="0" cap="flat" cmpd="sng" algn="ctr">
-                      <a:solidFill>
-                        <a:srgbClr val="CCCCCC"/>
-                      </a:solidFill>
-                      <a:prstDash val="solid"/>
-                      <a:round/>
-                      <a:headEnd type="none" w="med" len="med"/>
-                      <a:tailEnd type="none" w="med" len="med"/>
-                    </a:lnB>
-                    <a:solidFill>
-                      <a:schemeClr val="accent2">
-                        <a:lumMod val="20000"/>
-                        <a:lumOff val="80000"/>
-                      </a:schemeClr>
-                    </a:solidFill>
-                  </a:tcPr>
-                </a:tc>
-                <a:tc>
-                  <a:txBody>
-                    <a:bodyPr/>
-                    <a:lstStyle/>
-                    <a:p>
-                      <a:pPr algn="ctr" rtl="1">
-                        <a:lnSpc>
-                          <a:spcPts val="2519"/>
-                        </a:lnSpc>
-                        <a:defRPr/>
-                      </a:pPr>
-                      <a:r>
                         <a:rPr lang="en-US" sz="1800" dirty="0"/>
                         <a:t>Mako</a:t>
                       </a:r>
@@ -4817,7 +4743,7 @@
                 </a:extLst>
               </a:tr>
               <a:tr h="500596">
-                <a:tc gridSpan="2">
+                <a:tc>
                   <a:txBody>
                     <a:bodyPr/>
                     <a:lstStyle/>
@@ -4830,36 +4756,32 @@
                     </a:p>
                   </a:txBody>
                   <a:tcPr anchor="ctr">
-                    <a:lnL w="0" cap="flat" cmpd="sng" algn="ctr">
+                    <a:lnL w="12700" cap="flat" cmpd="sng" algn="ctr">
+                      <a:noFill/>
+                      <a:prstDash val="solid"/>
+                      <a:round/>
+                      <a:headEnd type="none" w="med" len="med"/>
+                      <a:tailEnd type="none" w="med" len="med"/>
+                    </a:lnL>
+                    <a:lnR w="12700" cap="flat" cmpd="sng" algn="ctr">
+                      <a:noFill/>
+                      <a:prstDash val="solid"/>
+                      <a:round/>
+                      <a:headEnd type="none" w="med" len="med"/>
+                      <a:tailEnd type="none" w="med" len="med"/>
+                    </a:lnR>
+                    <a:lnT w="12700" cap="flat" cmpd="sng" algn="ctr">
                       <a:solidFill>
-                        <a:srgbClr val="CCCCCC"/>
+                        <a:schemeClr val="bg1"/>
                       </a:solidFill>
                       <a:prstDash val="solid"/>
                       <a:round/>
                       <a:headEnd type="none" w="med" len="med"/>
                       <a:tailEnd type="none" w="med" len="med"/>
-                    </a:lnL>
-                    <a:lnR w="28575" cap="flat" cmpd="sng" algn="ctr">
+                    </a:lnT>
+                    <a:lnB w="12700" cap="flat" cmpd="sng" algn="ctr">
                       <a:solidFill>
-                        <a:srgbClr val="FFFFFF"/>
-                      </a:solidFill>
-                      <a:prstDash val="solid"/>
-                      <a:round/>
-                      <a:headEnd type="none" w="med" len="med"/>
-                      <a:tailEnd type="none" w="med" len="med"/>
-                    </a:lnR>
-                    <a:lnT w="0" cap="flat" cmpd="sng" algn="ctr">
-                      <a:solidFill>
-                        <a:srgbClr val="CCCCCC"/>
-                      </a:solidFill>
-                      <a:prstDash val="solid"/>
-                      <a:round/>
-                      <a:headEnd type="none" w="med" len="med"/>
-                      <a:tailEnd type="none" w="med" len="med"/>
-                    </a:lnT>
-                    <a:lnB w="28575" cap="flat" cmpd="sng" algn="ctr">
-                      <a:solidFill>
-                        <a:srgbClr val="FFFFFF"/>
+                        <a:schemeClr val="bg1"/>
                       </a:solidFill>
                       <a:prstDash val="solid"/>
                       <a:round/>
@@ -4867,21 +4789,10 @@
                       <a:tailEnd type="none" w="med" len="med"/>
                     </a:lnB>
                     <a:solidFill>
-                      <a:srgbClr val="F4F4F4"/>
+                      <a:srgbClr val="FDF3ED"/>
                     </a:solidFill>
                   </a:tcPr>
                 </a:tc>
-                <a:tc hMerge="1">
-                  <a:txBody>
-                    <a:bodyPr/>
-                    <a:lstStyle/>
-                    <a:p>
-                      <a:pPr rtl="1"/>
-                      <a:endParaRPr lang="ar-YE"/>
-                    </a:p>
-                  </a:txBody>
-                  <a:tcPr/>
-                </a:tc>
                 <a:tc>
                   <a:txBody>
                     <a:bodyPr/>
@@ -4895,10 +4806,8 @@
                     </a:p>
                   </a:txBody>
                   <a:tcPr anchor="ctr">
-                    <a:lnL w="28575" cap="flat" cmpd="sng" algn="ctr">
-                      <a:solidFill>
-                        <a:srgbClr val="FFFFFF"/>
-                      </a:solidFill>
+                    <a:lnL w="12700" cap="flat" cmpd="sng" algn="ctr">
+                      <a:noFill/>
                       <a:prstDash val="solid"/>
                       <a:round/>
                       <a:headEnd type="none" w="med" len="med"/>
@@ -5163,49 +5072,45 @@
                 </a:extLst>
               </a:tr>
               <a:tr h="500596">
-                <a:tc gridSpan="2">
+                <a:tc>
                   <a:txBody>
                     <a:bodyPr/>
                     <a:lstStyle/>
                     <a:p>
                       <a:pPr algn="ctr" rtl="1"/>
                       <a:r>
-                        <a:rPr lang="ar-YE" sz="1400"/>
+                        <a:rPr lang="ar-YE" sz="1400" dirty="0"/>
                         <a:t>الأداء</a:t>
                       </a:r>
                     </a:p>
                   </a:txBody>
                   <a:tcPr anchor="ctr">
-                    <a:lnL w="0" cap="flat" cmpd="sng" algn="ctr">
+                    <a:lnL w="12700" cap="flat" cmpd="sng" algn="ctr">
+                      <a:noFill/>
+                      <a:prstDash val="solid"/>
+                      <a:round/>
+                      <a:headEnd type="none" w="med" len="med"/>
+                      <a:tailEnd type="none" w="med" len="med"/>
+                    </a:lnL>
+                    <a:lnR w="12700" cap="flat" cmpd="sng" algn="ctr">
+                      <a:noFill/>
+                      <a:prstDash val="solid"/>
+                      <a:round/>
+                      <a:headEnd type="none" w="med" len="med"/>
+                      <a:tailEnd type="none" w="med" len="med"/>
+                    </a:lnR>
+                    <a:lnT w="12700" cap="flat" cmpd="sng" algn="ctr">
                       <a:solidFill>
-                        <a:srgbClr val="CCCCCC"/>
+                        <a:schemeClr val="bg1"/>
                       </a:solidFill>
                       <a:prstDash val="solid"/>
                       <a:round/>
                       <a:headEnd type="none" w="med" len="med"/>
                       <a:tailEnd type="none" w="med" len="med"/>
-                    </a:lnL>
-                    <a:lnR w="28575" cap="flat" cmpd="sng" algn="ctr">
+                    </a:lnT>
+                    <a:lnB w="12700" cap="flat" cmpd="sng" algn="ctr">
                       <a:solidFill>
-                        <a:srgbClr val="FFFFFF"/>
-                      </a:solidFill>
-                      <a:prstDash val="solid"/>
-                      <a:round/>
-                      <a:headEnd type="none" w="med" len="med"/>
-                      <a:tailEnd type="none" w="med" len="med"/>
-                    </a:lnR>
-                    <a:lnT w="28575" cap="flat" cmpd="sng" algn="ctr">
-                      <a:solidFill>
-                        <a:srgbClr val="FFFFFF"/>
-                      </a:solidFill>
-                      <a:prstDash val="solid"/>
-                      <a:round/>
-                      <a:headEnd type="none" w="med" len="med"/>
-                      <a:tailEnd type="none" w="med" len="med"/>
-                    </a:lnT>
-                    <a:lnB w="28575" cap="flat" cmpd="sng" algn="ctr">
-                      <a:solidFill>
-                        <a:srgbClr val="FFFFFF"/>
+                        <a:schemeClr val="bg1"/>
                       </a:solidFill>
                       <a:prstDash val="solid"/>
                       <a:round/>
@@ -5213,21 +5118,10 @@
                       <a:tailEnd type="none" w="med" len="med"/>
                     </a:lnB>
                     <a:solidFill>
-                      <a:srgbClr val="F4F4F4"/>
+                      <a:srgbClr val="FDF3ED"/>
                     </a:solidFill>
                   </a:tcPr>
                 </a:tc>
-                <a:tc hMerge="1">
-                  <a:txBody>
-                    <a:bodyPr/>
-                    <a:lstStyle/>
-                    <a:p>
-                      <a:pPr rtl="1"/>
-                      <a:endParaRPr lang="ar-YE"/>
-                    </a:p>
-                  </a:txBody>
-                  <a:tcPr/>
-                </a:tc>
                 <a:tc>
                   <a:txBody>
                     <a:bodyPr/>
@@ -5245,10 +5139,8 @@
                     </a:p>
                   </a:txBody>
                   <a:tcPr anchor="ctr">
-                    <a:lnL w="28575" cap="flat" cmpd="sng" algn="ctr">
-                      <a:solidFill>
-                        <a:srgbClr val="FFFFFF"/>
-                      </a:solidFill>
+                    <a:lnL w="12700" cap="flat" cmpd="sng" algn="ctr">
+                      <a:noFill/>
                       <a:prstDash val="solid"/>
                       <a:round/>
                       <a:headEnd type="none" w="med" len="med"/>
@@ -5509,23 +5401,75 @@
                 </a:extLst>
               </a:tr>
               <a:tr h="500596">
-                <a:tc gridSpan="2">
+                <a:tc>
                   <a:txBody>
                     <a:bodyPr/>
                     <a:lstStyle/>
                     <a:p>
                       <a:pPr algn="ctr" rtl="1"/>
                       <a:r>
-                        <a:rPr lang="ar-YE" sz="1400"/>
+                        <a:rPr lang="ar-YE" sz="1400" dirty="0"/>
                         <a:t>التركيب</a:t>
                       </a:r>
                     </a:p>
                   </a:txBody>
                   <a:tcPr anchor="ctr">
-                    <a:lnL w="0" cap="flat" cmpd="sng" algn="ctr">
+                    <a:lnL w="12700" cap="flat" cmpd="sng" algn="ctr">
+                      <a:noFill/>
+                      <a:prstDash val="solid"/>
+                      <a:round/>
+                      <a:headEnd type="none" w="med" len="med"/>
+                      <a:tailEnd type="none" w="med" len="med"/>
+                    </a:lnL>
+                    <a:lnR w="12700" cap="flat" cmpd="sng" algn="ctr">
+                      <a:noFill/>
+                      <a:prstDash val="solid"/>
+                      <a:round/>
+                      <a:headEnd type="none" w="med" len="med"/>
+                      <a:tailEnd type="none" w="med" len="med"/>
+                    </a:lnR>
+                    <a:lnT w="12700" cap="flat" cmpd="sng" algn="ctr">
                       <a:solidFill>
-                        <a:srgbClr val="CCCCCC"/>
+                        <a:schemeClr val="bg1"/>
                       </a:solidFill>
+                      <a:prstDash val="solid"/>
+                      <a:round/>
+                      <a:headEnd type="none" w="med" len="med"/>
+                      <a:tailEnd type="none" w="med" len="med"/>
+                    </a:lnT>
+                    <a:lnB w="12700" cap="flat" cmpd="sng" algn="ctr">
+                      <a:solidFill>
+                        <a:schemeClr val="bg1"/>
+                      </a:solidFill>
+                      <a:prstDash val="solid"/>
+                      <a:round/>
+                      <a:headEnd type="none" w="med" len="med"/>
+                      <a:tailEnd type="none" w="med" len="med"/>
+                    </a:lnB>
+                    <a:solidFill>
+                      <a:srgbClr val="FDF3ED"/>
+                    </a:solidFill>
+                  </a:tcPr>
+                </a:tc>
+                <a:tc>
+                  <a:txBody>
+                    <a:bodyPr/>
+                    <a:lstStyle/>
+                    <a:p>
+                      <a:pPr algn="ctr" rtl="1"/>
+                      <a:r>
+                        <a:rPr lang="en-US" sz="1400" dirty="0"/>
+                        <a:t> Pythonic  </a:t>
+                      </a:r>
+                      <a:r>
+                        <a:rPr lang="ar-YE" sz="1400" dirty="0"/>
+                        <a:t>سهل</a:t>
+                      </a:r>
+                    </a:p>
+                  </a:txBody>
+                  <a:tcPr anchor="ctr">
+                    <a:lnL w="12700" cap="flat" cmpd="sng" algn="ctr">
+                      <a:noFill/>
                       <a:prstDash val="solid"/>
                       <a:round/>
                       <a:headEnd type="none" w="med" len="med"/>
@@ -5563,17 +5507,6 @@
                     </a:solidFill>
                   </a:tcPr>
                 </a:tc>
-                <a:tc hMerge="1">
-                  <a:txBody>
-                    <a:bodyPr/>
-                    <a:lstStyle/>
-                    <a:p>
-                      <a:pPr rtl="1"/>
-                      <a:endParaRPr lang="ar-YE"/>
-                    </a:p>
-                  </a:txBody>
-                  <a:tcPr/>
-                </a:tc>
                 <a:tc>
                   <a:txBody>
                     <a:bodyPr/>
@@ -5582,11 +5515,15 @@
                       <a:pPr algn="ctr" rtl="1"/>
                       <a:r>
                         <a:rPr lang="en-US" sz="1400" dirty="0"/>
-                        <a:t>Pythonic – </a:t>
+                        <a:t>Python </a:t>
                       </a:r>
                       <a:r>
                         <a:rPr lang="ar-YE" sz="1400" dirty="0"/>
-                        <a:t>سهل</a:t>
+                        <a:t>داخل </a:t>
+                      </a:r>
+                      <a:r>
+                        <a:rPr lang="en-US" sz="1400" dirty="0"/>
+                        <a:t>HTML</a:t>
                       </a:r>
                     </a:p>
                   </a:txBody>
@@ -5640,15 +5577,7 @@
                       <a:pPr algn="ctr" rtl="1"/>
                       <a:r>
                         <a:rPr lang="en-US" sz="1400" dirty="0"/>
-                        <a:t>Python </a:t>
-                      </a:r>
-                      <a:r>
-                        <a:rPr lang="ar-YE" sz="1400" dirty="0"/>
-                        <a:t>داخل </a:t>
-                      </a:r>
-                      <a:r>
-                        <a:rPr lang="en-US" sz="1400" dirty="0"/>
-                        <a:t>HTML</a:t>
+                        <a:t>XML-like</a:t>
                       </a:r>
                     </a:p>
                   </a:txBody>
@@ -5701,62 +5630,8 @@
                     <a:p>
                       <a:pPr algn="ctr" rtl="1"/>
                       <a:r>
-                        <a:rPr lang="en-US" sz="1400" dirty="0"/>
-                        <a:t>XML-like</a:t>
-                      </a:r>
-                    </a:p>
-                  </a:txBody>
-                  <a:tcPr anchor="ctr">
-                    <a:lnL w="28575" cap="flat" cmpd="sng" algn="ctr">
-                      <a:solidFill>
-                        <a:srgbClr val="FFFFFF"/>
-                      </a:solidFill>
-                      <a:prstDash val="solid"/>
-                      <a:round/>
-                      <a:headEnd type="none" w="med" len="med"/>
-                      <a:tailEnd type="none" w="med" len="med"/>
-                    </a:lnL>
-                    <a:lnR w="28575" cap="flat" cmpd="sng" algn="ctr">
-                      <a:solidFill>
-                        <a:srgbClr val="FFFFFF"/>
-                      </a:solidFill>
-                      <a:prstDash val="solid"/>
-                      <a:round/>
-                      <a:headEnd type="none" w="med" len="med"/>
-                      <a:tailEnd type="none" w="med" len="med"/>
-                    </a:lnR>
-                    <a:lnT w="28575" cap="flat" cmpd="sng" algn="ctr">
-                      <a:solidFill>
-                        <a:srgbClr val="FFFFFF"/>
-                      </a:solidFill>
-                      <a:prstDash val="solid"/>
-                      <a:round/>
-                      <a:headEnd type="none" w="med" len="med"/>
-                      <a:tailEnd type="none" w="med" len="med"/>
-                    </a:lnT>
-                    <a:lnB w="28575" cap="flat" cmpd="sng" algn="ctr">
-                      <a:solidFill>
-                        <a:srgbClr val="FFFFFF"/>
-                      </a:solidFill>
-                      <a:prstDash val="solid"/>
-                      <a:round/>
-                      <a:headEnd type="none" w="med" len="med"/>
-                      <a:tailEnd type="none" w="med" len="med"/>
-                    </a:lnB>
-                    <a:solidFill>
-                      <a:srgbClr val="F4F4F4"/>
-                    </a:solidFill>
-                  </a:tcPr>
-                </a:tc>
-                <a:tc>
-                  <a:txBody>
-                    <a:bodyPr/>
-                    <a:lstStyle/>
-                    <a:p>
-                      <a:pPr algn="ctr" rtl="1"/>
-                      <a:r>
-                        <a:rPr lang="ar-YE" sz="1400"/>
-                        <a:t>بسيط جدًا – بلا منطق</a:t>
+                        <a:rPr lang="ar-YE" sz="1400" dirty="0"/>
+                        <a:t>بسيط جدًا</a:t>
                       </a:r>
                     </a:p>
                   </a:txBody>
@@ -5867,27 +5742,71 @@
                 </a:extLst>
               </a:tr>
               <a:tr h="500596">
-                <a:tc gridSpan="2">
+                <a:tc>
                   <a:txBody>
                     <a:bodyPr/>
                     <a:lstStyle/>
                     <a:p>
                       <a:pPr algn="ctr" rtl="1"/>
                       <a:r>
+                        <a:rPr lang="ar-YE" sz="1400" dirty="0"/>
+                        <a:t>السعة </a:t>
+                      </a:r>
+                    </a:p>
+                  </a:txBody>
+                  <a:tcPr anchor="ctr">
+                    <a:lnL w="12700" cap="flat" cmpd="sng" algn="ctr">
+                      <a:noFill/>
+                      <a:prstDash val="solid"/>
+                      <a:round/>
+                      <a:headEnd type="none" w="med" len="med"/>
+                      <a:tailEnd type="none" w="med" len="med"/>
+                    </a:lnL>
+                    <a:lnR w="12700" cap="flat" cmpd="sng" algn="ctr">
+                      <a:noFill/>
+                      <a:prstDash val="solid"/>
+                      <a:round/>
+                      <a:headEnd type="none" w="med" len="med"/>
+                      <a:tailEnd type="none" w="med" len="med"/>
+                    </a:lnR>
+                    <a:lnT w="12700" cap="flat" cmpd="sng" algn="ctr">
+                      <a:solidFill>
+                        <a:schemeClr val="bg1"/>
+                      </a:solidFill>
+                      <a:prstDash val="solid"/>
+                      <a:round/>
+                      <a:headEnd type="none" w="med" len="med"/>
+                      <a:tailEnd type="none" w="med" len="med"/>
+                    </a:lnT>
+                    <a:lnB w="12700" cap="flat" cmpd="sng" algn="ctr">
+                      <a:solidFill>
+                        <a:schemeClr val="bg1"/>
+                      </a:solidFill>
+                      <a:prstDash val="solid"/>
+                      <a:round/>
+                      <a:headEnd type="none" w="med" len="med"/>
+                      <a:tailEnd type="none" w="med" len="med"/>
+                    </a:lnB>
+                    <a:solidFill>
+                      <a:srgbClr val="FDF3ED"/>
+                    </a:solidFill>
+                  </a:tcPr>
+                </a:tc>
+                <a:tc>
+                  <a:txBody>
+                    <a:bodyPr/>
+                    <a:lstStyle/>
+                    <a:p>
+                      <a:pPr algn="ctr" rtl="1"/>
+                      <a:r>
                         <a:rPr lang="ar-YE" sz="1400"/>
-                        <a:t>الدعم في </a:t>
-                      </a:r>
-                      <a:r>
-                        <a:rPr lang="en-US" sz="1400"/>
-                        <a:t>Django</a:t>
+                        <a:t>عالي</a:t>
                       </a:r>
                     </a:p>
                   </a:txBody>
                   <a:tcPr anchor="ctr">
-                    <a:lnL w="0" cap="flat" cmpd="sng" algn="ctr">
-                      <a:solidFill>
-                        <a:srgbClr val="CCCCCC"/>
-                      </a:solidFill>
+                    <a:lnL w="12700" cap="flat" cmpd="sng" algn="ctr">
+                      <a:noFill/>
                       <a:prstDash val="solid"/>
                       <a:round/>
                       <a:headEnd type="none" w="med" len="med"/>
@@ -5925,17 +5844,6 @@
                     </a:solidFill>
                   </a:tcPr>
                 </a:tc>
-                <a:tc hMerge="1">
-                  <a:txBody>
-                    <a:bodyPr/>
-                    <a:lstStyle/>
-                    <a:p>
-                      <a:pPr rtl="1"/>
-                      <a:endParaRPr lang="ar-YE"/>
-                    </a:p>
-                  </a:txBody>
-                  <a:tcPr/>
-                </a:tc>
                 <a:tc>
                   <a:txBody>
                     <a:bodyPr/>
@@ -5944,7 +5852,7 @@
                       <a:pPr algn="ctr" rtl="1"/>
                       <a:r>
                         <a:rPr lang="ar-YE" sz="1400"/>
-                        <a:t>مدعوم رسميًا</a:t>
+                        <a:t>عالي</a:t>
                       </a:r>
                     </a:p>
                   </a:txBody>
@@ -5998,7 +5906,7 @@
                       <a:pPr algn="ctr" rtl="1"/>
                       <a:r>
                         <a:rPr lang="ar-YE" sz="1400"/>
-                        <a:t>غير مدعوم رسميًا</a:t>
+                        <a:t>محدود</a:t>
                       </a:r>
                     </a:p>
                   </a:txBody>
@@ -6051,8 +5959,8 @@
                     <a:p>
                       <a:pPr algn="ctr" rtl="1"/>
                       <a:r>
-                        <a:rPr lang="ar-YE" sz="1400"/>
-                        <a:t>غير مدعوم رسميًا</a:t>
+                        <a:rPr lang="ar-YE" sz="1400" dirty="0"/>
+                        <a:t>محدود جدًا</a:t>
                       </a:r>
                     </a:p>
                   </a:txBody>
@@ -6106,402 +6014,6 @@
                       <a:pPr algn="ctr" rtl="1"/>
                       <a:r>
                         <a:rPr lang="ar-YE" sz="1400" dirty="0"/>
-                        <a:t>غير مدعوم رسميًا</a:t>
-                      </a:r>
-                    </a:p>
-                  </a:txBody>
-                  <a:tcPr anchor="ctr">
-                    <a:lnL w="28575" cap="flat" cmpd="sng" algn="ctr">
-                      <a:solidFill>
-                        <a:srgbClr val="FFFFFF"/>
-                      </a:solidFill>
-                      <a:prstDash val="solid"/>
-                      <a:round/>
-                      <a:headEnd type="none" w="med" len="med"/>
-                      <a:tailEnd type="none" w="med" len="med"/>
-                    </a:lnL>
-                    <a:lnR w="28575" cap="flat" cmpd="sng" algn="ctr">
-                      <a:solidFill>
-                        <a:srgbClr val="FFFFFF"/>
-                      </a:solidFill>
-                      <a:prstDash val="solid"/>
-                      <a:round/>
-                      <a:headEnd type="none" w="med" len="med"/>
-                      <a:tailEnd type="none" w="med" len="med"/>
-                    </a:lnR>
-                    <a:lnT w="28575" cap="flat" cmpd="sng" algn="ctr">
-                      <a:solidFill>
-                        <a:srgbClr val="FFFFFF"/>
-                      </a:solidFill>
-                      <a:prstDash val="solid"/>
-                      <a:round/>
-                      <a:headEnd type="none" w="med" len="med"/>
-                      <a:tailEnd type="none" w="med" len="med"/>
-                    </a:lnT>
-                    <a:lnB w="28575" cap="flat" cmpd="sng" algn="ctr">
-                      <a:solidFill>
-                        <a:srgbClr val="FFFFFF"/>
-                      </a:solidFill>
-                      <a:prstDash val="solid"/>
-                      <a:round/>
-                      <a:headEnd type="none" w="med" len="med"/>
-                      <a:tailEnd type="none" w="med" len="med"/>
-                    </a:lnB>
-                    <a:solidFill>
-                      <a:srgbClr val="F4F4F4"/>
-                    </a:solidFill>
-                  </a:tcPr>
-                </a:tc>
-                <a:tc>
-                  <a:txBody>
-                    <a:bodyPr/>
-                    <a:lstStyle/>
-                    <a:p>
-                      <a:pPr algn="ctr" rtl="1"/>
-                      <a:r>
-                        <a:rPr lang="ar-YE" sz="1400"/>
-                        <a:t>غير مدعوم رسميًا</a:t>
-                      </a:r>
-                    </a:p>
-                  </a:txBody>
-                  <a:tcPr anchor="ctr">
-                    <a:lnL w="28575" cap="flat" cmpd="sng" algn="ctr">
-                      <a:solidFill>
-                        <a:srgbClr val="FFFFFF"/>
-                      </a:solidFill>
-                      <a:prstDash val="solid"/>
-                      <a:round/>
-                      <a:headEnd type="none" w="med" len="med"/>
-                      <a:tailEnd type="none" w="med" len="med"/>
-                    </a:lnL>
-                    <a:lnR w="0" cap="flat" cmpd="sng" algn="ctr">
-                      <a:solidFill>
-                        <a:srgbClr val="CCCCCC"/>
-                      </a:solidFill>
-                      <a:prstDash val="solid"/>
-                      <a:round/>
-                      <a:headEnd type="none" w="med" len="med"/>
-                      <a:tailEnd type="none" w="med" len="med"/>
-                    </a:lnR>
-                    <a:lnT w="28575" cap="flat" cmpd="sng" algn="ctr">
-                      <a:solidFill>
-                        <a:srgbClr val="FFFFFF"/>
-                      </a:solidFill>
-                      <a:prstDash val="solid"/>
-                      <a:round/>
-                      <a:headEnd type="none" w="med" len="med"/>
-                      <a:tailEnd type="none" w="med" len="med"/>
-                    </a:lnT>
-                    <a:lnB w="28575" cap="flat" cmpd="sng" algn="ctr">
-                      <a:solidFill>
-                        <a:srgbClr val="FFFFFF"/>
-                      </a:solidFill>
-                      <a:prstDash val="solid"/>
-                      <a:round/>
-                      <a:headEnd type="none" w="med" len="med"/>
-                      <a:tailEnd type="none" w="med" len="med"/>
-                    </a:lnB>
-                    <a:solidFill>
-                      <a:srgbClr val="F4F4F4"/>
-                    </a:solidFill>
-                  </a:tcPr>
-                </a:tc>
-                <a:extLst>
-                  <a:ext uri="{0D108BD9-81ED-4DB2-BD59-A6C34878D82A}">
-                    <a16:rowId xmlns:a16="http://schemas.microsoft.com/office/drawing/2014/main" val="938792071"/>
-                  </a:ext>
-                </a:extLst>
-              </a:tr>
-              <a:tr h="500596">
-                <a:tc gridSpan="2">
-                  <a:txBody>
-                    <a:bodyPr/>
-                    <a:lstStyle/>
-                    <a:p>
-                      <a:pPr algn="ctr" rtl="1"/>
-                      <a:r>
-                        <a:rPr lang="ar-YE" sz="1400"/>
-                        <a:t>التوسعة</a:t>
-                      </a:r>
-                    </a:p>
-                  </a:txBody>
-                  <a:tcPr anchor="ctr">
-                    <a:lnL w="0" cap="flat" cmpd="sng" algn="ctr">
-                      <a:solidFill>
-                        <a:srgbClr val="CCCCCC"/>
-                      </a:solidFill>
-                      <a:prstDash val="solid"/>
-                      <a:round/>
-                      <a:headEnd type="none" w="med" len="med"/>
-                      <a:tailEnd type="none" w="med" len="med"/>
-                    </a:lnL>
-                    <a:lnR w="28575" cap="flat" cmpd="sng" algn="ctr">
-                      <a:solidFill>
-                        <a:srgbClr val="FFFFFF"/>
-                      </a:solidFill>
-                      <a:prstDash val="solid"/>
-                      <a:round/>
-                      <a:headEnd type="none" w="med" len="med"/>
-                      <a:tailEnd type="none" w="med" len="med"/>
-                    </a:lnR>
-                    <a:lnT w="28575" cap="flat" cmpd="sng" algn="ctr">
-                      <a:solidFill>
-                        <a:srgbClr val="FFFFFF"/>
-                      </a:solidFill>
-                      <a:prstDash val="solid"/>
-                      <a:round/>
-                      <a:headEnd type="none" w="med" len="med"/>
-                      <a:tailEnd type="none" w="med" len="med"/>
-                    </a:lnT>
-                    <a:lnB w="28575" cap="flat" cmpd="sng" algn="ctr">
-                      <a:solidFill>
-                        <a:srgbClr val="FFFFFF"/>
-                      </a:solidFill>
-                      <a:prstDash val="solid"/>
-                      <a:round/>
-                      <a:headEnd type="none" w="med" len="med"/>
-                      <a:tailEnd type="none" w="med" len="med"/>
-                    </a:lnB>
-                    <a:solidFill>
-                      <a:srgbClr val="F4F4F4"/>
-                    </a:solidFill>
-                  </a:tcPr>
-                </a:tc>
-                <a:tc hMerge="1">
-                  <a:txBody>
-                    <a:bodyPr/>
-                    <a:lstStyle/>
-                    <a:p>
-                      <a:pPr rtl="1"/>
-                      <a:endParaRPr lang="ar-YE"/>
-                    </a:p>
-                  </a:txBody>
-                  <a:tcPr/>
-                </a:tc>
-                <a:tc>
-                  <a:txBody>
-                    <a:bodyPr/>
-                    <a:lstStyle/>
-                    <a:p>
-                      <a:pPr algn="ctr" rtl="1"/>
-                      <a:r>
-                        <a:rPr lang="ar-YE" sz="1400"/>
-                        <a:t>عالي</a:t>
-                      </a:r>
-                    </a:p>
-                  </a:txBody>
-                  <a:tcPr anchor="ctr">
-                    <a:lnL w="28575" cap="flat" cmpd="sng" algn="ctr">
-                      <a:solidFill>
-                        <a:srgbClr val="FFFFFF"/>
-                      </a:solidFill>
-                      <a:prstDash val="solid"/>
-                      <a:round/>
-                      <a:headEnd type="none" w="med" len="med"/>
-                      <a:tailEnd type="none" w="med" len="med"/>
-                    </a:lnL>
-                    <a:lnR w="28575" cap="flat" cmpd="sng" algn="ctr">
-                      <a:solidFill>
-                        <a:srgbClr val="FFFFFF"/>
-                      </a:solidFill>
-                      <a:prstDash val="solid"/>
-                      <a:round/>
-                      <a:headEnd type="none" w="med" len="med"/>
-                      <a:tailEnd type="none" w="med" len="med"/>
-                    </a:lnR>
-                    <a:lnT w="28575" cap="flat" cmpd="sng" algn="ctr">
-                      <a:solidFill>
-                        <a:srgbClr val="FFFFFF"/>
-                      </a:solidFill>
-                      <a:prstDash val="solid"/>
-                      <a:round/>
-                      <a:headEnd type="none" w="med" len="med"/>
-                      <a:tailEnd type="none" w="med" len="med"/>
-                    </a:lnT>
-                    <a:lnB w="28575" cap="flat" cmpd="sng" algn="ctr">
-                      <a:solidFill>
-                        <a:srgbClr val="FFFFFF"/>
-                      </a:solidFill>
-                      <a:prstDash val="solid"/>
-                      <a:round/>
-                      <a:headEnd type="none" w="med" len="med"/>
-                      <a:tailEnd type="none" w="med" len="med"/>
-                    </a:lnB>
-                    <a:solidFill>
-                      <a:srgbClr val="F4F4F4"/>
-                    </a:solidFill>
-                  </a:tcPr>
-                </a:tc>
-                <a:tc>
-                  <a:txBody>
-                    <a:bodyPr/>
-                    <a:lstStyle/>
-                    <a:p>
-                      <a:pPr algn="ctr" rtl="1"/>
-                      <a:r>
-                        <a:rPr lang="ar-YE" sz="1400"/>
-                        <a:t>عالي</a:t>
-                      </a:r>
-                    </a:p>
-                  </a:txBody>
-                  <a:tcPr anchor="ctr">
-                    <a:lnL w="28575" cap="flat" cmpd="sng" algn="ctr">
-                      <a:solidFill>
-                        <a:srgbClr val="FFFFFF"/>
-                      </a:solidFill>
-                      <a:prstDash val="solid"/>
-                      <a:round/>
-                      <a:headEnd type="none" w="med" len="med"/>
-                      <a:tailEnd type="none" w="med" len="med"/>
-                    </a:lnL>
-                    <a:lnR w="28575" cap="flat" cmpd="sng" algn="ctr">
-                      <a:solidFill>
-                        <a:srgbClr val="FFFFFF"/>
-                      </a:solidFill>
-                      <a:prstDash val="solid"/>
-                      <a:round/>
-                      <a:headEnd type="none" w="med" len="med"/>
-                      <a:tailEnd type="none" w="med" len="med"/>
-                    </a:lnR>
-                    <a:lnT w="28575" cap="flat" cmpd="sng" algn="ctr">
-                      <a:solidFill>
-                        <a:srgbClr val="FFFFFF"/>
-                      </a:solidFill>
-                      <a:prstDash val="solid"/>
-                      <a:round/>
-                      <a:headEnd type="none" w="med" len="med"/>
-                      <a:tailEnd type="none" w="med" len="med"/>
-                    </a:lnT>
-                    <a:lnB w="28575" cap="flat" cmpd="sng" algn="ctr">
-                      <a:solidFill>
-                        <a:srgbClr val="FFFFFF"/>
-                      </a:solidFill>
-                      <a:prstDash val="solid"/>
-                      <a:round/>
-                      <a:headEnd type="none" w="med" len="med"/>
-                      <a:tailEnd type="none" w="med" len="med"/>
-                    </a:lnB>
-                    <a:solidFill>
-                      <a:srgbClr val="F4F4F4"/>
-                    </a:solidFill>
-                  </a:tcPr>
-                </a:tc>
-                <a:tc>
-                  <a:txBody>
-                    <a:bodyPr/>
-                    <a:lstStyle/>
-                    <a:p>
-                      <a:pPr algn="ctr" rtl="1"/>
-                      <a:r>
-                        <a:rPr lang="ar-YE" sz="1400"/>
-                        <a:t>محدود</a:t>
-                      </a:r>
-                    </a:p>
-                  </a:txBody>
-                  <a:tcPr anchor="ctr">
-                    <a:lnL w="28575" cap="flat" cmpd="sng" algn="ctr">
-                      <a:solidFill>
-                        <a:srgbClr val="FFFFFF"/>
-                      </a:solidFill>
-                      <a:prstDash val="solid"/>
-                      <a:round/>
-                      <a:headEnd type="none" w="med" len="med"/>
-                      <a:tailEnd type="none" w="med" len="med"/>
-                    </a:lnL>
-                    <a:lnR w="28575" cap="flat" cmpd="sng" algn="ctr">
-                      <a:solidFill>
-                        <a:srgbClr val="FFFFFF"/>
-                      </a:solidFill>
-                      <a:prstDash val="solid"/>
-                      <a:round/>
-                      <a:headEnd type="none" w="med" len="med"/>
-                      <a:tailEnd type="none" w="med" len="med"/>
-                    </a:lnR>
-                    <a:lnT w="28575" cap="flat" cmpd="sng" algn="ctr">
-                      <a:solidFill>
-                        <a:srgbClr val="FFFFFF"/>
-                      </a:solidFill>
-                      <a:prstDash val="solid"/>
-                      <a:round/>
-                      <a:headEnd type="none" w="med" len="med"/>
-                      <a:tailEnd type="none" w="med" len="med"/>
-                    </a:lnT>
-                    <a:lnB w="28575" cap="flat" cmpd="sng" algn="ctr">
-                      <a:solidFill>
-                        <a:srgbClr val="FFFFFF"/>
-                      </a:solidFill>
-                      <a:prstDash val="solid"/>
-                      <a:round/>
-                      <a:headEnd type="none" w="med" len="med"/>
-                      <a:tailEnd type="none" w="med" len="med"/>
-                    </a:lnB>
-                    <a:solidFill>
-                      <a:srgbClr val="F4F4F4"/>
-                    </a:solidFill>
-                  </a:tcPr>
-                </a:tc>
-                <a:tc>
-                  <a:txBody>
-                    <a:bodyPr/>
-                    <a:lstStyle/>
-                    <a:p>
-                      <a:pPr algn="ctr" rtl="1"/>
-                      <a:r>
-                        <a:rPr lang="ar-YE" sz="1400" dirty="0"/>
-                        <a:t>محدود جدًا</a:t>
-                      </a:r>
-                    </a:p>
-                  </a:txBody>
-                  <a:tcPr anchor="ctr">
-                    <a:lnL w="28575" cap="flat" cmpd="sng" algn="ctr">
-                      <a:solidFill>
-                        <a:srgbClr val="FFFFFF"/>
-                      </a:solidFill>
-                      <a:prstDash val="solid"/>
-                      <a:round/>
-                      <a:headEnd type="none" w="med" len="med"/>
-                      <a:tailEnd type="none" w="med" len="med"/>
-                    </a:lnL>
-                    <a:lnR w="28575" cap="flat" cmpd="sng" algn="ctr">
-                      <a:solidFill>
-                        <a:srgbClr val="FFFFFF"/>
-                      </a:solidFill>
-                      <a:prstDash val="solid"/>
-                      <a:round/>
-                      <a:headEnd type="none" w="med" len="med"/>
-                      <a:tailEnd type="none" w="med" len="med"/>
-                    </a:lnR>
-                    <a:lnT w="28575" cap="flat" cmpd="sng" algn="ctr">
-                      <a:solidFill>
-                        <a:srgbClr val="FFFFFF"/>
-                      </a:solidFill>
-                      <a:prstDash val="solid"/>
-                      <a:round/>
-                      <a:headEnd type="none" w="med" len="med"/>
-                      <a:tailEnd type="none" w="med" len="med"/>
-                    </a:lnT>
-                    <a:lnB w="28575" cap="flat" cmpd="sng" algn="ctr">
-                      <a:solidFill>
-                        <a:srgbClr val="FFFFFF"/>
-                      </a:solidFill>
-                      <a:prstDash val="solid"/>
-                      <a:round/>
-                      <a:headEnd type="none" w="med" len="med"/>
-                      <a:tailEnd type="none" w="med" len="med"/>
-                    </a:lnB>
-                    <a:solidFill>
-                      <a:srgbClr val="F4F4F4"/>
-                    </a:solidFill>
-                  </a:tcPr>
-                </a:tc>
-                <a:tc>
-                  <a:txBody>
-                    <a:bodyPr/>
-                    <a:lstStyle/>
-                    <a:p>
-                      <a:pPr algn="ctr" rtl="1"/>
-                      <a:r>
-                        <a:rPr lang="ar-YE" sz="1400"/>
                         <a:t>عالي</a:t>
                       </a:r>
                     </a:p>
@@ -6555,23 +6067,75 @@
                 </a:extLst>
               </a:tr>
               <a:tr h="500596">
-                <a:tc gridSpan="2">
+                <a:tc>
                   <a:txBody>
                     <a:bodyPr/>
                     <a:lstStyle/>
                     <a:p>
                       <a:pPr algn="ctr" rtl="1"/>
                       <a:r>
-                        <a:rPr lang="ar-YE" sz="1400"/>
+                        <a:rPr lang="ar-YE" sz="1400" dirty="0"/>
                         <a:t>الأمان</a:t>
                       </a:r>
                     </a:p>
                   </a:txBody>
                   <a:tcPr anchor="ctr">
-                    <a:lnL w="0" cap="flat" cmpd="sng" algn="ctr">
+                    <a:lnL w="12700" cap="flat" cmpd="sng" algn="ctr">
+                      <a:noFill/>
+                      <a:prstDash val="solid"/>
+                      <a:round/>
+                      <a:headEnd type="none" w="med" len="med"/>
+                      <a:tailEnd type="none" w="med" len="med"/>
+                    </a:lnL>
+                    <a:lnR w="12700" cap="flat" cmpd="sng" algn="ctr">
+                      <a:noFill/>
+                      <a:prstDash val="solid"/>
+                      <a:round/>
+                      <a:headEnd type="none" w="med" len="med"/>
+                      <a:tailEnd type="none" w="med" len="med"/>
+                    </a:lnR>
+                    <a:lnT w="12700" cap="flat" cmpd="sng" algn="ctr">
                       <a:solidFill>
-                        <a:srgbClr val="CCCCCC"/>
+                        <a:schemeClr val="bg1"/>
                       </a:solidFill>
+                      <a:prstDash val="solid"/>
+                      <a:round/>
+                      <a:headEnd type="none" w="med" len="med"/>
+                      <a:tailEnd type="none" w="med" len="med"/>
+                    </a:lnT>
+                    <a:lnB w="12700" cap="flat" cmpd="sng" algn="ctr">
+                      <a:solidFill>
+                        <a:schemeClr val="bg1"/>
+                      </a:solidFill>
+                      <a:prstDash val="solid"/>
+                      <a:round/>
+                      <a:headEnd type="none" w="med" len="med"/>
+                      <a:tailEnd type="none" w="med" len="med"/>
+                    </a:lnB>
+                    <a:solidFill>
+                      <a:srgbClr val="FDF3ED"/>
+                    </a:solidFill>
+                  </a:tcPr>
+                </a:tc>
+                <a:tc>
+                  <a:txBody>
+                    <a:bodyPr/>
+                    <a:lstStyle/>
+                    <a:p>
+                      <a:pPr algn="ctr" rtl="1"/>
+                      <a:r>
+                        <a:rPr lang="en-US" sz="1400" dirty="0"/>
+                        <a:t> Auto-escaping </a:t>
+                      </a:r>
+                      <a:r>
+                        <a:rPr lang="ar-YE" sz="1400" dirty="0"/>
+                        <a:t>تلقائيًا</a:t>
+                      </a:r>
+                    </a:p>
+                  </a:txBody>
+                  <a:tcPr anchor="ctr">
+                    <a:lnL w="12700" cap="flat" cmpd="sng" algn="ctr">
+                      <a:noFill/>
                       <a:prstDash val="solid"/>
                       <a:round/>
                       <a:headEnd type="none" w="med" len="med"/>
@@ -6609,17 +6173,6 @@
                     </a:solidFill>
                   </a:tcPr>
                 </a:tc>
-                <a:tc hMerge="1">
-                  <a:txBody>
-                    <a:bodyPr/>
-                    <a:lstStyle/>
-                    <a:p>
-                      <a:pPr rtl="1"/>
-                      <a:endParaRPr lang="ar-YE"/>
-                    </a:p>
-                  </a:txBody>
-                  <a:tcPr/>
-                </a:tc>
                 <a:tc>
                   <a:txBody>
                     <a:bodyPr/>
@@ -6627,65 +6180,7 @@
                     <a:p>
                       <a:pPr algn="ctr" rtl="1"/>
                       <a:r>
-                        <a:rPr lang="en-US" sz="1400" dirty="0"/>
-                        <a:t> Auto-escaping </a:t>
-                      </a:r>
-                      <a:r>
                         <a:rPr lang="ar-YE" sz="1400" dirty="0"/>
-                        <a:t>تلقائيًا</a:t>
-                      </a:r>
-                    </a:p>
-                  </a:txBody>
-                  <a:tcPr anchor="ctr">
-                    <a:lnL w="28575" cap="flat" cmpd="sng" algn="ctr">
-                      <a:solidFill>
-                        <a:srgbClr val="FFFFFF"/>
-                      </a:solidFill>
-                      <a:prstDash val="solid"/>
-                      <a:round/>
-                      <a:headEnd type="none" w="med" len="med"/>
-                      <a:tailEnd type="none" w="med" len="med"/>
-                    </a:lnL>
-                    <a:lnR w="28575" cap="flat" cmpd="sng" algn="ctr">
-                      <a:solidFill>
-                        <a:srgbClr val="FFFFFF"/>
-                      </a:solidFill>
-                      <a:prstDash val="solid"/>
-                      <a:round/>
-                      <a:headEnd type="none" w="med" len="med"/>
-                      <a:tailEnd type="none" w="med" len="med"/>
-                    </a:lnR>
-                    <a:lnT w="28575" cap="flat" cmpd="sng" algn="ctr">
-                      <a:solidFill>
-                        <a:srgbClr val="FFFFFF"/>
-                      </a:solidFill>
-                      <a:prstDash val="solid"/>
-                      <a:round/>
-                      <a:headEnd type="none" w="med" len="med"/>
-                      <a:tailEnd type="none" w="med" len="med"/>
-                    </a:lnT>
-                    <a:lnB w="28575" cap="flat" cmpd="sng" algn="ctr">
-                      <a:solidFill>
-                        <a:srgbClr val="FFFFFF"/>
-                      </a:solidFill>
-                      <a:prstDash val="solid"/>
-                      <a:round/>
-                      <a:headEnd type="none" w="med" len="med"/>
-                      <a:tailEnd type="none" w="med" len="med"/>
-                    </a:lnB>
-                    <a:solidFill>
-                      <a:srgbClr val="F4F4F4"/>
-                    </a:solidFill>
-                  </a:tcPr>
-                </a:tc>
-                <a:tc>
-                  <a:txBody>
-                    <a:bodyPr/>
-                    <a:lstStyle/>
-                    <a:p>
-                      <a:pPr algn="ctr" rtl="1"/>
-                      <a:r>
-                        <a:rPr lang="ar-YE" sz="1400"/>
                         <a:t>يحتاج تعقيم يدوي</a:t>
                       </a:r>
                     </a:p>
@@ -6905,23 +6400,75 @@
                 </a:extLst>
               </a:tr>
               <a:tr h="500596">
-                <a:tc gridSpan="2">
+                <a:tc>
                   <a:txBody>
                     <a:bodyPr/>
                     <a:lstStyle/>
                     <a:p>
                       <a:pPr algn="ctr" rtl="1"/>
                       <a:r>
-                        <a:rPr lang="ar-YE" sz="1400"/>
+                        <a:rPr lang="ar-YE" sz="1400" dirty="0"/>
                         <a:t>منطق القالب</a:t>
                       </a:r>
                     </a:p>
                   </a:txBody>
                   <a:tcPr anchor="ctr">
-                    <a:lnL w="0" cap="flat" cmpd="sng" algn="ctr">
+                    <a:lnL w="12700" cap="flat" cmpd="sng" algn="ctr">
+                      <a:noFill/>
+                      <a:prstDash val="solid"/>
+                      <a:round/>
+                      <a:headEnd type="none" w="med" len="med"/>
+                      <a:tailEnd type="none" w="med" len="med"/>
+                    </a:lnL>
+                    <a:lnR w="12700" cap="flat" cmpd="sng" algn="ctr">
+                      <a:noFill/>
+                      <a:prstDash val="solid"/>
+                      <a:round/>
+                      <a:headEnd type="none" w="med" len="med"/>
+                      <a:tailEnd type="none" w="med" len="med"/>
+                    </a:lnR>
+                    <a:lnT w="12700" cap="flat" cmpd="sng" algn="ctr">
                       <a:solidFill>
-                        <a:srgbClr val="CCCCCC"/>
+                        <a:schemeClr val="bg1"/>
                       </a:solidFill>
+                      <a:prstDash val="solid"/>
+                      <a:round/>
+                      <a:headEnd type="none" w="med" len="med"/>
+                      <a:tailEnd type="none" w="med" len="med"/>
+                    </a:lnT>
+                    <a:lnB w="12700" cap="flat" cmpd="sng" algn="ctr">
+                      <a:solidFill>
+                        <a:schemeClr val="bg1"/>
+                      </a:solidFill>
+                      <a:prstDash val="solid"/>
+                      <a:round/>
+                      <a:headEnd type="none" w="med" len="med"/>
+                      <a:tailEnd type="none" w="med" len="med"/>
+                    </a:lnB>
+                    <a:solidFill>
+                      <a:srgbClr val="FDF3ED"/>
+                    </a:solidFill>
+                  </a:tcPr>
+                </a:tc>
+                <a:tc>
+                  <a:txBody>
+                    <a:bodyPr/>
+                    <a:lstStyle/>
+                    <a:p>
+                      <a:pPr algn="ctr" rtl="1"/>
+                      <a:r>
+                        <a:rPr lang="ar-YE" sz="1400" dirty="0"/>
+                        <a:t>يدعم </a:t>
+                      </a:r>
+                      <a:r>
+                        <a:rPr lang="en-US" sz="1400" dirty="0"/>
+                        <a:t>if/for/macros</a:t>
+                      </a:r>
+                    </a:p>
+                  </a:txBody>
+                  <a:tcPr anchor="ctr">
+                    <a:lnL w="12700" cap="flat" cmpd="sng" algn="ctr">
+                      <a:noFill/>
                       <a:prstDash val="solid"/>
                       <a:round/>
                       <a:headEnd type="none" w="med" len="med"/>
@@ -6959,17 +6506,6 @@
                     </a:solidFill>
                   </a:tcPr>
                 </a:tc>
-                <a:tc hMerge="1">
-                  <a:txBody>
-                    <a:bodyPr/>
-                    <a:lstStyle/>
-                    <a:p>
-                      <a:pPr rtl="1"/>
-                      <a:endParaRPr lang="ar-YE"/>
-                    </a:p>
-                  </a:txBody>
-                  <a:tcPr/>
-                </a:tc>
                 <a:tc>
                   <a:txBody>
                     <a:bodyPr/>
@@ -6977,12 +6513,16 @@
                     <a:p>
                       <a:pPr algn="ctr" rtl="1"/>
                       <a:r>
-                        <a:rPr lang="ar-YE" sz="1400"/>
+                        <a:rPr lang="ar-YE" sz="1400" dirty="0"/>
                         <a:t>يدعم </a:t>
                       </a:r>
                       <a:r>
-                        <a:rPr lang="en-US" sz="1400"/>
-                        <a:t>if/for/macros</a:t>
+                        <a:rPr lang="en-US" sz="1400" dirty="0"/>
+                        <a:t> Python </a:t>
+                      </a:r>
+                      <a:r>
+                        <a:rPr lang="ar-YE" sz="1400" dirty="0"/>
+                        <a:t>كامل</a:t>
                       </a:r>
                     </a:p>
                   </a:txBody>
@@ -7036,15 +6576,7 @@
                       <a:pPr algn="ctr" rtl="1"/>
                       <a:r>
                         <a:rPr lang="ar-YE" sz="1400" dirty="0"/>
-                        <a:t>يدعم </a:t>
-                      </a:r>
-                      <a:r>
-                        <a:rPr lang="en-US" sz="1400" dirty="0"/>
-                        <a:t>Python </a:t>
-                      </a:r>
-                      <a:r>
-                        <a:rPr lang="ar-YE" sz="1400" dirty="0"/>
-                        <a:t>كامل</a:t>
+                        <a:t>محدود</a:t>
                       </a:r>
                     </a:p>
                   </a:txBody>
@@ -7097,61 +6629,7 @@
                     <a:p>
                       <a:pPr algn="ctr" rtl="1"/>
                       <a:r>
-                        <a:rPr lang="ar-YE" sz="1400"/>
-                        <a:t>محدود</a:t>
-                      </a:r>
-                    </a:p>
-                  </a:txBody>
-                  <a:tcPr anchor="ctr">
-                    <a:lnL w="28575" cap="flat" cmpd="sng" algn="ctr">
-                      <a:solidFill>
-                        <a:srgbClr val="FFFFFF"/>
-                      </a:solidFill>
-                      <a:prstDash val="solid"/>
-                      <a:round/>
-                      <a:headEnd type="none" w="med" len="med"/>
-                      <a:tailEnd type="none" w="med" len="med"/>
-                    </a:lnL>
-                    <a:lnR w="28575" cap="flat" cmpd="sng" algn="ctr">
-                      <a:solidFill>
-                        <a:srgbClr val="FFFFFF"/>
-                      </a:solidFill>
-                      <a:prstDash val="solid"/>
-                      <a:round/>
-                      <a:headEnd type="none" w="med" len="med"/>
-                      <a:tailEnd type="none" w="med" len="med"/>
-                    </a:lnR>
-                    <a:lnT w="28575" cap="flat" cmpd="sng" algn="ctr">
-                      <a:solidFill>
-                        <a:srgbClr val="FFFFFF"/>
-                      </a:solidFill>
-                      <a:prstDash val="solid"/>
-                      <a:round/>
-                      <a:headEnd type="none" w="med" len="med"/>
-                      <a:tailEnd type="none" w="med" len="med"/>
-                    </a:lnT>
-                    <a:lnB w="28575" cap="flat" cmpd="sng" algn="ctr">
-                      <a:solidFill>
-                        <a:srgbClr val="FFFFFF"/>
-                      </a:solidFill>
-                      <a:prstDash val="solid"/>
-                      <a:round/>
-                      <a:headEnd type="none" w="med" len="med"/>
-                      <a:tailEnd type="none" w="med" len="med"/>
-                    </a:lnB>
-                    <a:solidFill>
-                      <a:srgbClr val="F4F4F4"/>
-                    </a:solidFill>
-                  </a:tcPr>
-                </a:tc>
-                <a:tc>
-                  <a:txBody>
-                    <a:bodyPr/>
-                    <a:lstStyle/>
-                    <a:p>
-                      <a:pPr algn="ctr" rtl="1"/>
-                      <a:r>
-                        <a:rPr lang="ar-YE" sz="1400"/>
+                        <a:rPr lang="ar-YE" sz="1400" dirty="0"/>
                         <a:t>لا منطق برمجي</a:t>
                       </a:r>
                     </a:p>
@@ -7259,23 +6737,71 @@
                 </a:extLst>
               </a:tr>
               <a:tr h="500596">
-                <a:tc gridSpan="2">
+                <a:tc>
                   <a:txBody>
                     <a:bodyPr/>
                     <a:lstStyle/>
                     <a:p>
                       <a:pPr algn="ctr" rtl="1"/>
                       <a:r>
-                        <a:rPr lang="ar-YE" sz="1400"/>
-                        <a:t>التعلم والسهولة</a:t>
+                        <a:rPr lang="ar-YE" sz="1400" dirty="0"/>
+                        <a:t>مدى سهولة التعلم</a:t>
                       </a:r>
                     </a:p>
                   </a:txBody>
                   <a:tcPr anchor="ctr">
-                    <a:lnL w="0" cap="flat" cmpd="sng" algn="ctr">
+                    <a:lnL w="12700" cap="flat" cmpd="sng" algn="ctr">
+                      <a:noFill/>
+                      <a:prstDash val="solid"/>
+                      <a:round/>
+                      <a:headEnd type="none" w="med" len="med"/>
+                      <a:tailEnd type="none" w="med" len="med"/>
+                    </a:lnL>
+                    <a:lnR w="12700" cap="flat" cmpd="sng" algn="ctr">
+                      <a:noFill/>
+                      <a:prstDash val="solid"/>
+                      <a:round/>
+                      <a:headEnd type="none" w="med" len="med"/>
+                      <a:tailEnd type="none" w="med" len="med"/>
+                    </a:lnR>
+                    <a:lnT w="12700" cap="flat" cmpd="sng" algn="ctr">
                       <a:solidFill>
-                        <a:srgbClr val="CCCCCC"/>
+                        <a:schemeClr val="bg1"/>
                       </a:solidFill>
+                      <a:prstDash val="solid"/>
+                      <a:round/>
+                      <a:headEnd type="none" w="med" len="med"/>
+                      <a:tailEnd type="none" w="med" len="med"/>
+                    </a:lnT>
+                    <a:lnB w="12700" cap="flat" cmpd="sng" algn="ctr">
+                      <a:solidFill>
+                        <a:schemeClr val="bg1"/>
+                      </a:solidFill>
+                      <a:prstDash val="solid"/>
+                      <a:round/>
+                      <a:headEnd type="none" w="med" len="med"/>
+                      <a:tailEnd type="none" w="med" len="med"/>
+                    </a:lnB>
+                    <a:solidFill>
+                      <a:srgbClr val="FDF3ED"/>
+                    </a:solidFill>
+                  </a:tcPr>
+                </a:tc>
+                <a:tc>
+                  <a:txBody>
+                    <a:bodyPr/>
+                    <a:lstStyle/>
+                    <a:p>
+                      <a:pPr algn="ctr" rtl="1"/>
+                      <a:r>
+                        <a:rPr lang="ar-YE" sz="1400" dirty="0"/>
+                        <a:t>سهل</a:t>
+                      </a:r>
+                    </a:p>
+                  </a:txBody>
+                  <a:tcPr anchor="ctr">
+                    <a:lnL w="12700" cap="flat" cmpd="sng" algn="ctr">
+                      <a:noFill/>
                       <a:prstDash val="solid"/>
                       <a:round/>
                       <a:headEnd type="none" w="med" len="med"/>
@@ -7313,17 +6839,6 @@
                     </a:solidFill>
                   </a:tcPr>
                 </a:tc>
-                <a:tc hMerge="1">
-                  <a:txBody>
-                    <a:bodyPr/>
-                    <a:lstStyle/>
-                    <a:p>
-                      <a:pPr rtl="1"/>
-                      <a:endParaRPr lang="ar-YE"/>
-                    </a:p>
-                  </a:txBody>
-                  <a:tcPr/>
-                </a:tc>
                 <a:tc>
                   <a:txBody>
                     <a:bodyPr/>
@@ -7331,8 +6846,8 @@
                     <a:p>
                       <a:pPr algn="ctr" rtl="1"/>
                       <a:r>
-                        <a:rPr lang="ar-YE" sz="1400"/>
-                        <a:t>سهل</a:t>
+                        <a:rPr lang="ar-YE" sz="1400" dirty="0"/>
+                        <a:t>سهل للمحترفين</a:t>
                       </a:r>
                     </a:p>
                   </a:txBody>
@@ -7385,8 +6900,8 @@
                     <a:p>
                       <a:pPr algn="ctr" rtl="1"/>
                       <a:r>
-                        <a:rPr lang="ar-YE" sz="1400"/>
-                        <a:t>سهل للمحترفين</a:t>
+                        <a:rPr lang="ar-YE" sz="1400" dirty="0"/>
+                        <a:t>أقل شيوعًا</a:t>
                       </a:r>
                     </a:p>
                   </a:txBody>
@@ -7439,61 +6954,7 @@
                     <a:p>
                       <a:pPr algn="ctr" rtl="1"/>
                       <a:r>
-                        <a:rPr lang="ar-YE" sz="1400"/>
-                        <a:t>أقل شيوعًا</a:t>
-                      </a:r>
-                    </a:p>
-                  </a:txBody>
-                  <a:tcPr anchor="ctr">
-                    <a:lnL w="28575" cap="flat" cmpd="sng" algn="ctr">
-                      <a:solidFill>
-                        <a:srgbClr val="FFFFFF"/>
-                      </a:solidFill>
-                      <a:prstDash val="solid"/>
-                      <a:round/>
-                      <a:headEnd type="none" w="med" len="med"/>
-                      <a:tailEnd type="none" w="med" len="med"/>
-                    </a:lnL>
-                    <a:lnR w="28575" cap="flat" cmpd="sng" algn="ctr">
-                      <a:solidFill>
-                        <a:srgbClr val="FFFFFF"/>
-                      </a:solidFill>
-                      <a:prstDash val="solid"/>
-                      <a:round/>
-                      <a:headEnd type="none" w="med" len="med"/>
-                      <a:tailEnd type="none" w="med" len="med"/>
-                    </a:lnR>
-                    <a:lnT w="28575" cap="flat" cmpd="sng" algn="ctr">
-                      <a:solidFill>
-                        <a:srgbClr val="FFFFFF"/>
-                      </a:solidFill>
-                      <a:prstDash val="solid"/>
-                      <a:round/>
-                      <a:headEnd type="none" w="med" len="med"/>
-                      <a:tailEnd type="none" w="med" len="med"/>
-                    </a:lnT>
-                    <a:lnB w="28575" cap="flat" cmpd="sng" algn="ctr">
-                      <a:solidFill>
-                        <a:srgbClr val="FFFFFF"/>
-                      </a:solidFill>
-                      <a:prstDash val="solid"/>
-                      <a:round/>
-                      <a:headEnd type="none" w="med" len="med"/>
-                      <a:tailEnd type="none" w="med" len="med"/>
-                    </a:lnB>
-                    <a:solidFill>
-                      <a:srgbClr val="F4F4F4"/>
-                    </a:solidFill>
-                  </a:tcPr>
-                </a:tc>
-                <a:tc>
-                  <a:txBody>
-                    <a:bodyPr/>
-                    <a:lstStyle/>
-                    <a:p>
-                      <a:pPr algn="ctr" rtl="1"/>
-                      <a:r>
-                        <a:rPr lang="ar-YE" sz="1400"/>
+                        <a:rPr lang="ar-YE" sz="1400" dirty="0"/>
                         <a:t>سهل جدًا</a:t>
                       </a:r>
                     </a:p>
@@ -7605,23 +7066,69 @@
                 </a:extLst>
               </a:tr>
               <a:tr h="500596">
-                <a:tc gridSpan="2">
+                <a:tc>
                   <a:txBody>
                     <a:bodyPr/>
                     <a:lstStyle/>
                     <a:p>
                       <a:pPr algn="ctr" rtl="1"/>
                       <a:r>
-                        <a:rPr lang="ar-YE" sz="1400"/>
+                        <a:rPr lang="ar-YE" sz="1400" dirty="0"/>
                         <a:t>الاستخدام الشائع</a:t>
                       </a:r>
                     </a:p>
                   </a:txBody>
                   <a:tcPr anchor="ctr">
-                    <a:lnL w="0" cap="flat" cmpd="sng" algn="ctr">
+                    <a:lnL w="12700" cap="flat" cmpd="sng" algn="ctr">
+                      <a:noFill/>
+                      <a:prstDash val="solid"/>
+                      <a:round/>
+                      <a:headEnd type="none" w="med" len="med"/>
+                      <a:tailEnd type="none" w="med" len="med"/>
+                    </a:lnL>
+                    <a:lnR w="12700" cap="flat" cmpd="sng" algn="ctr">
+                      <a:noFill/>
+                      <a:prstDash val="solid"/>
+                      <a:round/>
+                      <a:headEnd type="none" w="med" len="med"/>
+                      <a:tailEnd type="none" w="med" len="med"/>
+                    </a:lnR>
+                    <a:lnT w="12700" cap="flat" cmpd="sng" algn="ctr">
                       <a:solidFill>
-                        <a:srgbClr val="CCCCCC"/>
+                        <a:schemeClr val="bg1"/>
                       </a:solidFill>
+                      <a:prstDash val="solid"/>
+                      <a:round/>
+                      <a:headEnd type="none" w="med" len="med"/>
+                      <a:tailEnd type="none" w="med" len="med"/>
+                    </a:lnT>
+                    <a:lnB w="12700" cap="flat" cmpd="sng" algn="ctr">
+                      <a:noFill/>
+                      <a:prstDash val="solid"/>
+                      <a:round/>
+                      <a:headEnd type="none" w="med" len="med"/>
+                      <a:tailEnd type="none" w="med" len="med"/>
+                    </a:lnB>
+                    <a:solidFill>
+                      <a:srgbClr val="FDF3ED"/>
+                    </a:solidFill>
+                  </a:tcPr>
+                </a:tc>
+                <a:tc>
+                  <a:txBody>
+                    <a:bodyPr/>
+                    <a:lstStyle/>
+                    <a:p>
+                      <a:pPr algn="ctr" rtl="1"/>
+                      <a:r>
+                        <a:rPr lang="en-US" sz="1400" dirty="0"/>
+                        <a:t>Django, Flask, Ansible</a:t>
+                      </a:r>
+                    </a:p>
+                  </a:txBody>
+                  <a:tcPr anchor="ctr">
+                    <a:lnL w="12700" cap="flat" cmpd="sng" algn="ctr">
+                      <a:noFill/>
                       <a:prstDash val="solid"/>
                       <a:round/>
                       <a:headEnd type="none" w="med" len="med"/>
@@ -7659,17 +7166,6 @@
                     </a:solidFill>
                   </a:tcPr>
                 </a:tc>
-                <a:tc hMerge="1">
-                  <a:txBody>
-                    <a:bodyPr/>
-                    <a:lstStyle/>
-                    <a:p>
-                      <a:pPr rtl="1"/>
-                      <a:endParaRPr lang="ar-YE"/>
-                    </a:p>
-                  </a:txBody>
-                  <a:tcPr/>
-                </a:tc>
                 <a:tc>
                   <a:txBody>
                     <a:bodyPr/>
@@ -7678,7 +7174,7 @@
                       <a:pPr algn="ctr" rtl="1"/>
                       <a:r>
                         <a:rPr lang="en-US" sz="1400"/>
-                        <a:t>Django, Flask, Ansible</a:t>
+                        <a:t>Pyramid, TurboGears</a:t>
                       </a:r>
                     </a:p>
                   </a:txBody>
@@ -7729,61 +7225,7 @@
                     <a:bodyPr/>
                     <a:lstStyle/>
                     <a:p>
-                      <a:pPr algn="ctr" rtl="1"/>
-                      <a:r>
-                        <a:rPr lang="en-US" sz="1400"/>
-                        <a:t>Pyramid, TurboGears</a:t>
-                      </a:r>
-                    </a:p>
-                  </a:txBody>
-                  <a:tcPr anchor="ctr">
-                    <a:lnL w="28575" cap="flat" cmpd="sng" algn="ctr">
-                      <a:solidFill>
-                        <a:srgbClr val="FFFFFF"/>
-                      </a:solidFill>
-                      <a:prstDash val="solid"/>
-                      <a:round/>
-                      <a:headEnd type="none" w="med" len="med"/>
-                      <a:tailEnd type="none" w="med" len="med"/>
-                    </a:lnL>
-                    <a:lnR w="28575" cap="flat" cmpd="sng" algn="ctr">
-                      <a:solidFill>
-                        <a:srgbClr val="FFFFFF"/>
-                      </a:solidFill>
-                      <a:prstDash val="solid"/>
-                      <a:round/>
-                      <a:headEnd type="none" w="med" len="med"/>
-                      <a:tailEnd type="none" w="med" len="med"/>
-                    </a:lnR>
-                    <a:lnT w="28575" cap="flat" cmpd="sng" algn="ctr">
-                      <a:solidFill>
-                        <a:srgbClr val="FFFFFF"/>
-                      </a:solidFill>
-                      <a:prstDash val="solid"/>
-                      <a:round/>
-                      <a:headEnd type="none" w="med" len="med"/>
-                      <a:tailEnd type="none" w="med" len="med"/>
-                    </a:lnT>
-                    <a:lnB w="0" cap="flat" cmpd="sng" algn="ctr">
-                      <a:solidFill>
-                        <a:srgbClr val="CCCCCC"/>
-                      </a:solidFill>
-                      <a:prstDash val="solid"/>
-                      <a:round/>
-                      <a:headEnd type="none" w="med" len="med"/>
-                      <a:tailEnd type="none" w="med" len="med"/>
-                    </a:lnB>
-                    <a:solidFill>
-                      <a:srgbClr val="F4F4F4"/>
-                    </a:solidFill>
-                  </a:tcPr>
-                </a:tc>
-                <a:tc>
-                  <a:txBody>
-                    <a:bodyPr/>
-                    <a:lstStyle/>
-                    <a:p>
-                      <a:pPr algn="ctr" rtl="1"/>
+                      <a:pPr algn="ctr" rtl="0"/>
                       <a:r>
                         <a:rPr lang="en-US" sz="1400" dirty="0" err="1"/>
                         <a:t>Zope</a:t>
@@ -7794,7 +7236,7 @@
                       </a:r>
                       <a:r>
                         <a:rPr lang="ar-YE" sz="1400" dirty="0"/>
-                        <a:t>مواقع بسيطة</a:t>
+                        <a:t> مواقع بسيطة</a:t>
                       </a:r>
                     </a:p>
                   </a:txBody>
@@ -8153,14 +7595,14 @@
           <p:nvPr>
             <p:extLst>
               <p:ext uri="{D42A27DB-BD31-4B8C-83A1-F6EECF244321}">
-                <p14:modId xmlns:p14="http://schemas.microsoft.com/office/powerpoint/2010/main" val="3522006556"/>
+                <p14:modId xmlns:p14="http://schemas.microsoft.com/office/powerpoint/2010/main" val="4267322088"/>
               </p:ext>
             </p:extLst>
           </p:nvPr>
         </p:nvGraphicFramePr>
         <p:xfrm>
           <a:off x="0" y="348814"/>
-          <a:ext cx="12039600" cy="6509180"/>
+          <a:ext cx="12192000" cy="6509180"/>
         </p:xfrm>
         <a:graphic>
           <a:graphicData uri="http://schemas.openxmlformats.org/drawingml/2006/table">
@@ -8169,28 +7611,28 @@
                 <a:tableStyleId>{21E4AEA4-8DFA-4A89-87EB-49C32662AFE0}</a:tableStyleId>
               </a:tblPr>
               <a:tblGrid>
-                <a:gridCol w="3009900">
+                <a:gridCol w="3048000">
                   <a:extLst>
                     <a:ext uri="{9D8B030D-6E8A-4147-A177-3AD203B41FA5}">
                       <a16:colId xmlns:a16="http://schemas.microsoft.com/office/drawing/2014/main" val="1699758710"/>
                     </a:ext>
                   </a:extLst>
                 </a:gridCol>
-                <a:gridCol w="3009900">
+                <a:gridCol w="3048000">
                   <a:extLst>
                     <a:ext uri="{9D8B030D-6E8A-4147-A177-3AD203B41FA5}">
                       <a16:colId xmlns:a16="http://schemas.microsoft.com/office/drawing/2014/main" val="1894439245"/>
                     </a:ext>
                   </a:extLst>
                 </a:gridCol>
-                <a:gridCol w="3009900">
+                <a:gridCol w="3048000">
                   <a:extLst>
                     <a:ext uri="{9D8B030D-6E8A-4147-A177-3AD203B41FA5}">
                       <a16:colId xmlns:a16="http://schemas.microsoft.com/office/drawing/2014/main" val="2513316792"/>
                     </a:ext>
                   </a:extLst>
                 </a:gridCol>
-                <a:gridCol w="3009900">
+                <a:gridCol w="3048000">
                   <a:extLst>
                     <a:ext uri="{9D8B030D-6E8A-4147-A177-3AD203B41FA5}">
                       <a16:colId xmlns:a16="http://schemas.microsoft.com/office/drawing/2014/main" val="1215453838"/>
@@ -8324,10 +7766,22 @@
                         </a:spcAft>
                       </a:pPr>
                       <a:r>
-                        <a:rPr lang="ar-SA" sz="1900" kern="0" dirty="0">
-                          <a:effectLst/>
-                        </a:rPr>
-                        <a:t>ملاحظات واستخدامات رئيسية</a:t>
+                        <a:rPr lang="ar-SA" sz="1900" kern="100" dirty="0">
+                          <a:effectLst/>
+                          <a:latin typeface="Aptos" panose="020B0004020202020204" pitchFamily="34" charset="0"/>
+                          <a:ea typeface="Aptos" panose="020B0004020202020204" pitchFamily="34" charset="0"/>
+                          <a:cs typeface="Arial" panose="020B0604020202020204" pitchFamily="34" charset="0"/>
+                        </a:rPr>
+                        <a:t>طريقة </a:t>
+                      </a:r>
+                      <a:r>
+                        <a:rPr lang="ar-SA" sz="1900" kern="100" dirty="0" err="1">
+                          <a:effectLst/>
+                          <a:latin typeface="Aptos" panose="020B0004020202020204" pitchFamily="34" charset="0"/>
+                          <a:ea typeface="Aptos" panose="020B0004020202020204" pitchFamily="34" charset="0"/>
+                          <a:cs typeface="Arial" panose="020B0604020202020204" pitchFamily="34" charset="0"/>
+                        </a:rPr>
+                        <a:t>الإستخدام</a:t>
                       </a:r>
                       <a:endParaRPr lang="en-US" sz="1900" kern="100" dirty="0">
                         <a:effectLst/>
@@ -8355,7 +7809,7 @@
                     <a:bodyPr/>
                     <a:lstStyle/>
                     <a:p>
-                      <a:pPr marL="0" marR="0" algn="l" rtl="0">
+                      <a:pPr marL="0" marR="0" algn="ctr" rtl="0">
                         <a:lnSpc>
                           <a:spcPct val="115000"/>
                         </a:lnSpc>
@@ -8391,7 +7845,39 @@
                     <a:bodyPr/>
                     <a:lstStyle/>
                     <a:p>
-                      <a:pPr marL="0" marR="0" algn="l" rtl="0">
+                      <a:pPr marL="0" marR="0" algn="ctr" rtl="0">
+                        <a:lnSpc>
+                          <a:spcPct val="115000"/>
+                        </a:lnSpc>
+                        <a:spcBef>
+                          <a:spcPts val="0"/>
+                        </a:spcBef>
+                        <a:spcAft>
+                          <a:spcPts val="0"/>
+                        </a:spcAft>
+                      </a:pPr>
+                      <a:r>
+                        <a:rPr lang="ar-SA" sz="1900" kern="0" dirty="0">
+                          <a:effectLst/>
+                        </a:rPr>
+                        <a:t>يضيف رقم أو نص</a:t>
+                      </a:r>
+                      <a:endParaRPr lang="en-US" sz="1900" kern="100" dirty="0">
+                        <a:effectLst/>
+                        <a:latin typeface="Aptos" panose="020B0004020202020204" pitchFamily="34" charset="0"/>
+                        <a:ea typeface="Aptos" panose="020B0004020202020204" pitchFamily="34" charset="0"/>
+                        <a:cs typeface="Arial" panose="020B0604020202020204" pitchFamily="34" charset="0"/>
+                      </a:endParaRPr>
+                    </a:p>
+                  </a:txBody>
+                  <a:tcPr marL="6350" marR="6350" marT="6350" marB="6350" anchor="ctr"/>
+                </a:tc>
+                <a:tc>
+                  <a:txBody>
+                    <a:bodyPr/>
+                    <a:lstStyle/>
+                    <a:p>
+                      <a:pPr marL="0" marR="0" algn="ctr" rtl="0">
                         <a:lnSpc>
                           <a:spcPct val="115000"/>
                         </a:lnSpc>
@@ -8406,7 +7892,7 @@
                         <a:rPr lang="ar-SA" sz="1900" kern="0">
                           <a:effectLst/>
                         </a:rPr>
-                        <a:t>يضيف رقم أو نص</a:t>
+                        <a:t>رقمي/نصي</a:t>
                       </a:r>
                       <a:endParaRPr lang="en-US" sz="1900" kern="100">
                         <a:effectLst/>
@@ -8423,39 +7909,7 @@
                     <a:bodyPr/>
                     <a:lstStyle/>
                     <a:p>
-                      <a:pPr marL="0" marR="0" algn="l" rtl="0">
-                        <a:lnSpc>
-                          <a:spcPct val="115000"/>
-                        </a:lnSpc>
-                        <a:spcBef>
-                          <a:spcPts val="0"/>
-                        </a:spcBef>
-                        <a:spcAft>
-                          <a:spcPts val="0"/>
-                        </a:spcAft>
-                      </a:pPr>
-                      <a:r>
-                        <a:rPr lang="ar-SA" sz="1900" kern="0">
-                          <a:effectLst/>
-                        </a:rPr>
-                        <a:t>رقمي/نصي</a:t>
-                      </a:r>
-                      <a:endParaRPr lang="en-US" sz="1900" kern="100">
-                        <a:effectLst/>
-                        <a:latin typeface="Aptos" panose="020B0004020202020204" pitchFamily="34" charset="0"/>
-                        <a:ea typeface="Aptos" panose="020B0004020202020204" pitchFamily="34" charset="0"/>
-                        <a:cs typeface="Arial" panose="020B0604020202020204" pitchFamily="34" charset="0"/>
-                      </a:endParaRPr>
-                    </a:p>
-                  </a:txBody>
-                  <a:tcPr marL="6350" marR="6350" marT="6350" marB="6350" anchor="ctr"/>
-                </a:tc>
-                <a:tc>
-                  <a:txBody>
-                    <a:bodyPr/>
-                    <a:lstStyle/>
-                    <a:p>
-                      <a:pPr marL="0" marR="0" algn="l" rtl="0">
+                      <a:pPr marL="0" marR="0" algn="ctr" rtl="0">
                         <a:lnSpc>
                           <a:spcPct val="115000"/>
                         </a:lnSpc>
@@ -8494,7 +7948,7 @@
                     <a:bodyPr/>
                     <a:lstStyle/>
                     <a:p>
-                      <a:pPr marL="0" marR="0" algn="l" rtl="0">
+                      <a:pPr marL="0" marR="0" algn="ctr" rtl="0">
                         <a:lnSpc>
                           <a:spcPct val="115000"/>
                         </a:lnSpc>
@@ -8530,7 +7984,7 @@
                     <a:bodyPr/>
                     <a:lstStyle/>
                     <a:p>
-                      <a:pPr marL="0" marR="0" algn="l" rtl="0">
+                      <a:pPr marL="0" marR="0" algn="ctr" rtl="0">
                         <a:lnSpc>
                           <a:spcPct val="115000"/>
                         </a:lnSpc>
@@ -8562,7 +8016,7 @@
                     <a:bodyPr/>
                     <a:lstStyle/>
                     <a:p>
-                      <a:pPr marL="0" marR="0" algn="l" rtl="0">
+                      <a:pPr marL="0" marR="0" algn="ctr" rtl="0">
                         <a:lnSpc>
                           <a:spcPct val="115000"/>
                         </a:lnSpc>
@@ -8594,7 +8048,7 @@
                     <a:bodyPr/>
                     <a:lstStyle/>
                     <a:p>
-                      <a:pPr marL="0" marR="0" algn="l" rtl="0">
+                      <a:pPr marL="0" marR="0" algn="ctr" rtl="0">
                         <a:lnSpc>
                           <a:spcPct val="115000"/>
                         </a:lnSpc>
@@ -8633,7 +8087,7 @@
                     <a:bodyPr/>
                     <a:lstStyle/>
                     <a:p>
-                      <a:pPr marL="0" marR="0" algn="l" rtl="0">
+                      <a:pPr marL="0" marR="0" algn="ctr" rtl="0">
                         <a:lnSpc>
                           <a:spcPct val="115000"/>
                         </a:lnSpc>
@@ -8669,7 +8123,39 @@
                     <a:bodyPr/>
                     <a:lstStyle/>
                     <a:p>
-                      <a:pPr marL="0" marR="0" algn="l" rtl="0">
+                      <a:pPr marL="0" marR="0" algn="ctr" rtl="0">
+                        <a:lnSpc>
+                          <a:spcPct val="115000"/>
+                        </a:lnSpc>
+                        <a:spcBef>
+                          <a:spcPts val="0"/>
+                        </a:spcBef>
+                        <a:spcAft>
+                          <a:spcPts val="0"/>
+                        </a:spcAft>
+                      </a:pPr>
+                      <a:r>
+                        <a:rPr lang="ar-SA" sz="1900" kern="0" dirty="0">
+                          <a:effectLst/>
+                        </a:rPr>
+                        <a:t>يكبر أول حرف من النص</a:t>
+                      </a:r>
+                      <a:endParaRPr lang="en-US" sz="1900" kern="100" dirty="0">
+                        <a:effectLst/>
+                        <a:latin typeface="Aptos" panose="020B0004020202020204" pitchFamily="34" charset="0"/>
+                        <a:ea typeface="Aptos" panose="020B0004020202020204" pitchFamily="34" charset="0"/>
+                        <a:cs typeface="Arial" panose="020B0604020202020204" pitchFamily="34" charset="0"/>
+                      </a:endParaRPr>
+                    </a:p>
+                  </a:txBody>
+                  <a:tcPr marL="6350" marR="6350" marT="6350" marB="6350" anchor="ctr"/>
+                </a:tc>
+                <a:tc>
+                  <a:txBody>
+                    <a:bodyPr/>
+                    <a:lstStyle/>
+                    <a:p>
+                      <a:pPr marL="0" marR="0" algn="ctr" rtl="0">
                         <a:lnSpc>
                           <a:spcPct val="115000"/>
                         </a:lnSpc>
@@ -8684,7 +8170,7 @@
                         <a:rPr lang="ar-SA" sz="1900" kern="0">
                           <a:effectLst/>
                         </a:rPr>
-                        <a:t>يكبّر أول حرف من النص</a:t>
+                        <a:t>نصي</a:t>
                       </a:r>
                       <a:endParaRPr lang="en-US" sz="1900" kern="100">
                         <a:effectLst/>
@@ -8701,56 +8187,24 @@
                     <a:bodyPr/>
                     <a:lstStyle/>
                     <a:p>
-                      <a:pPr marL="0" marR="0" algn="l" rtl="0">
-                        <a:lnSpc>
-                          <a:spcPct val="115000"/>
-                        </a:lnSpc>
-                        <a:spcBef>
-                          <a:spcPts val="0"/>
-                        </a:spcBef>
-                        <a:spcAft>
-                          <a:spcPts val="0"/>
-                        </a:spcAft>
-                      </a:pPr>
-                      <a:r>
-                        <a:rPr lang="ar-SA" sz="1900" kern="0">
-                          <a:effectLst/>
-                        </a:rPr>
-                        <a:t>نصي</a:t>
-                      </a:r>
-                      <a:endParaRPr lang="en-US" sz="1900" kern="100">
-                        <a:effectLst/>
-                        <a:latin typeface="Aptos" panose="020B0004020202020204" pitchFamily="34" charset="0"/>
-                        <a:ea typeface="Aptos" panose="020B0004020202020204" pitchFamily="34" charset="0"/>
-                        <a:cs typeface="Arial" panose="020B0604020202020204" pitchFamily="34" charset="0"/>
-                      </a:endParaRPr>
-                    </a:p>
-                  </a:txBody>
-                  <a:tcPr marL="6350" marR="6350" marT="6350" marB="6350" anchor="ctr"/>
-                </a:tc>
-                <a:tc>
-                  <a:txBody>
-                    <a:bodyPr/>
-                    <a:lstStyle/>
-                    <a:p>
-                      <a:pPr marL="0" marR="0" algn="l" rtl="0">
-                        <a:lnSpc>
-                          <a:spcPct val="115000"/>
-                        </a:lnSpc>
-                        <a:spcBef>
-                          <a:spcPts val="0"/>
-                        </a:spcBef>
-                        <a:spcAft>
-                          <a:spcPts val="0"/>
-                        </a:spcAft>
-                      </a:pPr>
-                      <a:r>
-                        <a:rPr lang="ar-SA" sz="1900" kern="0">
+                      <a:pPr marL="0" marR="0" algn="ctr" rtl="0">
+                        <a:lnSpc>
+                          <a:spcPct val="115000"/>
+                        </a:lnSpc>
+                        <a:spcBef>
+                          <a:spcPts val="0"/>
+                        </a:spcBef>
+                        <a:spcAft>
+                          <a:spcPts val="0"/>
+                        </a:spcAft>
+                      </a:pPr>
+                      <a:r>
+                        <a:rPr lang="ar-SA" sz="1900" kern="0" dirty="0">
                           <a:effectLst/>
                         </a:rPr>
                         <a:t>تحسين العناوين</a:t>
                       </a:r>
-                      <a:endParaRPr lang="en-US" sz="1900" kern="100">
+                      <a:endParaRPr lang="en-US" sz="1900" kern="100" dirty="0">
                         <a:effectLst/>
                         <a:latin typeface="Aptos" panose="020B0004020202020204" pitchFamily="34" charset="0"/>
                         <a:ea typeface="Aptos" panose="020B0004020202020204" pitchFamily="34" charset="0"/>
@@ -8772,7 +8226,7 @@
                     <a:bodyPr/>
                     <a:lstStyle/>
                     <a:p>
-                      <a:pPr marL="0" marR="0" algn="l" rtl="0">
+                      <a:pPr marL="0" marR="0" algn="ctr" rtl="0">
                         <a:lnSpc>
                           <a:spcPct val="115000"/>
                         </a:lnSpc>
@@ -8808,7 +8262,7 @@
                     <a:bodyPr/>
                     <a:lstStyle/>
                     <a:p>
-                      <a:pPr marL="0" marR="0" algn="l" rtl="0">
+                      <a:pPr marL="0" marR="0" algn="ctr" rtl="0">
                         <a:lnSpc>
                           <a:spcPct val="115000"/>
                         </a:lnSpc>
@@ -8840,7 +8294,7 @@
                     <a:bodyPr/>
                     <a:lstStyle/>
                     <a:p>
-                      <a:pPr marL="0" marR="0" algn="l" rtl="0">
+                      <a:pPr marL="0" marR="0" algn="ctr" rtl="0">
                         <a:lnSpc>
                           <a:spcPct val="115000"/>
                         </a:lnSpc>
@@ -8872,24 +8326,24 @@
                     <a:bodyPr/>
                     <a:lstStyle/>
                     <a:p>
-                      <a:pPr marL="0" marR="0" algn="l" rtl="0">
-                        <a:lnSpc>
-                          <a:spcPct val="115000"/>
-                        </a:lnSpc>
-                        <a:spcBef>
-                          <a:spcPts val="0"/>
-                        </a:spcBef>
-                        <a:spcAft>
-                          <a:spcPts val="0"/>
-                        </a:spcAft>
-                      </a:pPr>
-                      <a:r>
-                        <a:rPr lang="ar-SA" sz="1900" kern="0">
+                      <a:pPr marL="0" marR="0" algn="ctr" rtl="0">
+                        <a:lnSpc>
+                          <a:spcPct val="115000"/>
+                        </a:lnSpc>
+                        <a:spcBef>
+                          <a:spcPts val="0"/>
+                        </a:spcBef>
+                        <a:spcAft>
+                          <a:spcPts val="0"/>
+                        </a:spcAft>
+                      </a:pPr>
+                      <a:r>
+                        <a:rPr lang="ar-SA" sz="1900" kern="0" dirty="0">
                           <a:effectLst/>
                         </a:rPr>
                         <a:t>لتنسيق العرض</a:t>
                       </a:r>
-                      <a:endParaRPr lang="en-US" sz="1900" kern="100">
+                      <a:endParaRPr lang="en-US" sz="1900" kern="100" dirty="0">
                         <a:effectLst/>
                         <a:latin typeface="Aptos" panose="020B0004020202020204" pitchFamily="34" charset="0"/>
                         <a:ea typeface="Aptos" panose="020B0004020202020204" pitchFamily="34" charset="0"/>
@@ -8911,7 +8365,7 @@
                     <a:bodyPr/>
                     <a:lstStyle/>
                     <a:p>
-                      <a:pPr marL="0" marR="0" algn="l" rtl="0">
+                      <a:pPr marL="0" marR="0" algn="ctr" rtl="0">
                         <a:lnSpc>
                           <a:spcPct val="115000"/>
                         </a:lnSpc>
@@ -8947,7 +8401,39 @@
                     <a:bodyPr/>
                     <a:lstStyle/>
                     <a:p>
-                      <a:pPr marL="0" marR="0" algn="l" rtl="0">
+                      <a:pPr marL="0" marR="0" algn="ctr" rtl="0">
+                        <a:lnSpc>
+                          <a:spcPct val="115000"/>
+                        </a:lnSpc>
+                        <a:spcBef>
+                          <a:spcPts val="0"/>
+                        </a:spcBef>
+                        <a:spcAft>
+                          <a:spcPts val="0"/>
+                        </a:spcAft>
+                      </a:pPr>
+                      <a:r>
+                        <a:rPr lang="ar-SA" sz="1900" kern="0" dirty="0">
+                          <a:effectLst/>
+                        </a:rPr>
+                        <a:t>يحذف نص معين من السلسلة</a:t>
+                      </a:r>
+                      <a:endParaRPr lang="en-US" sz="1900" kern="100" dirty="0">
+                        <a:effectLst/>
+                        <a:latin typeface="Aptos" panose="020B0004020202020204" pitchFamily="34" charset="0"/>
+                        <a:ea typeface="Aptos" panose="020B0004020202020204" pitchFamily="34" charset="0"/>
+                        <a:cs typeface="Arial" panose="020B0604020202020204" pitchFamily="34" charset="0"/>
+                      </a:endParaRPr>
+                    </a:p>
+                  </a:txBody>
+                  <a:tcPr marL="6350" marR="6350" marT="6350" marB="6350" anchor="ctr"/>
+                </a:tc>
+                <a:tc>
+                  <a:txBody>
+                    <a:bodyPr/>
+                    <a:lstStyle/>
+                    <a:p>
+                      <a:pPr marL="0" marR="0" algn="ctr" rtl="0">
                         <a:lnSpc>
                           <a:spcPct val="115000"/>
                         </a:lnSpc>
@@ -8962,7 +8448,7 @@
                         <a:rPr lang="ar-SA" sz="1900" kern="0">
                           <a:effectLst/>
                         </a:rPr>
-                        <a:t>يحذف نص معين من السلسلة</a:t>
+                        <a:t>نصي</a:t>
                       </a:r>
                       <a:endParaRPr lang="en-US" sz="1900" kern="100">
                         <a:effectLst/>
@@ -8979,56 +8465,24 @@
                     <a:bodyPr/>
                     <a:lstStyle/>
                     <a:p>
-                      <a:pPr marL="0" marR="0" algn="l" rtl="0">
-                        <a:lnSpc>
-                          <a:spcPct val="115000"/>
-                        </a:lnSpc>
-                        <a:spcBef>
-                          <a:spcPts val="0"/>
-                        </a:spcBef>
-                        <a:spcAft>
-                          <a:spcPts val="0"/>
-                        </a:spcAft>
-                      </a:pPr>
-                      <a:r>
-                        <a:rPr lang="ar-SA" sz="1900" kern="0">
-                          <a:effectLst/>
-                        </a:rPr>
-                        <a:t>نصي</a:t>
-                      </a:r>
-                      <a:endParaRPr lang="en-US" sz="1900" kern="100">
-                        <a:effectLst/>
-                        <a:latin typeface="Aptos" panose="020B0004020202020204" pitchFamily="34" charset="0"/>
-                        <a:ea typeface="Aptos" panose="020B0004020202020204" pitchFamily="34" charset="0"/>
-                        <a:cs typeface="Arial" panose="020B0604020202020204" pitchFamily="34" charset="0"/>
-                      </a:endParaRPr>
-                    </a:p>
-                  </a:txBody>
-                  <a:tcPr marL="6350" marR="6350" marT="6350" marB="6350" anchor="ctr"/>
-                </a:tc>
-                <a:tc>
-                  <a:txBody>
-                    <a:bodyPr/>
-                    <a:lstStyle/>
-                    <a:p>
-                      <a:pPr marL="0" marR="0" algn="l" rtl="0">
-                        <a:lnSpc>
-                          <a:spcPct val="115000"/>
-                        </a:lnSpc>
-                        <a:spcBef>
-                          <a:spcPts val="0"/>
-                        </a:spcBef>
-                        <a:spcAft>
-                          <a:spcPts val="0"/>
-                        </a:spcAft>
-                      </a:pPr>
-                      <a:r>
-                        <a:rPr lang="ar-SA" sz="1900" kern="0">
+                      <a:pPr marL="0" marR="0" algn="ctr" rtl="0">
+                        <a:lnSpc>
+                          <a:spcPct val="115000"/>
+                        </a:lnSpc>
+                        <a:spcBef>
+                          <a:spcPts val="0"/>
+                        </a:spcBef>
+                        <a:spcAft>
+                          <a:spcPts val="0"/>
+                        </a:spcAft>
+                      </a:pPr>
+                      <a:r>
+                        <a:rPr lang="ar-SA" sz="1900" kern="0" dirty="0">
                           <a:effectLst/>
                         </a:rPr>
                         <a:t>حذف كلمات أو رموز غير مرغوبة</a:t>
                       </a:r>
-                      <a:endParaRPr lang="en-US" sz="1900" kern="100">
+                      <a:endParaRPr lang="en-US" sz="1900" kern="100" dirty="0">
                         <a:effectLst/>
                         <a:latin typeface="Aptos" panose="020B0004020202020204" pitchFamily="34" charset="0"/>
                         <a:ea typeface="Aptos" panose="020B0004020202020204" pitchFamily="34" charset="0"/>
@@ -9050,7 +8504,7 @@
                     <a:bodyPr/>
                     <a:lstStyle/>
                     <a:p>
-                      <a:pPr marL="0" marR="0" algn="l" rtl="0">
+                      <a:pPr marL="0" marR="0" algn="ctr" rtl="0">
                         <a:lnSpc>
                           <a:spcPct val="115000"/>
                         </a:lnSpc>
@@ -9086,7 +8540,7 @@
                     <a:bodyPr/>
                     <a:lstStyle/>
                     <a:p>
-                      <a:pPr marL="0" marR="0" algn="l" rtl="0">
+                      <a:pPr marL="0" marR="0" algn="ctr" rtl="0">
                         <a:lnSpc>
                           <a:spcPct val="115000"/>
                         </a:lnSpc>
@@ -9118,24 +8572,24 @@
                     <a:bodyPr/>
                     <a:lstStyle/>
                     <a:p>
-                      <a:pPr marL="0" marR="0" algn="l" rtl="0">
-                        <a:lnSpc>
-                          <a:spcPct val="115000"/>
-                        </a:lnSpc>
-                        <a:spcBef>
-                          <a:spcPts val="0"/>
-                        </a:spcBef>
-                        <a:spcAft>
-                          <a:spcPts val="0"/>
-                        </a:spcAft>
-                      </a:pPr>
-                      <a:r>
-                        <a:rPr lang="ar-SA" sz="1900" kern="0">
+                      <a:pPr marL="0" marR="0" algn="ctr" rtl="0">
+                        <a:lnSpc>
+                          <a:spcPct val="115000"/>
+                        </a:lnSpc>
+                        <a:spcBef>
+                          <a:spcPts val="0"/>
+                        </a:spcBef>
+                        <a:spcAft>
+                          <a:spcPts val="0"/>
+                        </a:spcAft>
+                      </a:pPr>
+                      <a:r>
+                        <a:rPr lang="ar-SA" sz="1900" kern="0" dirty="0">
                           <a:effectLst/>
                         </a:rPr>
                         <a:t>تاريخ</a:t>
                       </a:r>
-                      <a:endParaRPr lang="en-US" sz="1900" kern="100">
+                      <a:endParaRPr lang="en-US" sz="1900" kern="100" dirty="0">
                         <a:effectLst/>
                         <a:latin typeface="Aptos" panose="020B0004020202020204" pitchFamily="34" charset="0"/>
                         <a:ea typeface="Aptos" panose="020B0004020202020204" pitchFamily="34" charset="0"/>
@@ -9150,24 +8604,24 @@
                     <a:bodyPr/>
                     <a:lstStyle/>
                     <a:p>
-                      <a:pPr marL="0" marR="0" algn="l" rtl="0">
-                        <a:lnSpc>
-                          <a:spcPct val="115000"/>
-                        </a:lnSpc>
-                        <a:spcBef>
-                          <a:spcPts val="0"/>
-                        </a:spcBef>
-                        <a:spcAft>
-                          <a:spcPts val="0"/>
-                        </a:spcAft>
-                      </a:pPr>
-                      <a:r>
-                        <a:rPr lang="ar-SA" sz="1900" kern="0">
+                      <a:pPr marL="0" marR="0" algn="ctr" rtl="0">
+                        <a:lnSpc>
+                          <a:spcPct val="115000"/>
+                        </a:lnSpc>
+                        <a:spcBef>
+                          <a:spcPts val="0"/>
+                        </a:spcBef>
+                        <a:spcAft>
+                          <a:spcPts val="0"/>
+                        </a:spcAft>
+                      </a:pPr>
+                      <a:r>
+                        <a:rPr lang="ar-SA" sz="1900" kern="0" dirty="0">
                           <a:effectLst/>
                         </a:rPr>
                         <a:t>عرض التاريخ بصيغ مختلفة</a:t>
                       </a:r>
-                      <a:endParaRPr lang="en-US" sz="1900" kern="100">
+                      <a:endParaRPr lang="en-US" sz="1900" kern="100" dirty="0">
                         <a:effectLst/>
                         <a:latin typeface="Aptos" panose="020B0004020202020204" pitchFamily="34" charset="0"/>
                         <a:ea typeface="Aptos" panose="020B0004020202020204" pitchFamily="34" charset="0"/>
@@ -9189,7 +8643,7 @@
                     <a:bodyPr/>
                     <a:lstStyle/>
                     <a:p>
-                      <a:pPr marL="0" marR="0" algn="l" rtl="0">
+                      <a:pPr marL="0" marR="0" algn="ctr" rtl="0">
                         <a:lnSpc>
                           <a:spcPct val="115000"/>
                         </a:lnSpc>
@@ -9225,7 +8679,7 @@
                     <a:bodyPr/>
                     <a:lstStyle/>
                     <a:p>
-                      <a:pPr marL="0" marR="0" algn="l" rtl="0">
+                      <a:pPr marL="0" marR="0" algn="ctr" rtl="0">
                         <a:lnSpc>
                           <a:spcPct val="115000"/>
                         </a:lnSpc>
@@ -9257,24 +8711,24 @@
                     <a:bodyPr/>
                     <a:lstStyle/>
                     <a:p>
-                      <a:pPr marL="0" marR="0" algn="l" rtl="0">
-                        <a:lnSpc>
-                          <a:spcPct val="115000"/>
-                        </a:lnSpc>
-                        <a:spcBef>
-                          <a:spcPts val="0"/>
-                        </a:spcBef>
-                        <a:spcAft>
-                          <a:spcPts val="0"/>
-                        </a:spcAft>
-                      </a:pPr>
-                      <a:r>
-                        <a:rPr lang="ar-SA" sz="1900" kern="0">
+                      <a:pPr marL="0" marR="0" algn="ctr" rtl="0">
+                        <a:lnSpc>
+                          <a:spcPct val="115000"/>
+                        </a:lnSpc>
+                        <a:spcBef>
+                          <a:spcPts val="0"/>
+                        </a:spcBef>
+                        <a:spcAft>
+                          <a:spcPts val="0"/>
+                        </a:spcAft>
+                      </a:pPr>
+                      <a:r>
+                        <a:rPr lang="ar-SA" sz="1900" kern="0" dirty="0">
                           <a:effectLst/>
                         </a:rPr>
                         <a:t>عام</a:t>
                       </a:r>
-                      <a:endParaRPr lang="en-US" sz="1900" kern="100">
+                      <a:endParaRPr lang="en-US" sz="1900" kern="100" dirty="0">
                         <a:effectLst/>
                         <a:latin typeface="Aptos" panose="020B0004020202020204" pitchFamily="34" charset="0"/>
                         <a:ea typeface="Aptos" panose="020B0004020202020204" pitchFamily="34" charset="0"/>
@@ -9289,7 +8743,7 @@
                     <a:bodyPr/>
                     <a:lstStyle/>
                     <a:p>
-                      <a:pPr marL="0" marR="0" algn="l" rtl="0">
+                      <a:pPr marL="0" marR="0" algn="ctr" rtl="0">
                         <a:lnSpc>
                           <a:spcPct val="115000"/>
                         </a:lnSpc>
@@ -9328,7 +8782,7 @@
                     <a:bodyPr/>
                     <a:lstStyle/>
                     <a:p>
-                      <a:pPr marL="0" marR="0" algn="l" rtl="0">
+                      <a:pPr marL="0" marR="0" algn="ctr" rtl="0">
                         <a:lnSpc>
                           <a:spcPct val="115000"/>
                         </a:lnSpc>
@@ -9364,7 +8818,7 @@
                     <a:bodyPr/>
                     <a:lstStyle/>
                     <a:p>
-                      <a:pPr marL="0" marR="0" algn="l" rtl="0">
+                      <a:pPr marL="0" marR="0" algn="ctr" rtl="0">
                         <a:lnSpc>
                           <a:spcPct val="115000"/>
                         </a:lnSpc>
@@ -9402,7 +8856,7 @@
                     <a:bodyPr/>
                     <a:lstStyle/>
                     <a:p>
-                      <a:pPr marL="0" marR="0" algn="l" rtl="0">
+                      <a:pPr marL="0" marR="0" algn="ctr" rtl="0">
                         <a:lnSpc>
                           <a:spcPct val="115000"/>
                         </a:lnSpc>
@@ -9434,30 +8888,30 @@
                     <a:bodyPr/>
                     <a:lstStyle/>
                     <a:p>
-                      <a:pPr marL="0" marR="0" algn="l" rtl="0">
-                        <a:lnSpc>
-                          <a:spcPct val="115000"/>
-                        </a:lnSpc>
-                        <a:spcBef>
-                          <a:spcPts val="0"/>
-                        </a:spcBef>
-                        <a:spcAft>
-                          <a:spcPts val="0"/>
-                        </a:spcAft>
-                      </a:pPr>
-                      <a:r>
-                        <a:rPr lang="ar-SA" sz="1900" kern="0">
+                      <a:pPr marL="0" marR="0" algn="ctr" rtl="0">
+                        <a:lnSpc>
+                          <a:spcPct val="115000"/>
+                        </a:lnSpc>
+                        <a:spcBef>
+                          <a:spcPts val="0"/>
+                        </a:spcBef>
+                        <a:spcAft>
+                          <a:spcPts val="0"/>
+                        </a:spcAft>
+                      </a:pPr>
+                      <a:r>
+                        <a:rPr lang="ar-SA" sz="1900" kern="0" dirty="0">
                           <a:effectLst/>
                         </a:rPr>
                         <a:t>مميز للبيانات التي قد تكون</a:t>
                       </a:r>
                       <a:r>
-                        <a:rPr lang="en-US" sz="1900" kern="0">
+                        <a:rPr lang="en-US" sz="1900" kern="0" dirty="0">
                           <a:effectLst/>
                         </a:rPr>
                         <a:t> None</a:t>
                       </a:r>
-                      <a:endParaRPr lang="en-US" sz="1900" kern="100">
+                      <a:endParaRPr lang="en-US" sz="1900" kern="100" dirty="0">
                         <a:effectLst/>
                         <a:latin typeface="Aptos" panose="020B0004020202020204" pitchFamily="34" charset="0"/>
                         <a:ea typeface="Aptos" panose="020B0004020202020204" pitchFamily="34" charset="0"/>
@@ -9479,7 +8933,7 @@
                     <a:bodyPr/>
                     <a:lstStyle/>
                     <a:p>
-                      <a:pPr marL="0" marR="0" algn="l" rtl="0">
+                      <a:pPr marL="0" marR="0" algn="ctr" rtl="0">
                         <a:lnSpc>
                           <a:spcPct val="115000"/>
                         </a:lnSpc>
@@ -9515,7 +8969,7 @@
                     <a:bodyPr/>
                     <a:lstStyle/>
                     <a:p>
-                      <a:pPr marL="0" marR="0" algn="l" rtl="0">
+                      <a:pPr marL="0" marR="0" algn="ctr" rtl="0">
                         <a:lnSpc>
                           <a:spcPct val="115000"/>
                         </a:lnSpc>
@@ -9547,24 +9001,24 @@
                     <a:bodyPr/>
                     <a:lstStyle/>
                     <a:p>
-                      <a:pPr marL="0" marR="0" algn="l" rtl="0">
-                        <a:lnSpc>
-                          <a:spcPct val="115000"/>
-                        </a:lnSpc>
-                        <a:spcBef>
-                          <a:spcPts val="0"/>
-                        </a:spcBef>
-                        <a:spcAft>
-                          <a:spcPts val="0"/>
-                        </a:spcAft>
-                      </a:pPr>
-                      <a:r>
-                        <a:rPr lang="ar-SA" sz="1900" kern="0">
+                      <a:pPr marL="0" marR="0" algn="ctr" rtl="0">
+                        <a:lnSpc>
+                          <a:spcPct val="115000"/>
+                        </a:lnSpc>
+                        <a:spcBef>
+                          <a:spcPts val="0"/>
+                        </a:spcBef>
+                        <a:spcAft>
+                          <a:spcPts val="0"/>
+                        </a:spcAft>
+                      </a:pPr>
+                      <a:r>
+                        <a:rPr lang="ar-SA" sz="1900" kern="0" dirty="0">
                           <a:effectLst/>
                         </a:rPr>
                         <a:t>ترتيب بيانات</a:t>
                       </a:r>
-                      <a:endParaRPr lang="en-US" sz="1900" kern="100">
+                      <a:endParaRPr lang="en-US" sz="1900" kern="100" dirty="0">
                         <a:effectLst/>
                         <a:latin typeface="Aptos" panose="020B0004020202020204" pitchFamily="34" charset="0"/>
                         <a:ea typeface="Aptos" panose="020B0004020202020204" pitchFamily="34" charset="0"/>
@@ -9579,24 +9033,24 @@
                     <a:bodyPr/>
                     <a:lstStyle/>
                     <a:p>
-                      <a:pPr marL="0" marR="0" algn="l" rtl="0">
-                        <a:lnSpc>
-                          <a:spcPct val="115000"/>
-                        </a:lnSpc>
-                        <a:spcBef>
-                          <a:spcPts val="0"/>
-                        </a:spcBef>
-                        <a:spcAft>
-                          <a:spcPts val="0"/>
-                        </a:spcAft>
-                      </a:pPr>
-                      <a:r>
-                        <a:rPr lang="ar-SA" sz="1900" kern="0">
+                      <a:pPr marL="0" marR="0" algn="ctr" rtl="0">
+                        <a:lnSpc>
+                          <a:spcPct val="115000"/>
+                        </a:lnSpc>
+                        <a:spcBef>
+                          <a:spcPts val="0"/>
+                        </a:spcBef>
+                        <a:spcAft>
+                          <a:spcPts val="0"/>
+                        </a:spcAft>
+                      </a:pPr>
+                      <a:r>
+                        <a:rPr lang="ar-SA" sz="1900" kern="0" dirty="0">
                           <a:effectLst/>
                         </a:rPr>
                         <a:t>ترتيب بيانات معقدة</a:t>
                       </a:r>
-                      <a:endParaRPr lang="en-US" sz="1900" kern="100">
+                      <a:endParaRPr lang="en-US" sz="1900" kern="100" dirty="0">
                         <a:effectLst/>
                         <a:latin typeface="Aptos" panose="020B0004020202020204" pitchFamily="34" charset="0"/>
                         <a:ea typeface="Aptos" panose="020B0004020202020204" pitchFamily="34" charset="0"/>
@@ -9618,7 +9072,7 @@
                     <a:bodyPr/>
                     <a:lstStyle/>
                     <a:p>
-                      <a:pPr marL="0" marR="0" algn="l" rtl="0">
+                      <a:pPr marL="0" marR="0" algn="ctr" rtl="0">
                         <a:lnSpc>
                           <a:spcPct val="115000"/>
                         </a:lnSpc>
@@ -9654,7 +9108,7 @@
                     <a:bodyPr/>
                     <a:lstStyle/>
                     <a:p>
-                      <a:pPr marL="0" marR="0" algn="l" rtl="0">
+                      <a:pPr marL="0" marR="0" algn="ctr" rtl="0">
                         <a:lnSpc>
                           <a:spcPct val="115000"/>
                         </a:lnSpc>
@@ -9686,7 +9140,7 @@
                     <a:bodyPr/>
                     <a:lstStyle/>
                     <a:p>
-                      <a:pPr marL="0" marR="0" algn="l" rtl="0">
+                      <a:pPr marL="0" marR="0" algn="ctr" rtl="0">
                         <a:lnSpc>
                           <a:spcPct val="115000"/>
                         </a:lnSpc>
@@ -9718,24 +9172,24 @@
                     <a:bodyPr/>
                     <a:lstStyle/>
                     <a:p>
-                      <a:pPr marL="0" marR="0" algn="l" rtl="0">
-                        <a:lnSpc>
-                          <a:spcPct val="115000"/>
-                        </a:lnSpc>
-                        <a:spcBef>
-                          <a:spcPts val="0"/>
-                        </a:spcBef>
-                        <a:spcAft>
-                          <a:spcPts val="0"/>
-                        </a:spcAft>
-                      </a:pPr>
-                      <a:r>
-                        <a:rPr lang="ar-SA" sz="1900" kern="0">
+                      <a:pPr marL="0" marR="0" algn="ctr" rtl="0">
+                        <a:lnSpc>
+                          <a:spcPct val="115000"/>
+                        </a:lnSpc>
+                        <a:spcBef>
+                          <a:spcPts val="0"/>
+                        </a:spcBef>
+                        <a:spcAft>
+                          <a:spcPts val="0"/>
+                        </a:spcAft>
+                      </a:pPr>
+                      <a:r>
+                        <a:rPr lang="ar-SA" sz="1900" kern="0" dirty="0">
                           <a:effectLst/>
                         </a:rPr>
                         <a:t>ترتيب معكوس</a:t>
                       </a:r>
-                      <a:endParaRPr lang="en-US" sz="1900" kern="100">
+                      <a:endParaRPr lang="en-US" sz="1900" kern="100" dirty="0">
                         <a:effectLst/>
                         <a:latin typeface="Aptos" panose="020B0004020202020204" pitchFamily="34" charset="0"/>
                         <a:ea typeface="Aptos" panose="020B0004020202020204" pitchFamily="34" charset="0"/>
@@ -9757,7 +9211,7 @@
                     <a:bodyPr/>
                     <a:lstStyle/>
                     <a:p>
-                      <a:pPr marL="0" marR="0" algn="l" rtl="0">
+                      <a:pPr marL="0" marR="0" algn="ctr" rtl="0">
                         <a:lnSpc>
                           <a:spcPct val="115000"/>
                         </a:lnSpc>
@@ -9793,7 +9247,7 @@
                     <a:bodyPr/>
                     <a:lstStyle/>
                     <a:p>
-                      <a:pPr marL="0" marR="0" algn="l" rtl="0">
+                      <a:pPr marL="0" marR="0" algn="ctr" rtl="0">
                         <a:lnSpc>
                           <a:spcPct val="115000"/>
                         </a:lnSpc>
@@ -9825,7 +9279,7 @@
                     <a:bodyPr/>
                     <a:lstStyle/>
                     <a:p>
-                      <a:pPr marL="0" marR="0" algn="l" rtl="0">
+                      <a:pPr marL="0" marR="0" algn="ctr" rtl="0">
                         <a:lnSpc>
                           <a:spcPct val="115000"/>
                         </a:lnSpc>
@@ -9857,24 +9311,24 @@
                     <a:bodyPr/>
                     <a:lstStyle/>
                     <a:p>
-                      <a:pPr marL="0" marR="0" algn="l" rtl="0">
-                        <a:lnSpc>
-                          <a:spcPct val="115000"/>
-                        </a:lnSpc>
-                        <a:spcBef>
-                          <a:spcPts val="0"/>
-                        </a:spcBef>
-                        <a:spcAft>
-                          <a:spcPts val="0"/>
-                        </a:spcAft>
-                      </a:pPr>
-                      <a:r>
-                        <a:rPr lang="ar-SA" sz="1900" kern="0">
+                      <a:pPr marL="0" marR="0" algn="ctr" rtl="0">
+                        <a:lnSpc>
+                          <a:spcPct val="115000"/>
+                        </a:lnSpc>
+                        <a:spcBef>
+                          <a:spcPts val="0"/>
+                        </a:spcBef>
+                        <a:spcAft>
+                          <a:spcPts val="0"/>
+                        </a:spcAft>
+                      </a:pPr>
+                      <a:r>
+                        <a:rPr lang="ar-SA" sz="1900" kern="0" dirty="0">
                           <a:effectLst/>
                         </a:rPr>
                         <a:t>يستخدم للشروط</a:t>
                       </a:r>
-                      <a:endParaRPr lang="en-US" sz="1900" kern="100">
+                      <a:endParaRPr lang="en-US" sz="1900" kern="100" dirty="0">
                         <a:effectLst/>
                         <a:latin typeface="Aptos" panose="020B0004020202020204" pitchFamily="34" charset="0"/>
                         <a:ea typeface="Aptos" panose="020B0004020202020204" pitchFamily="34" charset="0"/>
@@ -9896,7 +9350,7 @@
                     <a:bodyPr/>
                     <a:lstStyle/>
                     <a:p>
-                      <a:pPr marL="0" marR="0" algn="l" rtl="0">
+                      <a:pPr marL="0" marR="0" algn="ctr" rtl="0">
                         <a:lnSpc>
                           <a:spcPct val="115000"/>
                         </a:lnSpc>
@@ -9932,7 +9386,7 @@
                     <a:bodyPr/>
                     <a:lstStyle/>
                     <a:p>
-                      <a:pPr marL="0" marR="0" algn="l" rtl="0">
+                      <a:pPr marL="0" marR="0" algn="ctr" rtl="0">
                         <a:lnSpc>
                           <a:spcPct val="115000"/>
                         </a:lnSpc>
@@ -9976,7 +9430,7 @@
                     <a:bodyPr/>
                     <a:lstStyle/>
                     <a:p>
-                      <a:pPr marL="0" marR="0" algn="l" rtl="0">
+                      <a:pPr marL="0" marR="0" algn="ctr" rtl="0">
                         <a:lnSpc>
                           <a:spcPct val="115000"/>
                         </a:lnSpc>
@@ -10008,30 +9462,30 @@
                     <a:bodyPr/>
                     <a:lstStyle/>
                     <a:p>
-                      <a:pPr marL="0" marR="0" algn="l" rtl="0">
-                        <a:lnSpc>
-                          <a:spcPct val="115000"/>
-                        </a:lnSpc>
-                        <a:spcBef>
-                          <a:spcPts val="0"/>
-                        </a:spcBef>
-                        <a:spcAft>
-                          <a:spcPts val="0"/>
-                        </a:spcAft>
-                      </a:pPr>
-                      <a:r>
-                        <a:rPr lang="ar-SA" sz="1900" kern="0">
+                      <a:pPr marL="0" marR="0" algn="ctr" rtl="0">
+                        <a:lnSpc>
+                          <a:spcPct val="115000"/>
+                        </a:lnSpc>
+                        <a:spcBef>
+                          <a:spcPts val="0"/>
+                        </a:spcBef>
+                        <a:spcAft>
+                          <a:spcPts val="0"/>
+                        </a:spcAft>
+                      </a:pPr>
+                      <a:r>
+                        <a:rPr lang="ar-SA" sz="1900" kern="0" dirty="0">
                           <a:effectLst/>
                         </a:rPr>
                         <a:t>منع هجمات</a:t>
                       </a:r>
                       <a:r>
-                        <a:rPr lang="en-US" sz="1900" kern="0">
+                        <a:rPr lang="en-US" sz="1900" kern="0" dirty="0">
                           <a:effectLst/>
                         </a:rPr>
                         <a:t> XSS</a:t>
                       </a:r>
-                      <a:endParaRPr lang="en-US" sz="1900" kern="100">
+                      <a:endParaRPr lang="en-US" sz="1900" kern="100" dirty="0">
                         <a:effectLst/>
                         <a:latin typeface="Aptos" panose="020B0004020202020204" pitchFamily="34" charset="0"/>
                         <a:ea typeface="Aptos" panose="020B0004020202020204" pitchFamily="34" charset="0"/>
@@ -10053,7 +9507,7 @@
                     <a:bodyPr/>
                     <a:lstStyle/>
                     <a:p>
-                      <a:pPr marL="0" marR="0" algn="l" rtl="0">
+                      <a:pPr marL="0" marR="0" algn="ctr" rtl="0">
                         <a:lnSpc>
                           <a:spcPct val="115000"/>
                         </a:lnSpc>
@@ -10089,7 +9543,7 @@
                     <a:bodyPr/>
                     <a:lstStyle/>
                     <a:p>
-                      <a:pPr marL="0" marR="0" algn="l" rtl="0">
+                      <a:pPr marL="0" marR="0" algn="ctr" rtl="0">
                         <a:lnSpc>
                           <a:spcPct val="115000"/>
                         </a:lnSpc>
@@ -10127,7 +9581,7 @@
                     <a:bodyPr/>
                     <a:lstStyle/>
                     <a:p>
-                      <a:pPr marL="0" marR="0" algn="l" rtl="0">
+                      <a:pPr marL="0" marR="0" algn="ctr" rtl="0">
                         <a:lnSpc>
                           <a:spcPct val="115000"/>
                         </a:lnSpc>
@@ -10159,24 +9613,30 @@
                     <a:bodyPr/>
                     <a:lstStyle/>
                     <a:p>
-                      <a:pPr marL="0" marR="0" algn="l" rtl="0">
-                        <a:lnSpc>
-                          <a:spcPct val="115000"/>
-                        </a:lnSpc>
-                        <a:spcBef>
-                          <a:spcPts val="0"/>
-                        </a:spcBef>
-                        <a:spcAft>
-                          <a:spcPts val="0"/>
-                        </a:spcAft>
-                      </a:pPr>
-                      <a:r>
-                        <a:rPr lang="ar-SA" sz="1900" kern="0">
-                          <a:effectLst/>
-                        </a:rPr>
-                        <a:t>حماية نصوص تُستخدم في جافاسكريبت</a:t>
-                      </a:r>
-                      <a:endParaRPr lang="en-US" sz="1900" kern="100">
+                      <a:pPr marL="0" marR="0" algn="ctr" rtl="0">
+                        <a:lnSpc>
+                          <a:spcPct val="115000"/>
+                        </a:lnSpc>
+                        <a:spcBef>
+                          <a:spcPts val="0"/>
+                        </a:spcBef>
+                        <a:spcAft>
+                          <a:spcPts val="0"/>
+                        </a:spcAft>
+                      </a:pPr>
+                      <a:r>
+                        <a:rPr lang="ar-SA" sz="1900" kern="0" dirty="0">
+                          <a:effectLst/>
+                        </a:rPr>
+                        <a:t>حماية نصوص تُستخدم في </a:t>
+                      </a:r>
+                      <a:r>
+                        <a:rPr lang="ar-SA" sz="1900" kern="0" dirty="0" err="1">
+                          <a:effectLst/>
+                        </a:rPr>
+                        <a:t>جافاسكريبت</a:t>
+                      </a:r>
+                      <a:endParaRPr lang="en-US" sz="1900" kern="100" dirty="0">
                         <a:effectLst/>
                         <a:latin typeface="Aptos" panose="020B0004020202020204" pitchFamily="34" charset="0"/>
                         <a:ea typeface="Aptos" panose="020B0004020202020204" pitchFamily="34" charset="0"/>
@@ -10198,7 +9658,7 @@
                     <a:bodyPr/>
                     <a:lstStyle/>
                     <a:p>
-                      <a:pPr marL="0" marR="0" algn="l" rtl="0">
+                      <a:pPr marL="0" marR="0" algn="ctr" rtl="0">
                         <a:lnSpc>
                           <a:spcPct val="115000"/>
                         </a:lnSpc>
@@ -10234,7 +9694,7 @@
                     <a:bodyPr/>
                     <a:lstStyle/>
                     <a:p>
-                      <a:pPr marL="0" marR="0" algn="l" rtl="0">
+                      <a:pPr marL="0" marR="0" algn="ctr" rtl="0">
                         <a:lnSpc>
                           <a:spcPct val="115000"/>
                         </a:lnSpc>
@@ -10266,7 +9726,7 @@
                     <a:bodyPr/>
                     <a:lstStyle/>
                     <a:p>
-                      <a:pPr marL="0" marR="0" algn="l" rtl="0">
+                      <a:pPr marL="0" marR="0" algn="ctr" rtl="0">
                         <a:lnSpc>
                           <a:spcPct val="115000"/>
                         </a:lnSpc>
@@ -10298,7 +9758,7 @@
                     <a:bodyPr/>
                     <a:lstStyle/>
                     <a:p>
-                      <a:pPr marL="0" marR="0" algn="l" rtl="0">
+                      <a:pPr marL="0" marR="0" algn="ctr" rtl="0">
                         <a:lnSpc>
                           <a:spcPct val="115000"/>
                         </a:lnSpc>
@@ -10337,7 +9797,7 @@
                     <a:bodyPr/>
                     <a:lstStyle/>
                     <a:p>
-                      <a:pPr marL="0" marR="0" algn="l" rtl="0">
+                      <a:pPr marL="0" marR="0" algn="ctr" rtl="0">
                         <a:lnSpc>
                           <a:spcPct val="115000"/>
                         </a:lnSpc>
@@ -10373,7 +9833,7 @@
                     <a:bodyPr/>
                     <a:lstStyle/>
                     <a:p>
-                      <a:pPr marL="0" marR="0" algn="l" rtl="0">
+                      <a:pPr marL="0" marR="0" algn="ctr" rtl="0">
                         <a:lnSpc>
                           <a:spcPct val="115000"/>
                         </a:lnSpc>
@@ -10405,7 +9865,7 @@
                     <a:bodyPr/>
                     <a:lstStyle/>
                     <a:p>
-                      <a:pPr marL="0" marR="0" algn="l" rtl="0">
+                      <a:pPr marL="0" marR="0" algn="ctr" rtl="0">
                         <a:lnSpc>
                           <a:spcPct val="115000"/>
                         </a:lnSpc>
@@ -10437,7 +9897,7 @@
                     <a:bodyPr/>
                     <a:lstStyle/>
                     <a:p>
-                      <a:pPr marL="0" marR="0" algn="l" rtl="0">
+                      <a:pPr marL="0" marR="0" algn="ctr" rtl="0">
                         <a:lnSpc>
                           <a:spcPct val="115000"/>
                         </a:lnSpc>
@@ -10476,7 +9936,7 @@
                     <a:bodyPr/>
                     <a:lstStyle/>
                     <a:p>
-                      <a:pPr marL="0" marR="0" algn="l" rtl="0">
+                      <a:pPr marL="0" marR="0" algn="ctr" rtl="0">
                         <a:lnSpc>
                           <a:spcPct val="115000"/>
                         </a:lnSpc>
@@ -10512,7 +9972,7 @@
                     <a:bodyPr/>
                     <a:lstStyle/>
                     <a:p>
-                      <a:pPr marL="0" marR="0" algn="l" rtl="0">
+                      <a:pPr marL="0" marR="0" algn="ctr" rtl="0">
                         <a:lnSpc>
                           <a:spcPct val="115000"/>
                         </a:lnSpc>
@@ -10544,7 +10004,7 @@
                     <a:bodyPr/>
                     <a:lstStyle/>
                     <a:p>
-                      <a:pPr marL="0" marR="0" algn="l" rtl="0">
+                      <a:pPr marL="0" marR="0" algn="ctr" rtl="0">
                         <a:lnSpc>
                           <a:spcPct val="115000"/>
                         </a:lnSpc>
@@ -10576,7 +10036,7 @@
                     <a:bodyPr/>
                     <a:lstStyle/>
                     <a:p>
-                      <a:pPr marL="0" marR="0" algn="l" rtl="0">
+                      <a:pPr marL="0" marR="0" algn="ctr" rtl="0">
                         <a:lnSpc>
                           <a:spcPct val="115000"/>
                         </a:lnSpc>
@@ -10670,7 +10130,7 @@
           <p:nvPr>
             <p:extLst>
               <p:ext uri="{D42A27DB-BD31-4B8C-83A1-F6EECF244321}">
-                <p14:modId xmlns:p14="http://schemas.microsoft.com/office/powerpoint/2010/main" val="947392396"/>
+                <p14:modId xmlns:p14="http://schemas.microsoft.com/office/powerpoint/2010/main" val="443651077"/>
               </p:ext>
             </p:extLst>
           </p:nvPr>
@@ -10872,24 +10332,24 @@
                     <a:bodyPr/>
                     <a:lstStyle/>
                     <a:p>
-                      <a:pPr marL="0" marR="0" algn="l" rtl="0">
-                        <a:lnSpc>
-                          <a:spcPct val="115000"/>
-                        </a:lnSpc>
-                        <a:spcBef>
-                          <a:spcPts val="0"/>
-                        </a:spcBef>
-                        <a:spcAft>
-                          <a:spcPts val="0"/>
-                        </a:spcAft>
-                      </a:pPr>
-                      <a:r>
-                        <a:rPr lang="en-US" sz="1900" kern="0">
+                      <a:pPr marL="0" marR="0" algn="ctr" rtl="0">
+                        <a:lnSpc>
+                          <a:spcPct val="115000"/>
+                        </a:lnSpc>
+                        <a:spcBef>
+                          <a:spcPts val="0"/>
+                        </a:spcBef>
+                        <a:spcAft>
+                          <a:spcPts val="0"/>
+                        </a:spcAft>
+                      </a:pPr>
+                      <a:r>
+                        <a:rPr lang="en-US" sz="1900" kern="0" dirty="0" err="1">
                           <a:effectLst/>
                         </a:rPr>
                         <a:t>get_digit</a:t>
                       </a:r>
-                      <a:endParaRPr lang="en-US" sz="1900" kern="100">
+                      <a:endParaRPr lang="en-US" sz="1900" kern="100" dirty="0">
                         <a:effectLst/>
                         <a:latin typeface="Aptos" panose="020B0004020202020204" pitchFamily="34" charset="0"/>
                         <a:ea typeface="Aptos" panose="020B0004020202020204" pitchFamily="34" charset="0"/>
@@ -10908,7 +10368,7 @@
                     <a:bodyPr/>
                     <a:lstStyle/>
                     <a:p>
-                      <a:pPr marL="0" marR="0" algn="l" rtl="0">
+                      <a:pPr marL="0" marR="0" algn="ctr" rtl="0">
                         <a:lnSpc>
                           <a:spcPct val="115000"/>
                         </a:lnSpc>
@@ -10940,7 +10400,7 @@
                     <a:bodyPr/>
                     <a:lstStyle/>
                     <a:p>
-                      <a:pPr marL="0" marR="0" algn="l" rtl="0">
+                      <a:pPr marL="0" marR="0" algn="ctr" rtl="0">
                         <a:lnSpc>
                           <a:spcPct val="115000"/>
                         </a:lnSpc>
@@ -10972,7 +10432,7 @@
                     <a:bodyPr/>
                     <a:lstStyle/>
                     <a:p>
-                      <a:pPr marL="0" marR="0" algn="l" rtl="0">
+                      <a:pPr marL="0" marR="0" algn="ctr" rtl="0">
                         <a:lnSpc>
                           <a:spcPct val="115000"/>
                         </a:lnSpc>
@@ -11011,7 +10471,7 @@
                     <a:bodyPr/>
                     <a:lstStyle/>
                     <a:p>
-                      <a:pPr marL="0" marR="0" algn="l" rtl="0">
+                      <a:pPr marL="0" marR="0" algn="ctr" rtl="0">
                         <a:lnSpc>
                           <a:spcPct val="115000"/>
                         </a:lnSpc>
@@ -11047,7 +10507,7 @@
                     <a:bodyPr/>
                     <a:lstStyle/>
                     <a:p>
-                      <a:pPr marL="0" marR="0" algn="l" rtl="0">
+                      <a:pPr marL="0" marR="0" algn="ctr" rtl="0">
                         <a:lnSpc>
                           <a:spcPct val="115000"/>
                         </a:lnSpc>
@@ -11085,7 +10545,7 @@
                     <a:bodyPr/>
                     <a:lstStyle/>
                     <a:p>
-                      <a:pPr marL="0" marR="0" algn="l" rtl="0">
+                      <a:pPr marL="0" marR="0" algn="ctr" rtl="0">
                         <a:lnSpc>
                           <a:spcPct val="115000"/>
                         </a:lnSpc>
@@ -11117,7 +10577,7 @@
                     <a:bodyPr/>
                     <a:lstStyle/>
                     <a:p>
-                      <a:pPr marL="0" marR="0" algn="l" rtl="0">
+                      <a:pPr marL="0" marR="0" algn="ctr" rtl="0">
                         <a:lnSpc>
                           <a:spcPct val="115000"/>
                         </a:lnSpc>
@@ -11156,24 +10616,24 @@
                     <a:bodyPr/>
                     <a:lstStyle/>
                     <a:p>
-                      <a:pPr marL="0" marR="0" algn="l" rtl="0">
-                        <a:lnSpc>
-                          <a:spcPct val="115000"/>
-                        </a:lnSpc>
-                        <a:spcBef>
-                          <a:spcPts val="0"/>
-                        </a:spcBef>
-                        <a:spcAft>
-                          <a:spcPts val="0"/>
-                        </a:spcAft>
-                      </a:pPr>
-                      <a:r>
-                        <a:rPr lang="en-US" sz="1900" kern="0">
+                      <a:pPr marL="0" marR="0" algn="ctr" rtl="0">
+                        <a:lnSpc>
+                          <a:spcPct val="115000"/>
+                        </a:lnSpc>
+                        <a:spcBef>
+                          <a:spcPts val="0"/>
+                        </a:spcBef>
+                        <a:spcAft>
+                          <a:spcPts val="0"/>
+                        </a:spcAft>
+                      </a:pPr>
+                      <a:r>
+                        <a:rPr lang="en-US" sz="1900" kern="0" dirty="0">
                           <a:effectLst/>
                         </a:rPr>
                         <a:t>join</a:t>
                       </a:r>
-                      <a:endParaRPr lang="en-US" sz="1900" kern="100">
+                      <a:endParaRPr lang="en-US" sz="1900" kern="100" dirty="0">
                         <a:effectLst/>
                         <a:latin typeface="Aptos" panose="020B0004020202020204" pitchFamily="34" charset="0"/>
                         <a:ea typeface="Aptos" panose="020B0004020202020204" pitchFamily="34" charset="0"/>
@@ -11192,7 +10652,7 @@
                     <a:bodyPr/>
                     <a:lstStyle/>
                     <a:p>
-                      <a:pPr marL="0" marR="0" algn="l" rtl="0">
+                      <a:pPr marL="0" marR="0" algn="ctr" rtl="0">
                         <a:lnSpc>
                           <a:spcPct val="115000"/>
                         </a:lnSpc>
@@ -11224,7 +10684,7 @@
                     <a:bodyPr/>
                     <a:lstStyle/>
                     <a:p>
-                      <a:pPr marL="0" marR="0" algn="l" rtl="0">
+                      <a:pPr marL="0" marR="0" algn="ctr" rtl="0">
                         <a:lnSpc>
                           <a:spcPct val="115000"/>
                         </a:lnSpc>
@@ -11256,7 +10716,7 @@
                     <a:bodyPr/>
                     <a:lstStyle/>
                     <a:p>
-                      <a:pPr marL="0" marR="0" algn="l" rtl="0">
+                      <a:pPr marL="0" marR="0" algn="ctr" rtl="0">
                         <a:lnSpc>
                           <a:spcPct val="115000"/>
                         </a:lnSpc>
@@ -11295,7 +10755,7 @@
                     <a:bodyPr/>
                     <a:lstStyle/>
                     <a:p>
-                      <a:pPr marL="0" marR="0" algn="l" rtl="0">
+                      <a:pPr marL="0" marR="0" algn="ctr" rtl="0">
                         <a:lnSpc>
                           <a:spcPct val="115000"/>
                         </a:lnSpc>
@@ -11331,7 +10791,7 @@
                     <a:bodyPr/>
                     <a:lstStyle/>
                     <a:p>
-                      <a:pPr marL="0" marR="0" algn="l" rtl="0">
+                      <a:pPr marL="0" marR="0" algn="ctr" rtl="0">
                         <a:lnSpc>
                           <a:spcPct val="115000"/>
                         </a:lnSpc>
@@ -11381,7 +10841,7 @@
                     <a:bodyPr/>
                     <a:lstStyle/>
                     <a:p>
-                      <a:pPr marL="0" marR="0" algn="l" rtl="0">
+                      <a:pPr marL="0" marR="0" algn="ctr" rtl="0">
                         <a:lnSpc>
                           <a:spcPct val="115000"/>
                         </a:lnSpc>
@@ -11413,7 +10873,7 @@
                     <a:bodyPr/>
                     <a:lstStyle/>
                     <a:p>
-                      <a:pPr marL="0" marR="0" algn="l" rtl="0">
+                      <a:pPr marL="0" marR="0" algn="ctr" rtl="0">
                         <a:lnSpc>
                           <a:spcPct val="115000"/>
                         </a:lnSpc>
@@ -11464,7 +10924,7 @@
                     <a:bodyPr/>
                     <a:lstStyle/>
                     <a:p>
-                      <a:pPr marL="0" marR="0" algn="l" rtl="0">
+                      <a:pPr marL="0" marR="0" algn="ctr" rtl="0">
                         <a:lnSpc>
                           <a:spcPct val="115000"/>
                         </a:lnSpc>
@@ -11500,7 +10960,39 @@
                     <a:bodyPr/>
                     <a:lstStyle/>
                     <a:p>
-                      <a:pPr marL="0" marR="0" algn="l" rtl="0">
+                      <a:pPr marL="0" marR="0" algn="ctr" rtl="0">
+                        <a:lnSpc>
+                          <a:spcPct val="115000"/>
+                        </a:lnSpc>
+                        <a:spcBef>
+                          <a:spcPts val="0"/>
+                        </a:spcBef>
+                        <a:spcAft>
+                          <a:spcPts val="0"/>
+                        </a:spcAft>
+                      </a:pPr>
+                      <a:r>
+                        <a:rPr lang="ar-SA" sz="1900" kern="0" dirty="0">
+                          <a:effectLst/>
+                        </a:rPr>
+                        <a:t>يعرض آخر عنصر في قائمة</a:t>
+                      </a:r>
+                      <a:endParaRPr lang="en-US" sz="1900" kern="100" dirty="0">
+                        <a:effectLst/>
+                        <a:latin typeface="Aptos" panose="020B0004020202020204" pitchFamily="34" charset="0"/>
+                        <a:ea typeface="Aptos" panose="020B0004020202020204" pitchFamily="34" charset="0"/>
+                        <a:cs typeface="Arial" panose="020B0604020202020204" pitchFamily="34" charset="0"/>
+                      </a:endParaRPr>
+                    </a:p>
+                  </a:txBody>
+                  <a:tcPr marL="6350" marR="6350" marT="6350" marB="6350" anchor="ctr"/>
+                </a:tc>
+                <a:tc>
+                  <a:txBody>
+                    <a:bodyPr/>
+                    <a:lstStyle/>
+                    <a:p>
+                      <a:pPr marL="0" marR="0" algn="ctr" rtl="0">
                         <a:lnSpc>
                           <a:spcPct val="115000"/>
                         </a:lnSpc>
@@ -11515,7 +11007,7 @@
                         <a:rPr lang="ar-SA" sz="1900" kern="0">
                           <a:effectLst/>
                         </a:rPr>
-                        <a:t>يعرض آخر عنصر في قائمة</a:t>
+                        <a:t>بيانات</a:t>
                       </a:r>
                       <a:endParaRPr lang="en-US" sz="1900" kern="100">
                         <a:effectLst/>
@@ -11532,39 +11024,7 @@
                     <a:bodyPr/>
                     <a:lstStyle/>
                     <a:p>
-                      <a:pPr marL="0" marR="0" algn="l" rtl="0">
-                        <a:lnSpc>
-                          <a:spcPct val="115000"/>
-                        </a:lnSpc>
-                        <a:spcBef>
-                          <a:spcPts val="0"/>
-                        </a:spcBef>
-                        <a:spcAft>
-                          <a:spcPts val="0"/>
-                        </a:spcAft>
-                      </a:pPr>
-                      <a:r>
-                        <a:rPr lang="ar-SA" sz="1900" kern="0">
-                          <a:effectLst/>
-                        </a:rPr>
-                        <a:t>بيانات</a:t>
-                      </a:r>
-                      <a:endParaRPr lang="en-US" sz="1900" kern="100">
-                        <a:effectLst/>
-                        <a:latin typeface="Aptos" panose="020B0004020202020204" pitchFamily="34" charset="0"/>
-                        <a:ea typeface="Aptos" panose="020B0004020202020204" pitchFamily="34" charset="0"/>
-                        <a:cs typeface="Arial" panose="020B0604020202020204" pitchFamily="34" charset="0"/>
-                      </a:endParaRPr>
-                    </a:p>
-                  </a:txBody>
-                  <a:tcPr marL="6350" marR="6350" marT="6350" marB="6350" anchor="ctr"/>
-                </a:tc>
-                <a:tc>
-                  <a:txBody>
-                    <a:bodyPr/>
-                    <a:lstStyle/>
-                    <a:p>
-                      <a:pPr marL="0" marR="0" algn="l" rtl="0">
+                      <a:pPr marL="0" marR="0" algn="ctr" rtl="0">
                         <a:lnSpc>
                           <a:spcPct val="115000"/>
                         </a:lnSpc>
@@ -11603,7 +11063,7 @@
                     <a:bodyPr/>
                     <a:lstStyle/>
                     <a:p>
-                      <a:pPr marL="0" marR="0" algn="l" rtl="0">
+                      <a:pPr marL="0" marR="0" algn="ctr" rtl="0">
                         <a:lnSpc>
                           <a:spcPct val="115000"/>
                         </a:lnSpc>
@@ -11639,7 +11099,7 @@
                     <a:bodyPr/>
                     <a:lstStyle/>
                     <a:p>
-                      <a:pPr marL="0" marR="0" algn="l" rtl="0">
+                      <a:pPr marL="0" marR="0" algn="ctr" rtl="0">
                         <a:lnSpc>
                           <a:spcPct val="115000"/>
                         </a:lnSpc>
@@ -11671,7 +11131,7 @@
                     <a:bodyPr/>
                     <a:lstStyle/>
                     <a:p>
-                      <a:pPr marL="0" marR="0" algn="l" rtl="0">
+                      <a:pPr marL="0" marR="0" algn="ctr" rtl="0">
                         <a:lnSpc>
                           <a:spcPct val="115000"/>
                         </a:lnSpc>
@@ -11703,7 +11163,7 @@
                     <a:bodyPr/>
                     <a:lstStyle/>
                     <a:p>
-                      <a:pPr marL="0" marR="0" algn="l" rtl="0">
+                      <a:pPr marL="0" marR="0" algn="ctr" rtl="0">
                         <a:lnSpc>
                           <a:spcPct val="115000"/>
                         </a:lnSpc>
@@ -11742,7 +11202,7 @@
                     <a:bodyPr/>
                     <a:lstStyle/>
                     <a:p>
-                      <a:pPr marL="0" marR="0" algn="l" rtl="0">
+                      <a:pPr marL="0" marR="0" algn="ctr" rtl="0">
                         <a:lnSpc>
                           <a:spcPct val="115000"/>
                         </a:lnSpc>
@@ -11778,7 +11238,51 @@
                     <a:bodyPr/>
                     <a:lstStyle/>
                     <a:p>
-                      <a:pPr marL="0" marR="0" algn="l" rtl="0">
+                      <a:pPr marL="0" marR="0" algn="ctr" rtl="0">
+                        <a:lnSpc>
+                          <a:spcPct val="115000"/>
+                        </a:lnSpc>
+                        <a:spcBef>
+                          <a:spcPts val="0"/>
+                        </a:spcBef>
+                        <a:spcAft>
+                          <a:spcPts val="0"/>
+                        </a:spcAft>
+                      </a:pPr>
+                      <a:r>
+                        <a:rPr lang="ar-SA" sz="1900" kern="0" dirty="0">
+                          <a:effectLst/>
+                        </a:rPr>
+                        <a:t>يحول الأسطر لنص</a:t>
+                      </a:r>
+                      <a:r>
+                        <a:rPr lang="en-US" sz="1900" kern="0" dirty="0">
+                          <a:effectLst/>
+                        </a:rPr>
+                        <a:t> HTML </a:t>
+                      </a:r>
+                      <a:r>
+                        <a:rPr lang="ar-SA" sz="1900" kern="0" dirty="0">
+                          <a:effectLst/>
+                        </a:rPr>
+                        <a:t>مع فقرات</a:t>
+                      </a:r>
+                      <a:endParaRPr lang="en-US" sz="1900" kern="100" dirty="0">
+                        <a:effectLst/>
+                        <a:latin typeface="Aptos" panose="020B0004020202020204" pitchFamily="34" charset="0"/>
+                        <a:ea typeface="Aptos" panose="020B0004020202020204" pitchFamily="34" charset="0"/>
+                        <a:cs typeface="Arial" panose="020B0604020202020204" pitchFamily="34" charset="0"/>
+                      </a:endParaRPr>
+                    </a:p>
+                  </a:txBody>
+                  <a:tcPr marL="6350" marR="6350" marT="6350" marB="6350" anchor="ctr"/>
+                </a:tc>
+                <a:tc>
+                  <a:txBody>
+                    <a:bodyPr/>
+                    <a:lstStyle/>
+                    <a:p>
+                      <a:pPr marL="0" marR="0" algn="ctr" rtl="0">
                         <a:lnSpc>
                           <a:spcPct val="115000"/>
                         </a:lnSpc>
@@ -11793,19 +11297,7 @@
                         <a:rPr lang="ar-SA" sz="1900" kern="0">
                           <a:effectLst/>
                         </a:rPr>
-                        <a:t>يحول الأسطر لنص</a:t>
-                      </a:r>
-                      <a:r>
-                        <a:rPr lang="en-US" sz="1900" kern="0">
-                          <a:effectLst/>
-                        </a:rPr>
-                        <a:t> HTML </a:t>
-                      </a:r>
-                      <a:r>
-                        <a:rPr lang="ar-SA" sz="1900" kern="0">
-                          <a:effectLst/>
-                        </a:rPr>
-                        <a:t>مع فقرات</a:t>
+                        <a:t>نصي</a:t>
                       </a:r>
                       <a:endParaRPr lang="en-US" sz="1900" kern="100">
                         <a:effectLst/>
@@ -11822,39 +11314,7 @@
                     <a:bodyPr/>
                     <a:lstStyle/>
                     <a:p>
-                      <a:pPr marL="0" marR="0" algn="l" rtl="0">
-                        <a:lnSpc>
-                          <a:spcPct val="115000"/>
-                        </a:lnSpc>
-                        <a:spcBef>
-                          <a:spcPts val="0"/>
-                        </a:spcBef>
-                        <a:spcAft>
-                          <a:spcPts val="0"/>
-                        </a:spcAft>
-                      </a:pPr>
-                      <a:r>
-                        <a:rPr lang="ar-SA" sz="1900" kern="0">
-                          <a:effectLst/>
-                        </a:rPr>
-                        <a:t>نصي</a:t>
-                      </a:r>
-                      <a:endParaRPr lang="en-US" sz="1900" kern="100">
-                        <a:effectLst/>
-                        <a:latin typeface="Aptos" panose="020B0004020202020204" pitchFamily="34" charset="0"/>
-                        <a:ea typeface="Aptos" panose="020B0004020202020204" pitchFamily="34" charset="0"/>
-                        <a:cs typeface="Arial" panose="020B0604020202020204" pitchFamily="34" charset="0"/>
-                      </a:endParaRPr>
-                    </a:p>
-                  </a:txBody>
-                  <a:tcPr marL="6350" marR="6350" marT="6350" marB="6350" anchor="ctr"/>
-                </a:tc>
-                <a:tc>
-                  <a:txBody>
-                    <a:bodyPr/>
-                    <a:lstStyle/>
-                    <a:p>
-                      <a:pPr marL="0" marR="0" algn="l" rtl="0">
+                      <a:pPr marL="0" marR="0" algn="ctr" rtl="0">
                         <a:lnSpc>
                           <a:spcPct val="115000"/>
                         </a:lnSpc>
@@ -11893,7 +11353,7 @@
                     <a:bodyPr/>
                     <a:lstStyle/>
                     <a:p>
-                      <a:pPr marL="0" marR="0" algn="l" rtl="0">
+                      <a:pPr marL="0" marR="0" algn="ctr" rtl="0">
                         <a:lnSpc>
                           <a:spcPct val="115000"/>
                         </a:lnSpc>
@@ -11929,7 +11389,7 @@
                     <a:bodyPr/>
                     <a:lstStyle/>
                     <a:p>
-                      <a:pPr marL="0" marR="0" algn="l" rtl="0">
+                      <a:pPr marL="0" marR="0" algn="ctr" rtl="0">
                         <a:lnSpc>
                           <a:spcPct val="115000"/>
                         </a:lnSpc>
@@ -11967,7 +11427,7 @@
                     <a:bodyPr/>
                     <a:lstStyle/>
                     <a:p>
-                      <a:pPr marL="0" marR="0" algn="l" rtl="0">
+                      <a:pPr marL="0" marR="0" algn="ctr" rtl="0">
                         <a:lnSpc>
                           <a:spcPct val="115000"/>
                         </a:lnSpc>
@@ -11999,7 +11459,7 @@
                     <a:bodyPr/>
                     <a:lstStyle/>
                     <a:p>
-                      <a:pPr marL="0" marR="0" algn="l" rtl="0">
+                      <a:pPr marL="0" marR="0" algn="ctr" rtl="0">
                         <a:lnSpc>
                           <a:spcPct val="115000"/>
                         </a:lnSpc>
@@ -12038,7 +11498,7 @@
                     <a:bodyPr/>
                     <a:lstStyle/>
                     <a:p>
-                      <a:pPr marL="0" marR="0" algn="l" rtl="0">
+                      <a:pPr marL="0" marR="0" algn="ctr" rtl="0">
                         <a:lnSpc>
                           <a:spcPct val="115000"/>
                         </a:lnSpc>
@@ -12074,7 +11534,39 @@
                     <a:bodyPr/>
                     <a:lstStyle/>
                     <a:p>
-                      <a:pPr marL="0" marR="0" algn="l" rtl="0">
+                      <a:pPr marL="0" marR="0" algn="ctr" rtl="0">
+                        <a:lnSpc>
+                          <a:spcPct val="115000"/>
+                        </a:lnSpc>
+                        <a:spcBef>
+                          <a:spcPts val="0"/>
+                        </a:spcBef>
+                        <a:spcAft>
+                          <a:spcPts val="0"/>
+                        </a:spcAft>
+                      </a:pPr>
+                      <a:r>
+                        <a:rPr lang="ar-SA" sz="1900" kern="0" dirty="0">
+                          <a:effectLst/>
+                        </a:rPr>
+                        <a:t>يضيف أرقام أسطر للنص</a:t>
+                      </a:r>
+                      <a:endParaRPr lang="en-US" sz="1900" kern="100" dirty="0">
+                        <a:effectLst/>
+                        <a:latin typeface="Aptos" panose="020B0004020202020204" pitchFamily="34" charset="0"/>
+                        <a:ea typeface="Aptos" panose="020B0004020202020204" pitchFamily="34" charset="0"/>
+                        <a:cs typeface="Arial" panose="020B0604020202020204" pitchFamily="34" charset="0"/>
+                      </a:endParaRPr>
+                    </a:p>
+                  </a:txBody>
+                  <a:tcPr marL="6350" marR="6350" marT="6350" marB="6350" anchor="ctr"/>
+                </a:tc>
+                <a:tc>
+                  <a:txBody>
+                    <a:bodyPr/>
+                    <a:lstStyle/>
+                    <a:p>
+                      <a:pPr marL="0" marR="0" algn="ctr" rtl="0">
                         <a:lnSpc>
                           <a:spcPct val="115000"/>
                         </a:lnSpc>
@@ -12089,7 +11581,7 @@
                         <a:rPr lang="ar-SA" sz="1900" kern="0">
                           <a:effectLst/>
                         </a:rPr>
-                        <a:t>يضيف أرقام أسطر للنص</a:t>
+                        <a:t>نصي</a:t>
                       </a:r>
                       <a:endParaRPr lang="en-US" sz="1900" kern="100">
                         <a:effectLst/>
@@ -12106,39 +11598,7 @@
                     <a:bodyPr/>
                     <a:lstStyle/>
                     <a:p>
-                      <a:pPr marL="0" marR="0" algn="l" rtl="0">
-                        <a:lnSpc>
-                          <a:spcPct val="115000"/>
-                        </a:lnSpc>
-                        <a:spcBef>
-                          <a:spcPts val="0"/>
-                        </a:spcBef>
-                        <a:spcAft>
-                          <a:spcPts val="0"/>
-                        </a:spcAft>
-                      </a:pPr>
-                      <a:r>
-                        <a:rPr lang="ar-SA" sz="1900" kern="0">
-                          <a:effectLst/>
-                        </a:rPr>
-                        <a:t>نصي</a:t>
-                      </a:r>
-                      <a:endParaRPr lang="en-US" sz="1900" kern="100">
-                        <a:effectLst/>
-                        <a:latin typeface="Aptos" panose="020B0004020202020204" pitchFamily="34" charset="0"/>
-                        <a:ea typeface="Aptos" panose="020B0004020202020204" pitchFamily="34" charset="0"/>
-                        <a:cs typeface="Arial" panose="020B0604020202020204" pitchFamily="34" charset="0"/>
-                      </a:endParaRPr>
-                    </a:p>
-                  </a:txBody>
-                  <a:tcPr marL="6350" marR="6350" marT="6350" marB="6350" anchor="ctr"/>
-                </a:tc>
-                <a:tc>
-                  <a:txBody>
-                    <a:bodyPr/>
-                    <a:lstStyle/>
-                    <a:p>
-                      <a:pPr marL="0" marR="0" algn="l" rtl="0">
+                      <a:pPr marL="0" marR="0" algn="ctr" rtl="0">
                         <a:lnSpc>
                           <a:spcPct val="115000"/>
                         </a:lnSpc>
@@ -12177,7 +11637,7 @@
                     <a:bodyPr/>
                     <a:lstStyle/>
                     <a:p>
-                      <a:pPr marL="0" marR="0" algn="l" rtl="0">
+                      <a:pPr marL="0" marR="0" algn="ctr" rtl="0">
                         <a:lnSpc>
                           <a:spcPct val="115000"/>
                         </a:lnSpc>
@@ -12213,7 +11673,7 @@
                     <a:bodyPr/>
                     <a:lstStyle/>
                     <a:p>
-                      <a:pPr marL="0" marR="0" algn="l" rtl="0">
+                      <a:pPr marL="0" marR="0" algn="ctr" rtl="0">
                         <a:lnSpc>
                           <a:spcPct val="115000"/>
                         </a:lnSpc>
@@ -12245,7 +11705,7 @@
                     <a:bodyPr/>
                     <a:lstStyle/>
                     <a:p>
-                      <a:pPr marL="0" marR="0" algn="l" rtl="0">
+                      <a:pPr marL="0" marR="0" algn="ctr" rtl="0">
                         <a:lnSpc>
                           <a:spcPct val="115000"/>
                         </a:lnSpc>
@@ -12277,7 +11737,7 @@
                     <a:bodyPr/>
                     <a:lstStyle/>
                     <a:p>
-                      <a:pPr marL="0" marR="0" algn="l" rtl="0">
+                      <a:pPr marL="0" marR="0" algn="ctr" rtl="0">
                         <a:lnSpc>
                           <a:spcPct val="115000"/>
                         </a:lnSpc>
@@ -12316,7 +11776,7 @@
                     <a:bodyPr/>
                     <a:lstStyle/>
                     <a:p>
-                      <a:pPr marL="0" marR="0" algn="l" rtl="0">
+                      <a:pPr marL="0" marR="0" algn="ctr" rtl="0">
                         <a:lnSpc>
                           <a:spcPct val="115000"/>
                         </a:lnSpc>
@@ -12352,7 +11812,39 @@
                     <a:bodyPr/>
                     <a:lstStyle/>
                     <a:p>
-                      <a:pPr marL="0" marR="0" algn="l" rtl="0">
+                      <a:pPr marL="0" marR="0" algn="ctr" rtl="0">
+                        <a:lnSpc>
+                          <a:spcPct val="115000"/>
+                        </a:lnSpc>
+                        <a:spcBef>
+                          <a:spcPts val="0"/>
+                        </a:spcBef>
+                        <a:spcAft>
+                          <a:spcPts val="0"/>
+                        </a:spcAft>
+                      </a:pPr>
+                      <a:r>
+                        <a:rPr lang="ar-SA" sz="1900" kern="0" dirty="0">
+                          <a:effectLst/>
+                        </a:rPr>
+                        <a:t>يحول النص لحروف صغيرة</a:t>
+                      </a:r>
+                      <a:endParaRPr lang="en-US" sz="1900" kern="100" dirty="0">
+                        <a:effectLst/>
+                        <a:latin typeface="Aptos" panose="020B0004020202020204" pitchFamily="34" charset="0"/>
+                        <a:ea typeface="Aptos" panose="020B0004020202020204" pitchFamily="34" charset="0"/>
+                        <a:cs typeface="Arial" panose="020B0604020202020204" pitchFamily="34" charset="0"/>
+                      </a:endParaRPr>
+                    </a:p>
+                  </a:txBody>
+                  <a:tcPr marL="6350" marR="6350" marT="6350" marB="6350" anchor="ctr"/>
+                </a:tc>
+                <a:tc>
+                  <a:txBody>
+                    <a:bodyPr/>
+                    <a:lstStyle/>
+                    <a:p>
+                      <a:pPr marL="0" marR="0" algn="ctr" rtl="0">
                         <a:lnSpc>
                           <a:spcPct val="115000"/>
                         </a:lnSpc>
@@ -12367,7 +11859,7 @@
                         <a:rPr lang="ar-SA" sz="1900" kern="0">
                           <a:effectLst/>
                         </a:rPr>
-                        <a:t>يحول النص لحروف صغيرة</a:t>
+                        <a:t>نصي</a:t>
                       </a:r>
                       <a:endParaRPr lang="en-US" sz="1900" kern="100">
                         <a:effectLst/>
@@ -12384,39 +11876,7 @@
                     <a:bodyPr/>
                     <a:lstStyle/>
                     <a:p>
-                      <a:pPr marL="0" marR="0" algn="l" rtl="0">
-                        <a:lnSpc>
-                          <a:spcPct val="115000"/>
-                        </a:lnSpc>
-                        <a:spcBef>
-                          <a:spcPts val="0"/>
-                        </a:spcBef>
-                        <a:spcAft>
-                          <a:spcPts val="0"/>
-                        </a:spcAft>
-                      </a:pPr>
-                      <a:r>
-                        <a:rPr lang="ar-SA" sz="1900" kern="0">
-                          <a:effectLst/>
-                        </a:rPr>
-                        <a:t>نصي</a:t>
-                      </a:r>
-                      <a:endParaRPr lang="en-US" sz="1900" kern="100">
-                        <a:effectLst/>
-                        <a:latin typeface="Aptos" panose="020B0004020202020204" pitchFamily="34" charset="0"/>
-                        <a:ea typeface="Aptos" panose="020B0004020202020204" pitchFamily="34" charset="0"/>
-                        <a:cs typeface="Arial" panose="020B0604020202020204" pitchFamily="34" charset="0"/>
-                      </a:endParaRPr>
-                    </a:p>
-                  </a:txBody>
-                  <a:tcPr marL="6350" marR="6350" marT="6350" marB="6350" anchor="ctr"/>
-                </a:tc>
-                <a:tc>
-                  <a:txBody>
-                    <a:bodyPr/>
-                    <a:lstStyle/>
-                    <a:p>
-                      <a:pPr marL="0" marR="0" algn="l" rtl="0">
+                      <a:pPr marL="0" marR="0" algn="ctr" rtl="0">
                         <a:lnSpc>
                           <a:spcPct val="115000"/>
                         </a:lnSpc>
@@ -12455,7 +11915,7 @@
                     <a:bodyPr/>
                     <a:lstStyle/>
                     <a:p>
-                      <a:pPr marL="0" marR="0" algn="l" rtl="0">
+                      <a:pPr marL="0" marR="0" algn="ctr" rtl="0">
                         <a:lnSpc>
                           <a:spcPct val="115000"/>
                         </a:lnSpc>
@@ -12491,7 +11951,7 @@
                     <a:bodyPr/>
                     <a:lstStyle/>
                     <a:p>
-                      <a:pPr marL="0" marR="0" algn="l" rtl="0">
+                      <a:pPr marL="0" marR="0" algn="ctr" rtl="0">
                         <a:lnSpc>
                           <a:spcPct val="115000"/>
                         </a:lnSpc>
@@ -12523,24 +11983,24 @@
                     <a:bodyPr/>
                     <a:lstStyle/>
                     <a:p>
-                      <a:pPr marL="0" marR="0" algn="l" rtl="0">
-                        <a:lnSpc>
-                          <a:spcPct val="115000"/>
-                        </a:lnSpc>
-                        <a:spcBef>
-                          <a:spcPts val="0"/>
-                        </a:spcBef>
-                        <a:spcAft>
-                          <a:spcPts val="0"/>
-                        </a:spcAft>
-                      </a:pPr>
-                      <a:r>
-                        <a:rPr lang="ar-SA" sz="1900" kern="0">
+                      <a:pPr marL="0" marR="0" algn="ctr" rtl="0">
+                        <a:lnSpc>
+                          <a:spcPct val="115000"/>
+                        </a:lnSpc>
+                        <a:spcBef>
+                          <a:spcPts val="0"/>
+                        </a:spcBef>
+                        <a:spcAft>
+                          <a:spcPts val="0"/>
+                        </a:spcAft>
+                      </a:pPr>
+                      <a:r>
+                        <a:rPr lang="ar-SA" sz="1900" kern="0" dirty="0">
                           <a:effectLst/>
                         </a:rPr>
                         <a:t>بيانات</a:t>
                       </a:r>
-                      <a:endParaRPr lang="en-US" sz="1900" kern="100">
+                      <a:endParaRPr lang="en-US" sz="1900" kern="100" dirty="0">
                         <a:effectLst/>
                         <a:latin typeface="Aptos" panose="020B0004020202020204" pitchFamily="34" charset="0"/>
                         <a:ea typeface="Aptos" panose="020B0004020202020204" pitchFamily="34" charset="0"/>
@@ -12555,7 +12015,7 @@
                     <a:bodyPr/>
                     <a:lstStyle/>
                     <a:p>
-                      <a:pPr marL="0" marR="0" algn="l" rtl="0">
+                      <a:pPr marL="0" marR="0" algn="ctr" rtl="0">
                         <a:lnSpc>
                           <a:spcPct val="115000"/>
                         </a:lnSpc>
@@ -12594,7 +12054,7 @@
                     <a:bodyPr/>
                     <a:lstStyle/>
                     <a:p>
-                      <a:pPr marL="0" marR="0" algn="l" rtl="0">
+                      <a:pPr marL="0" marR="0" algn="ctr" rtl="0">
                         <a:lnSpc>
                           <a:spcPct val="115000"/>
                         </a:lnSpc>
@@ -12630,7 +12090,7 @@
                     <a:bodyPr/>
                     <a:lstStyle/>
                     <a:p>
-                      <a:pPr marL="0" marR="0" algn="l" rtl="0">
+                      <a:pPr marL="0" marR="0" algn="ctr" rtl="0">
                         <a:lnSpc>
                           <a:spcPct val="115000"/>
                         </a:lnSpc>
@@ -12662,7 +12122,7 @@
                     <a:bodyPr/>
                     <a:lstStyle/>
                     <a:p>
-                      <a:pPr marL="0" marR="0" algn="l" rtl="0">
+                      <a:pPr marL="0" marR="0" algn="ctr" rtl="0">
                         <a:lnSpc>
                           <a:spcPct val="115000"/>
                         </a:lnSpc>
@@ -12694,7 +12154,7 @@
                     <a:bodyPr/>
                     <a:lstStyle/>
                     <a:p>
-                      <a:pPr marL="0" marR="0" algn="l" rtl="0">
+                      <a:pPr marL="0" marR="0" algn="ctr" rtl="0">
                         <a:lnSpc>
                           <a:spcPct val="115000"/>
                         </a:lnSpc>
@@ -12733,7 +12193,7 @@
                     <a:bodyPr/>
                     <a:lstStyle/>
                     <a:p>
-                      <a:pPr marL="0" marR="0" algn="l" rtl="0">
+                      <a:pPr marL="0" marR="0" algn="ctr" rtl="0">
                         <a:lnSpc>
                           <a:spcPct val="115000"/>
                         </a:lnSpc>
@@ -12769,7 +12229,7 @@
                     <a:bodyPr/>
                     <a:lstStyle/>
                     <a:p>
-                      <a:pPr marL="0" marR="0" algn="l" rtl="0">
+                      <a:pPr marL="0" marR="0" algn="ctr" rtl="0">
                         <a:lnSpc>
                           <a:spcPct val="115000"/>
                         </a:lnSpc>
@@ -12801,24 +12261,24 @@
                     <a:bodyPr/>
                     <a:lstStyle/>
                     <a:p>
-                      <a:pPr marL="0" marR="0" algn="l" rtl="0">
-                        <a:lnSpc>
-                          <a:spcPct val="115000"/>
-                        </a:lnSpc>
-                        <a:spcBef>
-                          <a:spcPts val="0"/>
-                        </a:spcBef>
-                        <a:spcAft>
-                          <a:spcPts val="0"/>
-                        </a:spcAft>
-                      </a:pPr>
-                      <a:r>
-                        <a:rPr lang="ar-SA" sz="1900" kern="0">
+                      <a:pPr marL="0" marR="0" algn="ctr" rtl="0">
+                        <a:lnSpc>
+                          <a:spcPct val="115000"/>
+                        </a:lnSpc>
+                        <a:spcBef>
+                          <a:spcPts val="0"/>
+                        </a:spcBef>
+                        <a:spcAft>
+                          <a:spcPts val="0"/>
+                        </a:spcAft>
+                      </a:pPr>
+                      <a:r>
+                        <a:rPr lang="ar-SA" sz="1900" kern="0" dirty="0">
                           <a:effectLst/>
                         </a:rPr>
                         <a:t>نصي</a:t>
                       </a:r>
-                      <a:endParaRPr lang="en-US" sz="1900" kern="100">
+                      <a:endParaRPr lang="en-US" sz="1900" kern="100" dirty="0">
                         <a:effectLst/>
                         <a:latin typeface="Aptos" panose="020B0004020202020204" pitchFamily="34" charset="0"/>
                         <a:ea typeface="Aptos" panose="020B0004020202020204" pitchFamily="34" charset="0"/>
@@ -12833,7 +12293,7 @@
                     <a:bodyPr/>
                     <a:lstStyle/>
                     <a:p>
-                      <a:pPr marL="0" marR="0" algn="l" rtl="0">
+                      <a:pPr marL="0" marR="0" algn="ctr" rtl="0">
                         <a:lnSpc>
                           <a:spcPct val="115000"/>
                         </a:lnSpc>
@@ -12872,7 +12332,7 @@
                     <a:bodyPr/>
                     <a:lstStyle/>
                     <a:p>
-                      <a:pPr marL="0" marR="0" algn="l" rtl="0">
+                      <a:pPr marL="0" marR="0" algn="ctr" rtl="0">
                         <a:lnSpc>
                           <a:spcPct val="115000"/>
                         </a:lnSpc>
@@ -12908,7 +12368,7 @@
                     <a:bodyPr/>
                     <a:lstStyle/>
                     <a:p>
-                      <a:pPr marL="0" marR="0" algn="l" rtl="0">
+                      <a:pPr marL="0" marR="0" algn="ctr" rtl="0">
                         <a:lnSpc>
                           <a:spcPct val="115000"/>
                         </a:lnSpc>
@@ -12940,24 +12400,24 @@
                     <a:bodyPr/>
                     <a:lstStyle/>
                     <a:p>
-                      <a:pPr marL="0" marR="0" algn="l" rtl="0">
-                        <a:lnSpc>
-                          <a:spcPct val="115000"/>
-                        </a:lnSpc>
-                        <a:spcBef>
-                          <a:spcPts val="0"/>
-                        </a:spcBef>
-                        <a:spcAft>
-                          <a:spcPts val="0"/>
-                        </a:spcAft>
-                      </a:pPr>
-                      <a:r>
-                        <a:rPr lang="ar-SA" sz="1900" kern="0">
+                      <a:pPr marL="0" marR="0" algn="ctr" rtl="0">
+                        <a:lnSpc>
+                          <a:spcPct val="115000"/>
+                        </a:lnSpc>
+                        <a:spcBef>
+                          <a:spcPts val="0"/>
+                        </a:spcBef>
+                        <a:spcAft>
+                          <a:spcPts val="0"/>
+                        </a:spcAft>
+                      </a:pPr>
+                      <a:r>
+                        <a:rPr lang="ar-SA" sz="1900" kern="0" dirty="0">
                           <a:effectLst/>
                         </a:rPr>
                         <a:t>نصي</a:t>
                       </a:r>
-                      <a:endParaRPr lang="en-US" sz="1900" kern="100">
+                      <a:endParaRPr lang="en-US" sz="1900" kern="100" dirty="0">
                         <a:effectLst/>
                         <a:latin typeface="Aptos" panose="020B0004020202020204" pitchFamily="34" charset="0"/>
                         <a:ea typeface="Aptos" panose="020B0004020202020204" pitchFamily="34" charset="0"/>
@@ -12972,7 +12432,7 @@
                     <a:bodyPr/>
                     <a:lstStyle/>
                     <a:p>
-                      <a:pPr marL="0" marR="0" algn="l" rtl="0">
+                      <a:pPr marL="0" marR="0" algn="ctr" rtl="0">
                         <a:lnSpc>
                           <a:spcPct val="115000"/>
                         </a:lnSpc>
@@ -13011,7 +12471,7 @@
                     <a:bodyPr/>
                     <a:lstStyle/>
                     <a:p>
-                      <a:pPr marL="0" marR="0" algn="l" rtl="0">
+                      <a:pPr marL="0" marR="0" algn="ctr" rtl="0">
                         <a:lnSpc>
                           <a:spcPct val="115000"/>
                         </a:lnSpc>
@@ -13047,7 +12507,7 @@
                     <a:bodyPr/>
                     <a:lstStyle/>
                     <a:p>
-                      <a:pPr marL="0" marR="0" algn="l" rtl="0">
+                      <a:pPr marL="0" marR="0" algn="ctr" rtl="0">
                         <a:lnSpc>
                           <a:spcPct val="115000"/>
                         </a:lnSpc>
@@ -13079,24 +12539,24 @@
                     <a:bodyPr/>
                     <a:lstStyle/>
                     <a:p>
-                      <a:pPr marL="0" marR="0" algn="l" rtl="0">
-                        <a:lnSpc>
-                          <a:spcPct val="115000"/>
-                        </a:lnSpc>
-                        <a:spcBef>
-                          <a:spcPts val="0"/>
-                        </a:spcBef>
-                        <a:spcAft>
-                          <a:spcPts val="0"/>
-                        </a:spcAft>
-                      </a:pPr>
-                      <a:r>
-                        <a:rPr lang="ar-SA" sz="1900" kern="0">
+                      <a:pPr marL="0" marR="0" algn="ctr" rtl="0">
+                        <a:lnSpc>
+                          <a:spcPct val="115000"/>
+                        </a:lnSpc>
+                        <a:spcBef>
+                          <a:spcPts val="0"/>
+                        </a:spcBef>
+                        <a:spcAft>
+                          <a:spcPts val="0"/>
+                        </a:spcAft>
+                      </a:pPr>
+                      <a:r>
+                        <a:rPr lang="ar-SA" sz="1900" kern="0" dirty="0">
                           <a:effectLst/>
                         </a:rPr>
                         <a:t>بيانات</a:t>
                       </a:r>
-                      <a:endParaRPr lang="en-US" sz="1900" kern="100">
+                      <a:endParaRPr lang="en-US" sz="1900" kern="100" dirty="0">
                         <a:effectLst/>
                         <a:latin typeface="Aptos" panose="020B0004020202020204" pitchFamily="34" charset="0"/>
                         <a:ea typeface="Aptos" panose="020B0004020202020204" pitchFamily="34" charset="0"/>
@@ -13111,7 +12571,7 @@
                     <a:bodyPr/>
                     <a:lstStyle/>
                     <a:p>
-                      <a:pPr marL="0" marR="0" algn="l" rtl="0">
+                      <a:pPr marL="0" marR="0" algn="ctr" rtl="0">
                         <a:lnSpc>
                           <a:spcPct val="115000"/>
                         </a:lnSpc>
@@ -13150,7 +12610,7 @@
                     <a:bodyPr/>
                     <a:lstStyle/>
                     <a:p>
-                      <a:pPr marL="0" marR="0" algn="l" rtl="0">
+                      <a:pPr marL="0" marR="0" algn="ctr" rtl="0">
                         <a:lnSpc>
                           <a:spcPct val="115000"/>
                         </a:lnSpc>
@@ -13186,7 +12646,7 @@
                     <a:bodyPr/>
                     <a:lstStyle/>
                     <a:p>
-                      <a:pPr marL="0" marR="0" algn="l" rtl="0">
+                      <a:pPr marL="0" marR="0" algn="ctr" rtl="0">
                         <a:lnSpc>
                           <a:spcPct val="115000"/>
                         </a:lnSpc>
@@ -13218,24 +12678,24 @@
                     <a:bodyPr/>
                     <a:lstStyle/>
                     <a:p>
-                      <a:pPr marL="0" marR="0" algn="l" rtl="0">
-                        <a:lnSpc>
-                          <a:spcPct val="115000"/>
-                        </a:lnSpc>
-                        <a:spcBef>
-                          <a:spcPts val="0"/>
-                        </a:spcBef>
-                        <a:spcAft>
-                          <a:spcPts val="0"/>
-                        </a:spcAft>
-                      </a:pPr>
-                      <a:r>
-                        <a:rPr lang="ar-SA" sz="1900" kern="0">
+                      <a:pPr marL="0" marR="0" algn="ctr" rtl="0">
+                        <a:lnSpc>
+                          <a:spcPct val="115000"/>
+                        </a:lnSpc>
+                        <a:spcBef>
+                          <a:spcPts val="0"/>
+                        </a:spcBef>
+                        <a:spcAft>
+                          <a:spcPts val="0"/>
+                        </a:spcAft>
+                      </a:pPr>
+                      <a:r>
+                        <a:rPr lang="ar-SA" sz="1900" kern="0" dirty="0">
                           <a:effectLst/>
                         </a:rPr>
                         <a:t>نصي</a:t>
                       </a:r>
-                      <a:endParaRPr lang="en-US" sz="1900" kern="100">
+                      <a:endParaRPr lang="en-US" sz="1900" kern="100" dirty="0">
                         <a:effectLst/>
                         <a:latin typeface="Aptos" panose="020B0004020202020204" pitchFamily="34" charset="0"/>
                         <a:ea typeface="Aptos" panose="020B0004020202020204" pitchFamily="34" charset="0"/>
@@ -13250,7 +12710,7 @@
                     <a:bodyPr/>
                     <a:lstStyle/>
                     <a:p>
-                      <a:pPr marL="0" marR="0" algn="l" rtl="0">
+                      <a:pPr marL="0" marR="0" algn="ctr" rtl="0">
                         <a:lnSpc>
                           <a:spcPct val="115000"/>
                         </a:lnSpc>
@@ -13344,7 +12804,7 @@
           <p:nvPr>
             <p:extLst>
               <p:ext uri="{D42A27DB-BD31-4B8C-83A1-F6EECF244321}">
-                <p14:modId xmlns:p14="http://schemas.microsoft.com/office/powerpoint/2010/main" val="1513780286"/>
+                <p14:modId xmlns:p14="http://schemas.microsoft.com/office/powerpoint/2010/main" val="1204121039"/>
               </p:ext>
             </p:extLst>
           </p:nvPr>
@@ -13546,24 +13006,24 @@
                     <a:bodyPr/>
                     <a:lstStyle/>
                     <a:p>
-                      <a:pPr marL="0" marR="0" algn="l" rtl="0">
-                        <a:lnSpc>
-                          <a:spcPct val="115000"/>
-                        </a:lnSpc>
-                        <a:spcBef>
-                          <a:spcPts val="0"/>
-                        </a:spcBef>
-                        <a:spcAft>
-                          <a:spcPts val="0"/>
-                        </a:spcAft>
-                      </a:pPr>
-                      <a:r>
-                        <a:rPr lang="en-US" sz="1600" kern="0">
+                      <a:pPr marL="0" marR="0" algn="ctr" rtl="0">
+                        <a:lnSpc>
+                          <a:spcPct val="115000"/>
+                        </a:lnSpc>
+                        <a:spcBef>
+                          <a:spcPts val="0"/>
+                        </a:spcBef>
+                        <a:spcAft>
+                          <a:spcPts val="0"/>
+                        </a:spcAft>
+                      </a:pPr>
+                      <a:r>
+                        <a:rPr lang="en-US" sz="1600" kern="0" dirty="0">
                           <a:effectLst/>
                         </a:rPr>
                         <a:t>safe</a:t>
                       </a:r>
-                      <a:endParaRPr lang="en-US" sz="1600" kern="100">
+                      <a:endParaRPr lang="en-US" sz="1600" kern="100" dirty="0">
                         <a:effectLst/>
                         <a:latin typeface="Aptos" panose="020B0004020202020204" pitchFamily="34" charset="0"/>
                         <a:ea typeface="Aptos" panose="020B0004020202020204" pitchFamily="34" charset="0"/>
@@ -13582,7 +13042,7 @@
                     <a:bodyPr/>
                     <a:lstStyle/>
                     <a:p>
-                      <a:pPr marL="0" marR="0" algn="l" rtl="0">
+                      <a:pPr marL="0" marR="0" algn="ctr" rtl="0">
                         <a:lnSpc>
                           <a:spcPct val="115000"/>
                         </a:lnSpc>
@@ -13626,7 +13086,7 @@
                     <a:bodyPr/>
                     <a:lstStyle/>
                     <a:p>
-                      <a:pPr marL="0" marR="0" algn="l" rtl="0">
+                      <a:pPr marL="0" marR="0" algn="ctr" rtl="0">
                         <a:lnSpc>
                           <a:spcPct val="115000"/>
                         </a:lnSpc>
@@ -13658,7 +13118,7 @@
                     <a:bodyPr/>
                     <a:lstStyle/>
                     <a:p>
-                      <a:pPr marL="0" marR="0" algn="l" rtl="0">
+                      <a:pPr marL="0" marR="0" algn="ctr" rtl="0">
                         <a:lnSpc>
                           <a:spcPct val="115000"/>
                         </a:lnSpc>
@@ -13703,24 +13163,24 @@
                     <a:bodyPr/>
                     <a:lstStyle/>
                     <a:p>
-                      <a:pPr marL="0" marR="0" algn="l" rtl="0">
-                        <a:lnSpc>
-                          <a:spcPct val="115000"/>
-                        </a:lnSpc>
-                        <a:spcBef>
-                          <a:spcPts val="0"/>
-                        </a:spcBef>
-                        <a:spcAft>
-                          <a:spcPts val="0"/>
-                        </a:spcAft>
-                      </a:pPr>
-                      <a:r>
-                        <a:rPr lang="en-US" sz="1600" kern="0">
+                      <a:pPr marL="0" marR="0" algn="ctr" rtl="0">
+                        <a:lnSpc>
+                          <a:spcPct val="115000"/>
+                        </a:lnSpc>
+                        <a:spcBef>
+                          <a:spcPts val="0"/>
+                        </a:spcBef>
+                        <a:spcAft>
+                          <a:spcPts val="0"/>
+                        </a:spcAft>
+                      </a:pPr>
+                      <a:r>
+                        <a:rPr lang="en-US" sz="1600" kern="0" dirty="0" err="1">
                           <a:effectLst/>
                         </a:rPr>
                         <a:t>safeseq</a:t>
                       </a:r>
-                      <a:endParaRPr lang="en-US" sz="1600" kern="100">
+                      <a:endParaRPr lang="en-US" sz="1600" kern="100" dirty="0">
                         <a:effectLst/>
                         <a:latin typeface="Aptos" panose="020B0004020202020204" pitchFamily="34" charset="0"/>
                         <a:ea typeface="Aptos" panose="020B0004020202020204" pitchFamily="34" charset="0"/>
@@ -13739,7 +13199,7 @@
                     <a:bodyPr/>
                     <a:lstStyle/>
                     <a:p>
-                      <a:pPr marL="0" marR="0" algn="l" rtl="0">
+                      <a:pPr marL="0" marR="0" algn="ctr" rtl="0">
                         <a:lnSpc>
                           <a:spcPct val="115000"/>
                         </a:lnSpc>
@@ -13771,7 +13231,7 @@
                     <a:bodyPr/>
                     <a:lstStyle/>
                     <a:p>
-                      <a:pPr marL="0" marR="0" algn="l" rtl="0">
+                      <a:pPr marL="0" marR="0" algn="ctr" rtl="0">
                         <a:lnSpc>
                           <a:spcPct val="115000"/>
                         </a:lnSpc>
@@ -13803,7 +13263,7 @@
                     <a:bodyPr/>
                     <a:lstStyle/>
                     <a:p>
-                      <a:pPr marL="0" marR="0" algn="l" rtl="0">
+                      <a:pPr marL="0" marR="0" algn="ctr" rtl="0">
                         <a:lnSpc>
                           <a:spcPct val="115000"/>
                         </a:lnSpc>
@@ -13842,7 +13302,7 @@
                     <a:bodyPr/>
                     <a:lstStyle/>
                     <a:p>
-                      <a:pPr marL="0" marR="0" algn="l" rtl="0">
+                      <a:pPr marL="0" marR="0" algn="ctr" rtl="0">
                         <a:lnSpc>
                           <a:spcPct val="115000"/>
                         </a:lnSpc>
@@ -13878,7 +13338,7 @@
                     <a:bodyPr/>
                     <a:lstStyle/>
                     <a:p>
-                      <a:pPr marL="0" marR="0" algn="l" rtl="0">
+                      <a:pPr marL="0" marR="0" algn="ctr" rtl="0">
                         <a:lnSpc>
                           <a:spcPct val="115000"/>
                         </a:lnSpc>
@@ -13910,7 +13370,7 @@
                     <a:bodyPr/>
                     <a:lstStyle/>
                     <a:p>
-                      <a:pPr marL="0" marR="0" algn="l" rtl="0">
+                      <a:pPr marL="0" marR="0" algn="ctr" rtl="0">
                         <a:lnSpc>
                           <a:spcPct val="115000"/>
                         </a:lnSpc>
@@ -13942,7 +13402,7 @@
                     <a:bodyPr/>
                     <a:lstStyle/>
                     <a:p>
-                      <a:pPr marL="0" marR="0" algn="l" rtl="0">
+                      <a:pPr marL="0" marR="0" algn="ctr" rtl="0">
                         <a:lnSpc>
                           <a:spcPct val="115000"/>
                         </a:lnSpc>
@@ -13981,7 +13441,7 @@
                     <a:bodyPr/>
                     <a:lstStyle/>
                     <a:p>
-                      <a:pPr marL="0" marR="0" algn="l" rtl="0">
+                      <a:pPr marL="0" marR="0" algn="ctr" rtl="0">
                         <a:lnSpc>
                           <a:spcPct val="115000"/>
                         </a:lnSpc>
@@ -14017,7 +13477,7 @@
                     <a:bodyPr/>
                     <a:lstStyle/>
                     <a:p>
-                      <a:pPr marL="0" marR="0" algn="l" rtl="0">
+                      <a:pPr marL="0" marR="0" algn="ctr" rtl="0">
                         <a:lnSpc>
                           <a:spcPct val="115000"/>
                         </a:lnSpc>
@@ -14061,7 +13521,7 @@
                     <a:bodyPr/>
                     <a:lstStyle/>
                     <a:p>
-                      <a:pPr marL="0" marR="0" algn="l" rtl="0">
+                      <a:pPr marL="0" marR="0" algn="ctr" rtl="0">
                         <a:lnSpc>
                           <a:spcPct val="115000"/>
                         </a:lnSpc>
@@ -14093,7 +13553,7 @@
                     <a:bodyPr/>
                     <a:lstStyle/>
                     <a:p>
-                      <a:pPr marL="0" marR="0" algn="l" rtl="0">
+                      <a:pPr marL="0" marR="0" algn="ctr" rtl="0">
                         <a:lnSpc>
                           <a:spcPct val="115000"/>
                         </a:lnSpc>
@@ -14132,7 +13592,7 @@
                     <a:bodyPr/>
                     <a:lstStyle/>
                     <a:p>
-                      <a:pPr marL="0" marR="0" algn="l" rtl="0">
+                      <a:pPr marL="0" marR="0" algn="ctr" rtl="0">
                         <a:lnSpc>
                           <a:spcPct val="115000"/>
                         </a:lnSpc>
@@ -14168,7 +13628,7 @@
                     <a:bodyPr/>
                     <a:lstStyle/>
                     <a:p>
-                      <a:pPr marL="0" marR="0" algn="l" rtl="0">
+                      <a:pPr marL="0" marR="0" algn="ctr" rtl="0">
                         <a:lnSpc>
                           <a:spcPct val="115000"/>
                         </a:lnSpc>
@@ -14200,7 +13660,7 @@
                     <a:bodyPr/>
                     <a:lstStyle/>
                     <a:p>
-                      <a:pPr marL="0" marR="0" algn="l" rtl="0">
+                      <a:pPr marL="0" marR="0" algn="ctr" rtl="0">
                         <a:lnSpc>
                           <a:spcPct val="115000"/>
                         </a:lnSpc>
@@ -14232,7 +13692,7 @@
                     <a:bodyPr/>
                     <a:lstStyle/>
                     <a:p>
-                      <a:pPr marL="0" marR="0" algn="l" rtl="0">
+                      <a:pPr marL="0" marR="0" algn="ctr" rtl="0">
                         <a:lnSpc>
                           <a:spcPct val="115000"/>
                         </a:lnSpc>
@@ -14271,7 +13731,7 @@
                     <a:bodyPr/>
                     <a:lstStyle/>
                     <a:p>
-                      <a:pPr marL="0" marR="0" algn="l" rtl="0">
+                      <a:pPr marL="0" marR="0" algn="ctr" rtl="0">
                         <a:lnSpc>
                           <a:spcPct val="115000"/>
                         </a:lnSpc>
@@ -14307,7 +13767,51 @@
                     <a:bodyPr/>
                     <a:lstStyle/>
                     <a:p>
-                      <a:pPr marL="0" marR="0" algn="l" rtl="0">
+                      <a:pPr marL="0" marR="0" algn="ctr" rtl="0">
+                        <a:lnSpc>
+                          <a:spcPct val="115000"/>
+                        </a:lnSpc>
+                        <a:spcBef>
+                          <a:spcPts val="0"/>
+                        </a:spcBef>
+                        <a:spcAft>
+                          <a:spcPts val="0"/>
+                        </a:spcAft>
+                      </a:pPr>
+                      <a:r>
+                        <a:rPr lang="ar-SA" sz="1600" kern="0" dirty="0">
+                          <a:effectLst/>
+                        </a:rPr>
+                        <a:t>يحذف كل وسوم</a:t>
+                      </a:r>
+                      <a:r>
+                        <a:rPr lang="en-US" sz="1600" kern="0" dirty="0">
+                          <a:effectLst/>
+                        </a:rPr>
+                        <a:t> HTML </a:t>
+                      </a:r>
+                      <a:r>
+                        <a:rPr lang="ar-SA" sz="1600" kern="0" dirty="0">
+                          <a:effectLst/>
+                        </a:rPr>
+                        <a:t>من النص</a:t>
+                      </a:r>
+                      <a:endParaRPr lang="en-US" sz="1600" kern="100" dirty="0">
+                        <a:effectLst/>
+                        <a:latin typeface="Aptos" panose="020B0004020202020204" pitchFamily="34" charset="0"/>
+                        <a:ea typeface="Aptos" panose="020B0004020202020204" pitchFamily="34" charset="0"/>
+                        <a:cs typeface="Arial" panose="020B0604020202020204" pitchFamily="34" charset="0"/>
+                      </a:endParaRPr>
+                    </a:p>
+                  </a:txBody>
+                  <a:tcPr marL="5745" marR="5745" marT="5745" marB="5745" anchor="ctr"/>
+                </a:tc>
+                <a:tc>
+                  <a:txBody>
+                    <a:bodyPr/>
+                    <a:lstStyle/>
+                    <a:p>
+                      <a:pPr marL="0" marR="0" algn="ctr" rtl="0">
                         <a:lnSpc>
                           <a:spcPct val="115000"/>
                         </a:lnSpc>
@@ -14322,19 +13826,7 @@
                         <a:rPr lang="ar-SA" sz="1600" kern="0">
                           <a:effectLst/>
                         </a:rPr>
-                        <a:t>يحذف كل وسوم</a:t>
-                      </a:r>
-                      <a:r>
-                        <a:rPr lang="en-US" sz="1600" kern="0">
-                          <a:effectLst/>
-                        </a:rPr>
-                        <a:t> HTML </a:t>
-                      </a:r>
-                      <a:r>
-                        <a:rPr lang="ar-SA" sz="1600" kern="0">
-                          <a:effectLst/>
-                        </a:rPr>
-                        <a:t>من النص</a:t>
+                        <a:t>أمان</a:t>
                       </a:r>
                       <a:endParaRPr lang="en-US" sz="1600" kern="100">
                         <a:effectLst/>
@@ -14351,39 +13843,7 @@
                     <a:bodyPr/>
                     <a:lstStyle/>
                     <a:p>
-                      <a:pPr marL="0" marR="0" algn="l" rtl="0">
-                        <a:lnSpc>
-                          <a:spcPct val="115000"/>
-                        </a:lnSpc>
-                        <a:spcBef>
-                          <a:spcPts val="0"/>
-                        </a:spcBef>
-                        <a:spcAft>
-                          <a:spcPts val="0"/>
-                        </a:spcAft>
-                      </a:pPr>
-                      <a:r>
-                        <a:rPr lang="ar-SA" sz="1600" kern="0">
-                          <a:effectLst/>
-                        </a:rPr>
-                        <a:t>أمان</a:t>
-                      </a:r>
-                      <a:endParaRPr lang="en-US" sz="1600" kern="100">
-                        <a:effectLst/>
-                        <a:latin typeface="Aptos" panose="020B0004020202020204" pitchFamily="34" charset="0"/>
-                        <a:ea typeface="Aptos" panose="020B0004020202020204" pitchFamily="34" charset="0"/>
-                        <a:cs typeface="Arial" panose="020B0604020202020204" pitchFamily="34" charset="0"/>
-                      </a:endParaRPr>
-                    </a:p>
-                  </a:txBody>
-                  <a:tcPr marL="5745" marR="5745" marT="5745" marB="5745" anchor="ctr"/>
-                </a:tc>
-                <a:tc>
-                  <a:txBody>
-                    <a:bodyPr/>
-                    <a:lstStyle/>
-                    <a:p>
-                      <a:pPr marL="0" marR="0" algn="l" rtl="0">
+                      <a:pPr marL="0" marR="0" algn="ctr" rtl="0">
                         <a:lnSpc>
                           <a:spcPct val="115000"/>
                         </a:lnSpc>
@@ -14422,7 +13882,7 @@
                     <a:bodyPr/>
                     <a:lstStyle/>
                     <a:p>
-                      <a:pPr marL="0" marR="0" algn="l" rtl="0">
+                      <a:pPr marL="0" marR="0" algn="ctr" rtl="0">
                         <a:lnSpc>
                           <a:spcPct val="115000"/>
                         </a:lnSpc>
@@ -14458,7 +13918,7 @@
                     <a:bodyPr/>
                     <a:lstStyle/>
                     <a:p>
-                      <a:pPr marL="0" marR="0" algn="l" rtl="0">
+                      <a:pPr marL="0" marR="0" algn="ctr" rtl="0">
                         <a:lnSpc>
                           <a:spcPct val="115000"/>
                         </a:lnSpc>
@@ -14490,7 +13950,7 @@
                     <a:bodyPr/>
                     <a:lstStyle/>
                     <a:p>
-                      <a:pPr marL="0" marR="0" algn="l" rtl="0">
+                      <a:pPr marL="0" marR="0" algn="ctr" rtl="0">
                         <a:lnSpc>
                           <a:spcPct val="115000"/>
                         </a:lnSpc>
@@ -14522,7 +13982,7 @@
                     <a:bodyPr/>
                     <a:lstStyle/>
                     <a:p>
-                      <a:pPr marL="0" marR="0" algn="l" rtl="0">
+                      <a:pPr marL="0" marR="0" algn="ctr" rtl="0">
                         <a:lnSpc>
                           <a:spcPct val="115000"/>
                         </a:lnSpc>
@@ -14561,7 +14021,7 @@
                     <a:bodyPr/>
                     <a:lstStyle/>
                     <a:p>
-                      <a:pPr marL="0" marR="0" algn="l" rtl="0">
+                      <a:pPr marL="0" marR="0" algn="ctr" rtl="0">
                         <a:lnSpc>
                           <a:spcPct val="115000"/>
                         </a:lnSpc>
@@ -14597,7 +14057,7 @@
                     <a:bodyPr/>
                     <a:lstStyle/>
                     <a:p>
-                      <a:pPr marL="0" marR="0" algn="l" rtl="0">
+                      <a:pPr marL="0" marR="0" algn="ctr" rtl="0">
                         <a:lnSpc>
                           <a:spcPct val="115000"/>
                         </a:lnSpc>
@@ -14629,7 +14089,7 @@
                     <a:bodyPr/>
                     <a:lstStyle/>
                     <a:p>
-                      <a:pPr marL="0" marR="0" algn="l" rtl="0">
+                      <a:pPr marL="0" marR="0" algn="ctr" rtl="0">
                         <a:lnSpc>
                           <a:spcPct val="115000"/>
                         </a:lnSpc>
@@ -14661,7 +14121,7 @@
                     <a:bodyPr/>
                     <a:lstStyle/>
                     <a:p>
-                      <a:pPr marL="0" marR="0" algn="l" rtl="0">
+                      <a:pPr marL="0" marR="0" algn="ctr" rtl="0">
                         <a:lnSpc>
                           <a:spcPct val="115000"/>
                         </a:lnSpc>
@@ -14706,7 +14166,7 @@
                     <a:bodyPr/>
                     <a:lstStyle/>
                     <a:p>
-                      <a:pPr marL="0" marR="0" algn="l" rtl="0">
+                      <a:pPr marL="0" marR="0" algn="ctr" rtl="0">
                         <a:lnSpc>
                           <a:spcPct val="115000"/>
                         </a:lnSpc>
@@ -14742,7 +14202,7 @@
                     <a:bodyPr/>
                     <a:lstStyle/>
                     <a:p>
-                      <a:pPr marL="0" marR="0" algn="l" rtl="0">
+                      <a:pPr marL="0" marR="0" algn="ctr" rtl="0">
                         <a:lnSpc>
                           <a:spcPct val="115000"/>
                         </a:lnSpc>
@@ -14774,7 +14234,7 @@
                     <a:bodyPr/>
                     <a:lstStyle/>
                     <a:p>
-                      <a:pPr marL="0" marR="0" algn="l" rtl="0">
+                      <a:pPr marL="0" marR="0" algn="ctr" rtl="0">
                         <a:lnSpc>
                           <a:spcPct val="115000"/>
                         </a:lnSpc>
@@ -14806,7 +14266,7 @@
                     <a:bodyPr/>
                     <a:lstStyle/>
                     <a:p>
-                      <a:pPr marL="0" marR="0" algn="l" rtl="0">
+                      <a:pPr marL="0" marR="0" algn="ctr" rtl="0">
                         <a:lnSpc>
                           <a:spcPct val="115000"/>
                         </a:lnSpc>
@@ -14845,7 +14305,7 @@
                     <a:bodyPr/>
                     <a:lstStyle/>
                     <a:p>
-                      <a:pPr marL="0" marR="0" algn="l" rtl="0">
+                      <a:pPr marL="0" marR="0" algn="ctr" rtl="0">
                         <a:lnSpc>
                           <a:spcPct val="115000"/>
                         </a:lnSpc>
@@ -14881,7 +14341,7 @@
                     <a:bodyPr/>
                     <a:lstStyle/>
                     <a:p>
-                      <a:pPr marL="0" marR="0" algn="l" rtl="0">
+                      <a:pPr marL="0" marR="0" algn="ctr" rtl="0">
                         <a:lnSpc>
                           <a:spcPct val="115000"/>
                         </a:lnSpc>
@@ -14913,7 +14373,7 @@
                     <a:bodyPr/>
                     <a:lstStyle/>
                     <a:p>
-                      <a:pPr marL="0" marR="0" algn="l" rtl="0">
+                      <a:pPr marL="0" marR="0" algn="ctr" rtl="0">
                         <a:lnSpc>
                           <a:spcPct val="115000"/>
                         </a:lnSpc>
@@ -14945,7 +14405,7 @@
                     <a:bodyPr/>
                     <a:lstStyle/>
                     <a:p>
-                      <a:pPr marL="0" marR="0" algn="l" rtl="0">
+                      <a:pPr marL="0" marR="0" algn="ctr" rtl="0">
                         <a:lnSpc>
                           <a:spcPct val="115000"/>
                         </a:lnSpc>
@@ -14984,7 +14444,7 @@
                     <a:bodyPr/>
                     <a:lstStyle/>
                     <a:p>
-                      <a:pPr marL="0" marR="0" algn="l" rtl="0">
+                      <a:pPr marL="0" marR="0" algn="ctr" rtl="0">
                         <a:lnSpc>
                           <a:spcPct val="115000"/>
                         </a:lnSpc>
@@ -15020,7 +14480,7 @@
                     <a:bodyPr/>
                     <a:lstStyle/>
                     <a:p>
-                      <a:pPr marL="0" marR="0" algn="l" rtl="0">
+                      <a:pPr marL="0" marR="0" algn="ctr" rtl="0">
                         <a:lnSpc>
                           <a:spcPct val="115000"/>
                         </a:lnSpc>
@@ -15052,7 +14512,7 @@
                     <a:bodyPr/>
                     <a:lstStyle/>
                     <a:p>
-                      <a:pPr marL="0" marR="0" algn="l" rtl="0">
+                      <a:pPr marL="0" marR="0" algn="ctr" rtl="0">
                         <a:lnSpc>
                           <a:spcPct val="115000"/>
                         </a:lnSpc>
@@ -15084,7 +14544,7 @@
                     <a:bodyPr/>
                     <a:lstStyle/>
                     <a:p>
-                      <a:pPr marL="0" marR="0" algn="l" rtl="0">
+                      <a:pPr marL="0" marR="0" algn="ctr" rtl="0">
                         <a:lnSpc>
                           <a:spcPct val="115000"/>
                         </a:lnSpc>
@@ -15123,7 +14583,7 @@
                     <a:bodyPr/>
                     <a:lstStyle/>
                     <a:p>
-                      <a:pPr marL="0" marR="0" algn="l" rtl="0">
+                      <a:pPr marL="0" marR="0" algn="ctr" rtl="0">
                         <a:lnSpc>
                           <a:spcPct val="115000"/>
                         </a:lnSpc>
@@ -15159,7 +14619,7 @@
                     <a:bodyPr/>
                     <a:lstStyle/>
                     <a:p>
-                      <a:pPr marL="0" marR="0" algn="l" rtl="0">
+                      <a:pPr marL="0" marR="0" algn="ctr" rtl="0">
                         <a:lnSpc>
                           <a:spcPct val="115000"/>
                         </a:lnSpc>
@@ -15197,24 +14657,24 @@
                     <a:bodyPr/>
                     <a:lstStyle/>
                     <a:p>
-                      <a:pPr marL="0" marR="0" algn="l" rtl="0">
-                        <a:lnSpc>
-                          <a:spcPct val="115000"/>
-                        </a:lnSpc>
-                        <a:spcBef>
-                          <a:spcPts val="0"/>
-                        </a:spcBef>
-                        <a:spcAft>
-                          <a:spcPts val="0"/>
-                        </a:spcAft>
-                      </a:pPr>
-                      <a:r>
-                        <a:rPr lang="ar-SA" sz="1600" kern="0">
+                      <a:pPr marL="0" marR="0" algn="ctr" rtl="0">
+                        <a:lnSpc>
+                          <a:spcPct val="115000"/>
+                        </a:lnSpc>
+                        <a:spcBef>
+                          <a:spcPts val="0"/>
+                        </a:spcBef>
+                        <a:spcAft>
+                          <a:spcPts val="0"/>
+                        </a:spcAft>
+                      </a:pPr>
+                      <a:r>
+                        <a:rPr lang="ar-SA" sz="1600" kern="0" dirty="0">
                           <a:effectLst/>
                         </a:rPr>
                         <a:t>نصي</a:t>
                       </a:r>
-                      <a:endParaRPr lang="en-US" sz="1600" kern="100">
+                      <a:endParaRPr lang="en-US" sz="1600" kern="100" dirty="0">
                         <a:effectLst/>
                         <a:latin typeface="Aptos" panose="020B0004020202020204" pitchFamily="34" charset="0"/>
                         <a:ea typeface="Aptos" panose="020B0004020202020204" pitchFamily="34" charset="0"/>
@@ -15229,7 +14689,7 @@
                     <a:bodyPr/>
                     <a:lstStyle/>
                     <a:p>
-                      <a:pPr marL="0" marR="0" algn="l" rtl="0">
+                      <a:pPr marL="0" marR="0" algn="ctr" rtl="0">
                         <a:lnSpc>
                           <a:spcPct val="115000"/>
                         </a:lnSpc>
@@ -15280,7 +14740,7 @@
                     <a:bodyPr/>
                     <a:lstStyle/>
                     <a:p>
-                      <a:pPr marL="0" marR="0" algn="l" rtl="0">
+                      <a:pPr marL="0" marR="0" algn="ctr" rtl="0">
                         <a:lnSpc>
                           <a:spcPct val="115000"/>
                         </a:lnSpc>
@@ -15316,7 +14776,7 @@
                     <a:bodyPr/>
                     <a:lstStyle/>
                     <a:p>
-                      <a:pPr marL="0" marR="0" algn="l" rtl="0">
+                      <a:pPr marL="0" marR="0" algn="ctr" rtl="0">
                         <a:lnSpc>
                           <a:spcPct val="115000"/>
                         </a:lnSpc>
@@ -15348,7 +14808,7 @@
                     <a:bodyPr/>
                     <a:lstStyle/>
                     <a:p>
-                      <a:pPr marL="0" marR="0" algn="l" rtl="0">
+                      <a:pPr marL="0" marR="0" algn="ctr" rtl="0">
                         <a:lnSpc>
                           <a:spcPct val="115000"/>
                         </a:lnSpc>
@@ -15380,7 +14840,7 @@
                     <a:bodyPr/>
                     <a:lstStyle/>
                     <a:p>
-                      <a:pPr marL="0" marR="0" algn="l" rtl="0">
+                      <a:pPr marL="0" marR="0" algn="ctr" rtl="0">
                         <a:lnSpc>
                           <a:spcPct val="115000"/>
                         </a:lnSpc>
@@ -15419,7 +14879,7 @@
                     <a:bodyPr/>
                     <a:lstStyle/>
                     <a:p>
-                      <a:pPr marL="0" marR="0" algn="l" rtl="0">
+                      <a:pPr marL="0" marR="0" algn="ctr" rtl="0">
                         <a:lnSpc>
                           <a:spcPct val="115000"/>
                         </a:lnSpc>
@@ -15455,7 +14915,7 @@
                     <a:bodyPr/>
                     <a:lstStyle/>
                     <a:p>
-                      <a:pPr marL="0" marR="0" algn="l" rtl="0">
+                      <a:pPr marL="0" marR="0" algn="ctr" rtl="0">
                         <a:lnSpc>
                           <a:spcPct val="115000"/>
                         </a:lnSpc>
@@ -15493,7 +14953,7 @@
                     <a:bodyPr/>
                     <a:lstStyle/>
                     <a:p>
-                      <a:pPr marL="0" marR="0" algn="l" rtl="0">
+                      <a:pPr marL="0" marR="0" algn="ctr" rtl="0">
                         <a:lnSpc>
                           <a:spcPct val="115000"/>
                         </a:lnSpc>
@@ -15525,7 +14985,7 @@
                     <a:bodyPr/>
                     <a:lstStyle/>
                     <a:p>
-                      <a:pPr marL="0" marR="0" algn="l" rtl="0">
+                      <a:pPr marL="0" marR="0" algn="ctr" rtl="0">
                         <a:lnSpc>
                           <a:spcPct val="115000"/>
                         </a:lnSpc>
@@ -15564,7 +15024,7 @@
                     <a:bodyPr/>
                     <a:lstStyle/>
                     <a:p>
-                      <a:pPr marL="0" marR="0" algn="l" rtl="0">
+                      <a:pPr marL="0" marR="0" algn="ctr" rtl="0">
                         <a:lnSpc>
                           <a:spcPct val="115000"/>
                         </a:lnSpc>
@@ -15600,7 +15060,7 @@
                     <a:bodyPr/>
                     <a:lstStyle/>
                     <a:p>
-                      <a:pPr marL="0" marR="0" algn="l" rtl="0">
+                      <a:pPr marL="0" marR="0" algn="ctr" rtl="0">
                         <a:lnSpc>
                           <a:spcPct val="115000"/>
                         </a:lnSpc>
@@ -15644,7 +15104,7 @@
                     <a:bodyPr/>
                     <a:lstStyle/>
                     <a:p>
-                      <a:pPr marL="0" marR="0" algn="l" rtl="0">
+                      <a:pPr marL="0" marR="0" algn="ctr" rtl="0">
                         <a:lnSpc>
                           <a:spcPct val="115000"/>
                         </a:lnSpc>
@@ -15676,7 +15136,7 @@
                     <a:bodyPr/>
                     <a:lstStyle/>
                     <a:p>
-                      <a:pPr marL="0" marR="0" algn="l" rtl="0">
+                      <a:pPr marL="0" marR="0" algn="ctr" rtl="0">
                         <a:lnSpc>
                           <a:spcPct val="115000"/>
                         </a:lnSpc>
@@ -15715,7 +15175,7 @@
                     <a:bodyPr/>
                     <a:lstStyle/>
                     <a:p>
-                      <a:pPr marL="0" marR="0" algn="l" rtl="0">
+                      <a:pPr marL="0" marR="0" algn="ctr" rtl="0">
                         <a:lnSpc>
                           <a:spcPct val="115000"/>
                         </a:lnSpc>
@@ -15751,7 +15211,7 @@
                     <a:bodyPr/>
                     <a:lstStyle/>
                     <a:p>
-                      <a:pPr marL="0" marR="0" algn="l" rtl="0">
+                      <a:pPr marL="0" marR="0" algn="ctr" rtl="0">
                         <a:lnSpc>
                           <a:spcPct val="115000"/>
                         </a:lnSpc>
@@ -15783,7 +15243,7 @@
                     <a:bodyPr/>
                     <a:lstStyle/>
                     <a:p>
-                      <a:pPr marL="0" marR="0" algn="l" rtl="0">
+                      <a:pPr marL="0" marR="0" algn="ctr" rtl="0">
                         <a:lnSpc>
                           <a:spcPct val="115000"/>
                         </a:lnSpc>
@@ -15815,7 +15275,7 @@
                     <a:bodyPr/>
                     <a:lstStyle/>
                     <a:p>
-                      <a:pPr marL="0" marR="0" algn="l" rtl="0">
+                      <a:pPr marL="0" marR="0" algn="ctr" rtl="0">
                         <a:lnSpc>
                           <a:spcPct val="115000"/>
                         </a:lnSpc>
@@ -15854,7 +15314,7 @@
                     <a:bodyPr/>
                     <a:lstStyle/>
                     <a:p>
-                      <a:pPr marL="0" marR="0" algn="l" rtl="0">
+                      <a:pPr marL="0" marR="0" algn="ctr" rtl="0">
                         <a:lnSpc>
                           <a:spcPct val="115000"/>
                         </a:lnSpc>
@@ -15890,7 +15350,7 @@
                     <a:bodyPr/>
                     <a:lstStyle/>
                     <a:p>
-                      <a:pPr marL="0" marR="0" algn="l" rtl="0">
+                      <a:pPr marL="0" marR="0" algn="ctr" rtl="0">
                         <a:lnSpc>
                           <a:spcPct val="115000"/>
                         </a:lnSpc>
@@ -15928,7 +15388,7 @@
                     <a:bodyPr/>
                     <a:lstStyle/>
                     <a:p>
-                      <a:pPr marL="0" marR="0" algn="l" rtl="0">
+                      <a:pPr marL="0" marR="0" algn="ctr" rtl="0">
                         <a:lnSpc>
                           <a:spcPct val="115000"/>
                         </a:lnSpc>
@@ -15960,7 +15420,7 @@
                     <a:bodyPr/>
                     <a:lstStyle/>
                     <a:p>
-                      <a:pPr marL="0" marR="0" algn="l" rtl="0">
+                      <a:pPr marL="0" marR="0" algn="ctr" rtl="0">
                         <a:lnSpc>
                           <a:spcPct val="115000"/>
                         </a:lnSpc>
@@ -15999,7 +15459,7 @@
                     <a:bodyPr/>
                     <a:lstStyle/>
                     <a:p>
-                      <a:pPr marL="0" marR="0" algn="l" rtl="0">
+                      <a:pPr marL="0" marR="0" algn="ctr" rtl="0">
                         <a:lnSpc>
                           <a:spcPct val="115000"/>
                         </a:lnSpc>
@@ -16035,7 +15495,7 @@
                     <a:bodyPr/>
                     <a:lstStyle/>
                     <a:p>
-                      <a:pPr marL="0" marR="0" algn="l" rtl="0">
+                      <a:pPr marL="0" marR="0" algn="ctr" rtl="0">
                         <a:lnSpc>
                           <a:spcPct val="115000"/>
                         </a:lnSpc>
@@ -16079,7 +15539,7 @@
                     <a:bodyPr/>
                     <a:lstStyle/>
                     <a:p>
-                      <a:pPr marL="0" marR="0" algn="l" rtl="0">
+                      <a:pPr marL="0" marR="0" algn="ctr" rtl="0">
                         <a:lnSpc>
                           <a:spcPct val="115000"/>
                         </a:lnSpc>
@@ -16111,24 +15571,24 @@
                     <a:bodyPr/>
                     <a:lstStyle/>
                     <a:p>
-                      <a:pPr marL="0" marR="0" algn="l" rtl="0">
-                        <a:lnSpc>
-                          <a:spcPct val="115000"/>
-                        </a:lnSpc>
-                        <a:spcBef>
-                          <a:spcPts val="0"/>
-                        </a:spcBef>
-                        <a:spcAft>
-                          <a:spcPts val="0"/>
-                        </a:spcAft>
-                      </a:pPr>
-                      <a:r>
-                        <a:rPr lang="ar-SA" sz="1600" kern="0">
+                      <a:pPr marL="0" marR="0" algn="ctr" rtl="0">
+                        <a:lnSpc>
+                          <a:spcPct val="115000"/>
+                        </a:lnSpc>
+                        <a:spcBef>
+                          <a:spcPts val="0"/>
+                        </a:spcBef>
+                        <a:spcAft>
+                          <a:spcPts val="0"/>
+                        </a:spcAft>
+                      </a:pPr>
+                      <a:r>
+                        <a:rPr lang="ar-SA" sz="1600" kern="0" dirty="0">
                           <a:effectLst/>
                         </a:rPr>
                         <a:t>تفعيل الروابط في النصوص</a:t>
                       </a:r>
-                      <a:endParaRPr lang="en-US" sz="1600" kern="100">
+                      <a:endParaRPr lang="en-US" sz="1600" kern="100" dirty="0">
                         <a:effectLst/>
                         <a:latin typeface="Aptos" panose="020B0004020202020204" pitchFamily="34" charset="0"/>
                         <a:ea typeface="Aptos" panose="020B0004020202020204" pitchFamily="34" charset="0"/>
@@ -16150,7 +15610,7 @@
                     <a:bodyPr/>
                     <a:lstStyle/>
                     <a:p>
-                      <a:pPr marL="0" marR="0" algn="l" rtl="0">
+                      <a:pPr marL="0" marR="0" algn="ctr" rtl="0">
                         <a:lnSpc>
                           <a:spcPct val="115000"/>
                         </a:lnSpc>
@@ -16186,7 +15646,7 @@
                     <a:bodyPr/>
                     <a:lstStyle/>
                     <a:p>
-                      <a:pPr marL="0" marR="0" algn="l" rtl="0">
+                      <a:pPr marL="0" marR="0" algn="ctr" rtl="0">
                         <a:lnSpc>
                           <a:spcPct val="115000"/>
                         </a:lnSpc>
@@ -16230,7 +15690,7 @@
                     <a:bodyPr/>
                     <a:lstStyle/>
                     <a:p>
-                      <a:pPr marL="0" marR="0" algn="l" rtl="0">
+                      <a:pPr marL="0" marR="0" algn="ctr" rtl="0">
                         <a:lnSpc>
                           <a:spcPct val="115000"/>
                         </a:lnSpc>
@@ -16262,24 +15722,24 @@
                     <a:bodyPr/>
                     <a:lstStyle/>
                     <a:p>
-                      <a:pPr marL="0" marR="0" algn="l" rtl="0">
-                        <a:lnSpc>
-                          <a:spcPct val="115000"/>
-                        </a:lnSpc>
-                        <a:spcBef>
-                          <a:spcPts val="0"/>
-                        </a:spcBef>
-                        <a:spcAft>
-                          <a:spcPts val="0"/>
-                        </a:spcAft>
-                      </a:pPr>
-                      <a:r>
-                        <a:rPr lang="ar-SA" sz="1600" kern="0">
+                      <a:pPr marL="0" marR="0" algn="ctr" rtl="0">
+                        <a:lnSpc>
+                          <a:spcPct val="115000"/>
+                        </a:lnSpc>
+                        <a:spcBef>
+                          <a:spcPts val="0"/>
+                        </a:spcBef>
+                        <a:spcAft>
+                          <a:spcPts val="0"/>
+                        </a:spcAft>
+                      </a:pPr>
+                      <a:r>
+                        <a:rPr lang="ar-SA" sz="1600" kern="0" dirty="0">
                           <a:effectLst/>
                         </a:rPr>
                         <a:t>روابط قصيرة</a:t>
                       </a:r>
-                      <a:endParaRPr lang="en-US" sz="1600" kern="100">
+                      <a:endParaRPr lang="en-US" sz="1600" kern="100" dirty="0">
                         <a:effectLst/>
                         <a:latin typeface="Aptos" panose="020B0004020202020204" pitchFamily="34" charset="0"/>
                         <a:ea typeface="Aptos" panose="020B0004020202020204" pitchFamily="34" charset="0"/>
@@ -16301,7 +15761,7 @@
                     <a:bodyPr/>
                     <a:lstStyle/>
                     <a:p>
-                      <a:pPr marL="0" marR="0" algn="l" rtl="0">
+                      <a:pPr marL="0" marR="0" algn="ctr" rtl="0">
                         <a:lnSpc>
                           <a:spcPct val="115000"/>
                         </a:lnSpc>
@@ -16337,7 +15797,7 @@
                     <a:bodyPr/>
                     <a:lstStyle/>
                     <a:p>
-                      <a:pPr marL="0" marR="0" algn="l" rtl="0">
+                      <a:pPr marL="0" marR="0" algn="ctr" rtl="0">
                         <a:lnSpc>
                           <a:spcPct val="115000"/>
                         </a:lnSpc>
@@ -16369,7 +15829,7 @@
                     <a:bodyPr/>
                     <a:lstStyle/>
                     <a:p>
-                      <a:pPr marL="0" marR="0" algn="l" rtl="0">
+                      <a:pPr marL="0" marR="0" algn="ctr" rtl="0">
                         <a:lnSpc>
                           <a:spcPct val="115000"/>
                         </a:lnSpc>
@@ -16401,24 +15861,24 @@
                     <a:bodyPr/>
                     <a:lstStyle/>
                     <a:p>
-                      <a:pPr marL="0" marR="0" algn="l" rtl="0">
-                        <a:lnSpc>
-                          <a:spcPct val="115000"/>
-                        </a:lnSpc>
-                        <a:spcBef>
-                          <a:spcPts val="0"/>
-                        </a:spcBef>
-                        <a:spcAft>
-                          <a:spcPts val="0"/>
-                        </a:spcAft>
-                      </a:pPr>
-                      <a:r>
-                        <a:rPr lang="ar-SA" sz="1600" kern="0">
+                      <a:pPr marL="0" marR="0" algn="ctr" rtl="0">
+                        <a:lnSpc>
+                          <a:spcPct val="115000"/>
+                        </a:lnSpc>
+                        <a:spcBef>
+                          <a:spcPts val="0"/>
+                        </a:spcBef>
+                        <a:spcAft>
+                          <a:spcPts val="0"/>
+                        </a:spcAft>
+                      </a:pPr>
+                      <a:r>
+                        <a:rPr lang="ar-SA" sz="1600" kern="0" dirty="0">
                           <a:effectLst/>
                         </a:rPr>
                         <a:t>إحصاء نصوص</a:t>
                       </a:r>
-                      <a:endParaRPr lang="en-US" sz="1600" kern="100">
+                      <a:endParaRPr lang="en-US" sz="1600" kern="100" dirty="0">
                         <a:effectLst/>
                         <a:latin typeface="Aptos" panose="020B0004020202020204" pitchFamily="34" charset="0"/>
                         <a:ea typeface="Aptos" panose="020B0004020202020204" pitchFamily="34" charset="0"/>
@@ -16440,7 +15900,7 @@
                     <a:bodyPr/>
                     <a:lstStyle/>
                     <a:p>
-                      <a:pPr marL="0" marR="0" algn="l" rtl="0">
+                      <a:pPr marL="0" marR="0" algn="ctr" rtl="0">
                         <a:lnSpc>
                           <a:spcPct val="115000"/>
                         </a:lnSpc>
@@ -16476,7 +15936,7 @@
                     <a:bodyPr/>
                     <a:lstStyle/>
                     <a:p>
-                      <a:pPr marL="0" marR="0" algn="l" rtl="0">
+                      <a:pPr marL="0" marR="0" algn="ctr" rtl="0">
                         <a:lnSpc>
                           <a:spcPct val="115000"/>
                         </a:lnSpc>
@@ -16508,7 +15968,7 @@
                     <a:bodyPr/>
                     <a:lstStyle/>
                     <a:p>
-                      <a:pPr marL="0" marR="0" algn="l" rtl="0">
+                      <a:pPr marL="0" marR="0" algn="ctr" rtl="0">
                         <a:lnSpc>
                           <a:spcPct val="115000"/>
                         </a:lnSpc>
@@ -16540,24 +16000,24 @@
                     <a:bodyPr/>
                     <a:lstStyle/>
                     <a:p>
-                      <a:pPr marL="0" marR="0" algn="l" rtl="0">
-                        <a:lnSpc>
-                          <a:spcPct val="115000"/>
-                        </a:lnSpc>
-                        <a:spcBef>
-                          <a:spcPts val="0"/>
-                        </a:spcBef>
-                        <a:spcAft>
-                          <a:spcPts val="0"/>
-                        </a:spcAft>
-                      </a:pPr>
-                      <a:r>
-                        <a:rPr lang="ar-SA" sz="1600" kern="0">
+                      <a:pPr marL="0" marR="0" algn="ctr" rtl="0">
+                        <a:lnSpc>
+                          <a:spcPct val="115000"/>
+                        </a:lnSpc>
+                        <a:spcBef>
+                          <a:spcPts val="0"/>
+                        </a:spcBef>
+                        <a:spcAft>
+                          <a:spcPts val="0"/>
+                        </a:spcAft>
+                      </a:pPr>
+                      <a:r>
+                        <a:rPr lang="ar-SA" sz="1600" kern="0" dirty="0">
                           <a:effectLst/>
                         </a:rPr>
                         <a:t>تنسيق النصوص</a:t>
                       </a:r>
-                      <a:endParaRPr lang="en-US" sz="1600" kern="100">
+                      <a:endParaRPr lang="en-US" sz="1600" kern="100" dirty="0">
                         <a:effectLst/>
                         <a:latin typeface="Aptos" panose="020B0004020202020204" pitchFamily="34" charset="0"/>
                         <a:ea typeface="Aptos" panose="020B0004020202020204" pitchFamily="34" charset="0"/>
@@ -16579,7 +16039,7 @@
                     <a:bodyPr/>
                     <a:lstStyle/>
                     <a:p>
-                      <a:pPr marL="0" marR="0" algn="l" rtl="0">
+                      <a:pPr marL="0" marR="0" algn="ctr" rtl="0">
                         <a:lnSpc>
                           <a:spcPct val="115000"/>
                         </a:lnSpc>
@@ -16615,7 +16075,7 @@
                     <a:bodyPr/>
                     <a:lstStyle/>
                     <a:p>
-                      <a:pPr marL="0" marR="0" algn="l" rtl="0">
+                      <a:pPr marL="0" marR="0" algn="ctr" rtl="0">
                         <a:lnSpc>
                           <a:spcPct val="115000"/>
                         </a:lnSpc>
@@ -16653,7 +16113,7 @@
                     <a:bodyPr/>
                     <a:lstStyle/>
                     <a:p>
-                      <a:pPr marL="0" marR="0" algn="l" rtl="0">
+                      <a:pPr marL="0" marR="0" algn="ctr" rtl="0">
                         <a:lnSpc>
                           <a:spcPct val="115000"/>
                         </a:lnSpc>
@@ -16685,7 +16145,7 @@
                     <a:bodyPr/>
                     <a:lstStyle/>
                     <a:p>
-                      <a:pPr marL="0" marR="0" algn="l" rtl="0">
+                      <a:pPr marL="0" marR="0" algn="ctr" rtl="0">
                         <a:lnSpc>
                           <a:spcPct val="115000"/>
                         </a:lnSpc>
@@ -17925,10 +17385,10 @@
       </p:sp>
       <p:pic>
         <p:nvPicPr>
-          <p:cNvPr id="8" name="Picture 7">
+          <p:cNvPr id="3" name="Picture 2">
             <a:extLst>
               <a:ext uri="{FF2B5EF4-FFF2-40B4-BE49-F238E27FC236}">
-                <a16:creationId xmlns:a16="http://schemas.microsoft.com/office/drawing/2014/main" id="{EFF8F745-F20B-EF34-EB56-AE00F87BC48C}"/>
+                <a16:creationId xmlns:a16="http://schemas.microsoft.com/office/drawing/2014/main" id="{207A22C3-C91B-B83F-1FD3-A4FF3C336C4A}"/>
               </a:ext>
             </a:extLst>
           </p:cNvPr>
@@ -17945,8 +17405,8 @@
         </p:blipFill>
         <p:spPr>
           <a:xfrm>
-            <a:off x="254000" y="776486"/>
-            <a:ext cx="5232400" cy="2831789"/>
+            <a:off x="6477000" y="772275"/>
+            <a:ext cx="5671609" cy="3087278"/>
           </a:xfrm>
           <a:prstGeom prst="rect">
             <a:avLst/>
@@ -17955,10 +17415,10 @@
       </p:pic>
       <p:pic>
         <p:nvPicPr>
-          <p:cNvPr id="13" name="Picture 12">
+          <p:cNvPr id="5" name="Picture 4">
             <a:extLst>
               <a:ext uri="{FF2B5EF4-FFF2-40B4-BE49-F238E27FC236}">
-                <a16:creationId xmlns:a16="http://schemas.microsoft.com/office/drawing/2014/main" id="{DD7DB905-889B-A25F-07CF-3DD5A40A7CA4}"/>
+                <a16:creationId xmlns:a16="http://schemas.microsoft.com/office/drawing/2014/main" id="{5DA9E1CF-A284-03DA-8831-7EFA2977A07A}"/>
               </a:ext>
             </a:extLst>
           </p:cNvPr>
@@ -17975,8 +17435,8 @@
         </p:blipFill>
         <p:spPr>
           <a:xfrm>
-            <a:off x="6276185" y="741561"/>
-            <a:ext cx="5915815" cy="2857189"/>
+            <a:off x="0" y="772275"/>
+            <a:ext cx="6096000" cy="3087278"/>
           </a:xfrm>
           <a:prstGeom prst="rect">
             <a:avLst/>
@@ -17985,10 +17445,10 @@
       </p:pic>
       <p:pic>
         <p:nvPicPr>
-          <p:cNvPr id="15" name="Picture 14">
+          <p:cNvPr id="9" name="Picture 8">
             <a:extLst>
               <a:ext uri="{FF2B5EF4-FFF2-40B4-BE49-F238E27FC236}">
-                <a16:creationId xmlns:a16="http://schemas.microsoft.com/office/drawing/2014/main" id="{D370EB36-C7FA-2B14-7C3E-D4998EF24506}"/>
+                <a16:creationId xmlns:a16="http://schemas.microsoft.com/office/drawing/2014/main" id="{85C6FD18-B96E-4BE2-3E9A-02AC0870F54E}"/>
               </a:ext>
             </a:extLst>
           </p:cNvPr>
@@ -18005,8 +17465,38 @@
         </p:blipFill>
         <p:spPr>
           <a:xfrm>
-            <a:off x="3200400" y="3620974"/>
-            <a:ext cx="5664991" cy="3140513"/>
+            <a:off x="6570481" y="3859553"/>
+            <a:ext cx="5486401" cy="2959687"/>
+          </a:xfrm>
+          <a:prstGeom prst="rect">
+            <a:avLst/>
+          </a:prstGeom>
+        </p:spPr>
+      </p:pic>
+      <p:pic>
+        <p:nvPicPr>
+          <p:cNvPr id="11" name="Picture 10">
+            <a:extLst>
+              <a:ext uri="{FF2B5EF4-FFF2-40B4-BE49-F238E27FC236}">
+                <a16:creationId xmlns:a16="http://schemas.microsoft.com/office/drawing/2014/main" id="{9A97CCE9-311B-0064-2504-A8DE4CDC57B5}"/>
+              </a:ext>
+            </a:extLst>
+          </p:cNvPr>
+          <p:cNvPicPr>
+            <a:picLocks noChangeAspect="1"/>
+          </p:cNvPicPr>
+          <p:nvPr/>
+        </p:nvPicPr>
+        <p:blipFill>
+          <a:blip r:embed="rId5"/>
+          <a:stretch>
+            <a:fillRect/>
+          </a:stretch>
+        </p:blipFill>
+        <p:spPr>
+          <a:xfrm>
+            <a:off x="0" y="3924912"/>
+            <a:ext cx="6165130" cy="2828967"/>
           </a:xfrm>
           <a:prstGeom prst="rect">
             <a:avLst/>
@@ -18572,18 +18062,6 @@
               </a:lnSpc>
             </a:pPr>
             <a:r>
-              <a:rPr lang="en-US" sz="2099" dirty="0" err="1">
-                <a:solidFill>
-                  <a:srgbClr val="FFFFFF"/>
-                </a:solidFill>
-                <a:latin typeface="League Spartan"/>
-                <a:ea typeface="League Spartan"/>
-                <a:cs typeface="League Spartan"/>
-                <a:sym typeface="League Spartan"/>
-              </a:rPr>
-              <a:t>Hw</a:t>
-            </a:r>
-            <a:r>
               <a:rPr lang="en-US" sz="2099" dirty="0">
                 <a:solidFill>
                   <a:srgbClr val="FFFFFF"/>
@@ -18593,7 +18071,7 @@
                 <a:cs typeface="League Spartan"/>
                 <a:sym typeface="League Spartan"/>
               </a:rPr>
-              <a:t> _lab_3</a:t>
+              <a:t>HW _lab_3</a:t>
             </a:r>
           </a:p>
         </p:txBody>
